--- a/Curso/Curso.pptx
+++ b/Curso/Curso.pptx
@@ -888,7 +888,7 @@
           <a:p>
             <a:fld id="{7F8E3347-EFDA-483A-9E95-BDA4F3B6010F}" type="datetimeFigureOut">
               <a:rPr lang="en-US" smtClean="0"/>
-              <a:t>7/31/22</a:t>
+              <a:t>1/29/23</a:t>
             </a:fld>
             <a:endParaRPr lang="en-US"/>
           </a:p>
@@ -1114,7 +1114,7 @@
           <a:p>
             <a:fld id="{7F8E3347-EFDA-483A-9E95-BDA4F3B6010F}" type="datetimeFigureOut">
               <a:rPr lang="en-US" smtClean="0"/>
-              <a:t>7/31/22</a:t>
+              <a:t>1/29/23</a:t>
             </a:fld>
             <a:endParaRPr lang="en-US"/>
           </a:p>
@@ -1388,7 +1388,7 @@
           <a:p>
             <a:fld id="{7F8E3347-EFDA-483A-9E95-BDA4F3B6010F}" type="datetimeFigureOut">
               <a:rPr lang="en-US" smtClean="0"/>
-              <a:t>7/31/22</a:t>
+              <a:t>1/29/23</a:t>
             </a:fld>
             <a:endParaRPr lang="en-US"/>
           </a:p>
@@ -1576,7 +1576,7 @@
           <a:p>
             <a:fld id="{7F8E3347-EFDA-483A-9E95-BDA4F3B6010F}" type="datetimeFigureOut">
               <a:rPr lang="en-US" smtClean="0"/>
-              <a:t>7/31/22</a:t>
+              <a:t>1/29/23</a:t>
             </a:fld>
             <a:endParaRPr lang="en-US"/>
           </a:p>
@@ -1929,7 +1929,7 @@
           <a:p>
             <a:fld id="{7F8E3347-EFDA-483A-9E95-BDA4F3B6010F}" type="datetimeFigureOut">
               <a:rPr lang="en-US" smtClean="0"/>
-              <a:t>7/31/22</a:t>
+              <a:t>1/29/23</a:t>
             </a:fld>
             <a:endParaRPr lang="en-US"/>
           </a:p>
@@ -2222,7 +2222,7 @@
           <a:p>
             <a:fld id="{7F8E3347-EFDA-483A-9E95-BDA4F3B6010F}" type="datetimeFigureOut">
               <a:rPr lang="en-US" smtClean="0"/>
-              <a:t>7/31/22</a:t>
+              <a:t>1/29/23</a:t>
             </a:fld>
             <a:endParaRPr lang="en-US"/>
           </a:p>
@@ -2619,7 +2619,7 @@
           <a:p>
             <a:fld id="{7F8E3347-EFDA-483A-9E95-BDA4F3B6010F}" type="datetimeFigureOut">
               <a:rPr lang="en-US" smtClean="0"/>
-              <a:t>7/31/22</a:t>
+              <a:t>1/29/23</a:t>
             </a:fld>
             <a:endParaRPr lang="en-US"/>
           </a:p>
@@ -2755,7 +2755,7 @@
           <a:p>
             <a:fld id="{7F8E3347-EFDA-483A-9E95-BDA4F3B6010F}" type="datetimeFigureOut">
               <a:rPr lang="en-US" smtClean="0"/>
-              <a:t>7/31/22</a:t>
+              <a:t>1/29/23</a:t>
             </a:fld>
             <a:endParaRPr lang="en-US"/>
           </a:p>
@@ -2944,7 +2944,7 @@
           <a:p>
             <a:fld id="{7F8E3347-EFDA-483A-9E95-BDA4F3B6010F}" type="datetimeFigureOut">
               <a:rPr lang="en-US" smtClean="0"/>
-              <a:t>7/31/22</a:t>
+              <a:t>1/29/23</a:t>
             </a:fld>
             <a:endParaRPr lang="en-US"/>
           </a:p>
@@ -3316,7 +3316,7 @@
           <a:p>
             <a:fld id="{7F8E3347-EFDA-483A-9E95-BDA4F3B6010F}" type="datetimeFigureOut">
               <a:rPr lang="en-US" smtClean="0"/>
-              <a:t>7/31/22</a:t>
+              <a:t>1/29/23</a:t>
             </a:fld>
             <a:endParaRPr lang="en-US"/>
           </a:p>
@@ -3711,7 +3711,7 @@
           <a:p>
             <a:fld id="{7F8E3347-EFDA-483A-9E95-BDA4F3B6010F}" type="datetimeFigureOut">
               <a:rPr lang="en-US" smtClean="0"/>
-              <a:t>7/31/22</a:t>
+              <a:t>1/29/23</a:t>
             </a:fld>
             <a:endParaRPr lang="en-US"/>
           </a:p>
@@ -4016,7 +4016,7 @@
           <a:p>
             <a:fld id="{7F8E3347-EFDA-483A-9E95-BDA4F3B6010F}" type="datetimeFigureOut">
               <a:rPr lang="en-US" smtClean="0"/>
-              <a:t>7/31/22</a:t>
+              <a:t>1/29/23</a:t>
             </a:fld>
             <a:endParaRPr lang="en-US"/>
           </a:p>
@@ -10696,34 +10696,13 @@
           <a:p>
             <a:pPr algn="ctr"/>
             <a:r>
-              <a:rPr lang="en-US" sz="1000" dirty="0" err="1">
+              <a:rPr lang="en-US" sz="1000" dirty="0">
                 <a:solidFill>
                   <a:schemeClr val="bg1"/>
                 </a:solidFill>
               </a:rPr>
-              <a:t>Pruebas</a:t>
-            </a:r>
-            <a:r>
-              <a:rPr lang="en-US" sz="1000" dirty="0">
-                <a:solidFill>
-                  <a:schemeClr val="bg1"/>
-                </a:solidFill>
-              </a:rPr>
-              <a:t> y </a:t>
-            </a:r>
-            <a:r>
-              <a:rPr lang="en-US" sz="1000" dirty="0" err="1">
-                <a:solidFill>
-                  <a:schemeClr val="bg1"/>
-                </a:solidFill>
-              </a:rPr>
-              <a:t>excepciones</a:t>
-            </a:r>
-            <a:endParaRPr lang="en-US" sz="1000" dirty="0">
-              <a:solidFill>
-                <a:schemeClr val="bg1"/>
-              </a:solidFill>
-            </a:endParaRPr>
+              <a:t>TEST</a:t>
+            </a:r>
           </a:p>
         </p:txBody>
       </p:sp>

--- a/Curso/Curso.pptx
+++ b/Curso/Curso.pptx
@@ -5,23 +5,24 @@
     <p:sldMasterId id="2147483712" r:id="rId1"/>
   </p:sldMasterIdLst>
   <p:notesMasterIdLst>
-    <p:notesMasterId r:id="rId16"/>
+    <p:notesMasterId r:id="rId17"/>
   </p:notesMasterIdLst>
   <p:sldIdLst>
     <p:sldId id="256" r:id="rId2"/>
     <p:sldId id="368" r:id="rId3"/>
     <p:sldId id="291" r:id="rId4"/>
-    <p:sldId id="331" r:id="rId5"/>
-    <p:sldId id="366" r:id="rId6"/>
-    <p:sldId id="365" r:id="rId7"/>
-    <p:sldId id="364" r:id="rId8"/>
-    <p:sldId id="363" r:id="rId9"/>
-    <p:sldId id="362" r:id="rId10"/>
-    <p:sldId id="367" r:id="rId11"/>
-    <p:sldId id="360" r:id="rId12"/>
-    <p:sldId id="361" r:id="rId13"/>
-    <p:sldId id="358" r:id="rId14"/>
-    <p:sldId id="356" r:id="rId15"/>
+    <p:sldId id="369" r:id="rId5"/>
+    <p:sldId id="331" r:id="rId6"/>
+    <p:sldId id="366" r:id="rId7"/>
+    <p:sldId id="365" r:id="rId8"/>
+    <p:sldId id="364" r:id="rId9"/>
+    <p:sldId id="363" r:id="rId10"/>
+    <p:sldId id="362" r:id="rId11"/>
+    <p:sldId id="367" r:id="rId12"/>
+    <p:sldId id="360" r:id="rId13"/>
+    <p:sldId id="361" r:id="rId14"/>
+    <p:sldId id="358" r:id="rId15"/>
+    <p:sldId id="356" r:id="rId16"/>
   </p:sldIdLst>
   <p:sldSz cx="9144000" cy="5143500" type="screen16x9"/>
   <p:notesSz cx="6858000" cy="9144000"/>
@@ -888,7 +889,7 @@
           <a:p>
             <a:fld id="{7F8E3347-EFDA-483A-9E95-BDA4F3B6010F}" type="datetimeFigureOut">
               <a:rPr lang="en-US" smtClean="0"/>
-              <a:t>1/29/23</a:t>
+              <a:t>1/30/23</a:t>
             </a:fld>
             <a:endParaRPr lang="en-US"/>
           </a:p>
@@ -1114,7 +1115,7 @@
           <a:p>
             <a:fld id="{7F8E3347-EFDA-483A-9E95-BDA4F3B6010F}" type="datetimeFigureOut">
               <a:rPr lang="en-US" smtClean="0"/>
-              <a:t>1/29/23</a:t>
+              <a:t>1/30/23</a:t>
             </a:fld>
             <a:endParaRPr lang="en-US"/>
           </a:p>
@@ -1388,7 +1389,7 @@
           <a:p>
             <a:fld id="{7F8E3347-EFDA-483A-9E95-BDA4F3B6010F}" type="datetimeFigureOut">
               <a:rPr lang="en-US" smtClean="0"/>
-              <a:t>1/29/23</a:t>
+              <a:t>1/30/23</a:t>
             </a:fld>
             <a:endParaRPr lang="en-US"/>
           </a:p>
@@ -1576,7 +1577,7 @@
           <a:p>
             <a:fld id="{7F8E3347-EFDA-483A-9E95-BDA4F3B6010F}" type="datetimeFigureOut">
               <a:rPr lang="en-US" smtClean="0"/>
-              <a:t>1/29/23</a:t>
+              <a:t>1/30/23</a:t>
             </a:fld>
             <a:endParaRPr lang="en-US"/>
           </a:p>
@@ -1929,7 +1930,7 @@
           <a:p>
             <a:fld id="{7F8E3347-EFDA-483A-9E95-BDA4F3B6010F}" type="datetimeFigureOut">
               <a:rPr lang="en-US" smtClean="0"/>
-              <a:t>1/29/23</a:t>
+              <a:t>1/30/23</a:t>
             </a:fld>
             <a:endParaRPr lang="en-US"/>
           </a:p>
@@ -2222,7 +2223,7 @@
           <a:p>
             <a:fld id="{7F8E3347-EFDA-483A-9E95-BDA4F3B6010F}" type="datetimeFigureOut">
               <a:rPr lang="en-US" smtClean="0"/>
-              <a:t>1/29/23</a:t>
+              <a:t>1/30/23</a:t>
             </a:fld>
             <a:endParaRPr lang="en-US"/>
           </a:p>
@@ -2619,7 +2620,7 @@
           <a:p>
             <a:fld id="{7F8E3347-EFDA-483A-9E95-BDA4F3B6010F}" type="datetimeFigureOut">
               <a:rPr lang="en-US" smtClean="0"/>
-              <a:t>1/29/23</a:t>
+              <a:t>1/30/23</a:t>
             </a:fld>
             <a:endParaRPr lang="en-US"/>
           </a:p>
@@ -2755,7 +2756,7 @@
           <a:p>
             <a:fld id="{7F8E3347-EFDA-483A-9E95-BDA4F3B6010F}" type="datetimeFigureOut">
               <a:rPr lang="en-US" smtClean="0"/>
-              <a:t>1/29/23</a:t>
+              <a:t>1/30/23</a:t>
             </a:fld>
             <a:endParaRPr lang="en-US"/>
           </a:p>
@@ -2944,7 +2945,7 @@
           <a:p>
             <a:fld id="{7F8E3347-EFDA-483A-9E95-BDA4F3B6010F}" type="datetimeFigureOut">
               <a:rPr lang="en-US" smtClean="0"/>
-              <a:t>1/29/23</a:t>
+              <a:t>1/30/23</a:t>
             </a:fld>
             <a:endParaRPr lang="en-US"/>
           </a:p>
@@ -3316,7 +3317,7 @@
           <a:p>
             <a:fld id="{7F8E3347-EFDA-483A-9E95-BDA4F3B6010F}" type="datetimeFigureOut">
               <a:rPr lang="en-US" smtClean="0"/>
-              <a:t>1/29/23</a:t>
+              <a:t>1/30/23</a:t>
             </a:fld>
             <a:endParaRPr lang="en-US"/>
           </a:p>
@@ -3711,7 +3712,7 @@
           <a:p>
             <a:fld id="{7F8E3347-EFDA-483A-9E95-BDA4F3B6010F}" type="datetimeFigureOut">
               <a:rPr lang="en-US" smtClean="0"/>
-              <a:t>1/29/23</a:t>
+              <a:t>1/30/23</a:t>
             </a:fld>
             <a:endParaRPr lang="en-US"/>
           </a:p>
@@ -4016,7 +4017,7 @@
           <a:p>
             <a:fld id="{7F8E3347-EFDA-483A-9E95-BDA4F3B6010F}" type="datetimeFigureOut">
               <a:rPr lang="en-US" smtClean="0"/>
-              <a:t>1/29/23</a:t>
+              <a:t>1/30/23</a:t>
             </a:fld>
             <a:endParaRPr lang="en-US"/>
           </a:p>
@@ -4793,6 +4794,314 @@
                   <a:schemeClr val="tx2"/>
                 </a:solidFill>
               </a:rPr>
+              <a:t>UNIDAD 5</a:t>
+            </a:r>
+          </a:p>
+          <a:p>
+            <a:r>
+              <a:rPr lang="es-ES" dirty="0">
+                <a:solidFill>
+                  <a:schemeClr val="tx2"/>
+                </a:solidFill>
+              </a:rPr>
+              <a:t>Construcción de la GUI</a:t>
+            </a:r>
+          </a:p>
+          <a:p>
+            <a:endParaRPr lang="es-ES" dirty="0">
+              <a:solidFill>
+                <a:schemeClr val="tx2"/>
+              </a:solidFill>
+            </a:endParaRPr>
+          </a:p>
+          <a:p>
+            <a:endParaRPr lang="es-ES" dirty="0">
+              <a:solidFill>
+                <a:schemeClr val="tx2"/>
+              </a:solidFill>
+            </a:endParaRPr>
+          </a:p>
+        </p:txBody>
+      </p:sp>
+      <p:pic>
+        <p:nvPicPr>
+          <p:cNvPr id="12" name="Picture 6" descr="Resultado de imagen de icesi logo blanco&quot;"/>
+          <p:cNvPicPr>
+            <a:picLocks noChangeAspect="1" noChangeArrowheads="1"/>
+          </p:cNvPicPr>
+          <p:nvPr/>
+        </p:nvPicPr>
+        <p:blipFill>
+          <a:blip r:embed="rId2">
+            <a:extLst>
+              <a:ext uri="{28A0092B-C50C-407E-A947-70E740481C1C}">
+                <a14:useLocalDpi xmlns:a14="http://schemas.microsoft.com/office/drawing/2010/main" val="0"/>
+              </a:ext>
+            </a:extLst>
+          </a:blip>
+          <a:srcRect/>
+          <a:stretch>
+            <a:fillRect/>
+          </a:stretch>
+        </p:blipFill>
+        <p:spPr bwMode="auto">
+          <a:xfrm>
+            <a:off x="107504" y="70937"/>
+            <a:ext cx="1353519" cy="426195"/>
+          </a:xfrm>
+          <a:prstGeom prst="rect">
+            <a:avLst/>
+          </a:prstGeom>
+          <a:noFill/>
+          <a:extLst>
+            <a:ext uri="{909E8E84-426E-40DD-AFC4-6F175D3DCCD1}">
+              <a14:hiddenFill xmlns:a14="http://schemas.microsoft.com/office/drawing/2010/main">
+                <a:solidFill>
+                  <a:srgbClr val="FFFFFF"/>
+                </a:solidFill>
+              </a14:hiddenFill>
+            </a:ext>
+          </a:extLst>
+        </p:spPr>
+      </p:pic>
+      <p:sp>
+        <p:nvSpPr>
+          <p:cNvPr id="3" name="Elipse 2"/>
+          <p:cNvSpPr/>
+          <p:nvPr/>
+        </p:nvSpPr>
+        <p:spPr>
+          <a:xfrm>
+            <a:off x="539552" y="1861543"/>
+            <a:ext cx="360040" cy="360040"/>
+          </a:xfrm>
+          <a:prstGeom prst="ellipse">
+            <a:avLst/>
+          </a:prstGeom>
+          <a:ln>
+            <a:noFill/>
+          </a:ln>
+        </p:spPr>
+        <p:style>
+          <a:lnRef idx="2">
+            <a:schemeClr val="accent1">
+              <a:shade val="50000"/>
+            </a:schemeClr>
+          </a:lnRef>
+          <a:fillRef idx="1">
+            <a:schemeClr val="accent1"/>
+          </a:fillRef>
+          <a:effectRef idx="0">
+            <a:schemeClr val="accent1"/>
+          </a:effectRef>
+          <a:fontRef idx="minor">
+            <a:schemeClr val="lt1"/>
+          </a:fontRef>
+        </p:style>
+        <p:txBody>
+          <a:bodyPr rtlCol="0" anchor="ctr"/>
+          <a:lstStyle/>
+          <a:p>
+            <a:pPr algn="ctr"/>
+            <a:r>
+              <a:rPr lang="es-ES" dirty="0">
+                <a:solidFill>
+                  <a:schemeClr val="bg1"/>
+                </a:solidFill>
+              </a:rPr>
+              <a:t>4</a:t>
+            </a:r>
+            <a:endParaRPr lang="es-CO" dirty="0">
+              <a:solidFill>
+                <a:schemeClr val="bg1"/>
+              </a:solidFill>
+            </a:endParaRPr>
+          </a:p>
+        </p:txBody>
+      </p:sp>
+      <p:pic>
+        <p:nvPicPr>
+          <p:cNvPr id="1026" name="Picture 2" descr="Interfaz gráfica de usuario o GUI: Qué es y Para qué sirve | Workana">
+            <a:extLst>
+              <a:ext uri="{FF2B5EF4-FFF2-40B4-BE49-F238E27FC236}">
+                <a16:creationId xmlns:a16="http://schemas.microsoft.com/office/drawing/2014/main" id="{B60F6265-D2F3-D642-9CC7-2944C731E045}"/>
+              </a:ext>
+            </a:extLst>
+          </p:cNvPr>
+          <p:cNvPicPr>
+            <a:picLocks noChangeAspect="1" noChangeArrowheads="1"/>
+          </p:cNvPicPr>
+          <p:nvPr/>
+        </p:nvPicPr>
+        <p:blipFill>
+          <a:blip r:embed="rId3">
+            <a:extLst>
+              <a:ext uri="{28A0092B-C50C-407E-A947-70E740481C1C}">
+                <a14:useLocalDpi xmlns:a14="http://schemas.microsoft.com/office/drawing/2010/main" val="0"/>
+              </a:ext>
+            </a:extLst>
+          </a:blip>
+          <a:srcRect/>
+          <a:stretch>
+            <a:fillRect/>
+          </a:stretch>
+        </p:blipFill>
+        <p:spPr bwMode="auto">
+          <a:xfrm>
+            <a:off x="3563888" y="1479792"/>
+            <a:ext cx="5328592" cy="2507954"/>
+          </a:xfrm>
+          <a:prstGeom prst="rect">
+            <a:avLst/>
+          </a:prstGeom>
+          <a:noFill/>
+          <a:ln>
+            <a:solidFill>
+              <a:schemeClr val="tx1"/>
+            </a:solidFill>
+          </a:ln>
+          <a:extLst>
+            <a:ext uri="{909E8E84-426E-40DD-AFC4-6F175D3DCCD1}">
+              <a14:hiddenFill xmlns:a14="http://schemas.microsoft.com/office/drawing/2010/main">
+                <a:solidFill>
+                  <a:srgbClr val="FFFFFF"/>
+                </a:solidFill>
+              </a14:hiddenFill>
+            </a:ext>
+          </a:extLst>
+        </p:spPr>
+      </p:pic>
+      <p:sp>
+        <p:nvSpPr>
+          <p:cNvPr id="4" name="Rectángulo 3">
+            <a:extLst>
+              <a:ext uri="{FF2B5EF4-FFF2-40B4-BE49-F238E27FC236}">
+                <a16:creationId xmlns:a16="http://schemas.microsoft.com/office/drawing/2014/main" id="{3C501BEC-C3C6-7143-BBE9-D9F6937B6CA5}"/>
+              </a:ext>
+            </a:extLst>
+          </p:cNvPr>
+          <p:cNvSpPr/>
+          <p:nvPr/>
+        </p:nvSpPr>
+        <p:spPr>
+          <a:xfrm>
+            <a:off x="1187624" y="4164517"/>
+            <a:ext cx="6311343" cy="523220"/>
+          </a:xfrm>
+          <a:prstGeom prst="rect">
+            <a:avLst/>
+          </a:prstGeom>
+        </p:spPr>
+        <p:txBody>
+          <a:bodyPr wrap="none">
+            <a:spAutoFit/>
+          </a:bodyPr>
+          <a:lstStyle/>
+          <a:p>
+            <a:pPr algn="ctr"/>
+            <a:r>
+              <a:rPr lang="es-ES" dirty="0">
+                <a:solidFill>
+                  <a:schemeClr val="tx2"/>
+                </a:solidFill>
+              </a:rPr>
+              <a:t>Debemos pensar en los usuarios de las aplicaciones que realizamos. </a:t>
+            </a:r>
+          </a:p>
+          <a:p>
+            <a:pPr algn="ctr"/>
+            <a:r>
+              <a:rPr lang="es-ES" dirty="0">
+                <a:solidFill>
+                  <a:schemeClr val="tx2"/>
+                </a:solidFill>
+              </a:rPr>
+              <a:t>Qué facilidades les damos, qué experiencia ofrecemos, qué valor agregamos</a:t>
+            </a:r>
+          </a:p>
+        </p:txBody>
+      </p:sp>
+    </p:spTree>
+    <p:extLst>
+      <p:ext uri="{BB962C8B-B14F-4D97-AF65-F5344CB8AC3E}">
+        <p14:creationId xmlns:p14="http://schemas.microsoft.com/office/powerpoint/2010/main" val="2430028735"/>
+      </p:ext>
+    </p:extLst>
+  </p:cSld>
+  <p:clrMapOvr>
+    <a:masterClrMapping/>
+  </p:clrMapOvr>
+</p:sld>
+</file>
+
+<file path=ppt/slides/slide11.xml><?xml version="1.0" encoding="utf-8"?>
+<p:sld xmlns:a="http://schemas.openxmlformats.org/drawingml/2006/main" xmlns:r="http://schemas.openxmlformats.org/officeDocument/2006/relationships" xmlns:p="http://schemas.openxmlformats.org/presentationml/2006/main">
+  <p:cSld>
+    <p:spTree>
+      <p:nvGrpSpPr>
+        <p:cNvPr id="1" name=""/>
+        <p:cNvGrpSpPr/>
+        <p:nvPr/>
+      </p:nvGrpSpPr>
+      <p:grpSpPr>
+        <a:xfrm>
+          <a:off x="0" y="0"/>
+          <a:ext cx="0" cy="0"/>
+          <a:chOff x="0" y="0"/>
+          <a:chExt cx="0" cy="0"/>
+        </a:xfrm>
+      </p:grpSpPr>
+      <p:sp>
+        <p:nvSpPr>
+          <p:cNvPr id="2" name="Título 1"/>
+          <p:cNvSpPr>
+            <a:spLocks noGrp="1"/>
+          </p:cNvSpPr>
+          <p:nvPr>
+            <p:ph type="title"/>
+          </p:nvPr>
+        </p:nvSpPr>
+        <p:spPr/>
+        <p:txBody>
+          <a:bodyPr/>
+          <a:lstStyle/>
+          <a:p>
+            <a:r>
+              <a:rPr lang="es-ES" dirty="0"/>
+              <a:t>Composición del curso</a:t>
+            </a:r>
+            <a:endParaRPr lang="es-CO" dirty="0"/>
+          </a:p>
+        </p:txBody>
+      </p:sp>
+      <p:sp>
+        <p:nvSpPr>
+          <p:cNvPr id="8" name="CuadroTexto 7"/>
+          <p:cNvSpPr txBox="1"/>
+          <p:nvPr/>
+        </p:nvSpPr>
+        <p:spPr>
+          <a:xfrm>
+            <a:off x="1115616" y="1779662"/>
+            <a:ext cx="4248472" cy="954107"/>
+          </a:xfrm>
+          <a:prstGeom prst="rect">
+            <a:avLst/>
+          </a:prstGeom>
+          <a:noFill/>
+        </p:spPr>
+        <p:txBody>
+          <a:bodyPr wrap="square" rtlCol="0">
+            <a:spAutoFit/>
+          </a:bodyPr>
+          <a:lstStyle/>
+          <a:p>
+            <a:r>
+              <a:rPr lang="es-ES" b="1" dirty="0">
+                <a:solidFill>
+                  <a:schemeClr val="tx2"/>
+                </a:solidFill>
+              </a:rPr>
               <a:t>UNIDAD 6</a:t>
             </a:r>
           </a:p>
@@ -5064,7 +5373,7 @@
 </p:sld>
 </file>
 
-<file path=ppt/slides/slide11.xml><?xml version="1.0" encoding="utf-8"?>
+<file path=ppt/slides/slide12.xml><?xml version="1.0" encoding="utf-8"?>
 <p:sld xmlns:a="http://schemas.openxmlformats.org/drawingml/2006/main" xmlns:r="http://schemas.openxmlformats.org/officeDocument/2006/relationships" xmlns:p="http://schemas.openxmlformats.org/presentationml/2006/main">
   <p:cSld>
     <p:spTree>
@@ -5517,1624 +5826,6 @@
     <p:extLst>
       <p:ext uri="{BB962C8B-B14F-4D97-AF65-F5344CB8AC3E}">
         <p14:creationId xmlns:p14="http://schemas.microsoft.com/office/powerpoint/2010/main" val="3683369624"/>
-      </p:ext>
-    </p:extLst>
-  </p:cSld>
-  <p:clrMapOvr>
-    <a:masterClrMapping/>
-  </p:clrMapOvr>
-</p:sld>
-</file>
-
-<file path=ppt/slides/slide12.xml><?xml version="1.0" encoding="utf-8"?>
-<p:sld xmlns:a="http://schemas.openxmlformats.org/drawingml/2006/main" xmlns:r="http://schemas.openxmlformats.org/officeDocument/2006/relationships" xmlns:p="http://schemas.openxmlformats.org/presentationml/2006/main">
-  <p:cSld>
-    <p:spTree>
-      <p:nvGrpSpPr>
-        <p:cNvPr id="1" name=""/>
-        <p:cNvGrpSpPr/>
-        <p:nvPr/>
-      </p:nvGrpSpPr>
-      <p:grpSpPr>
-        <a:xfrm>
-          <a:off x="0" y="0"/>
-          <a:ext cx="0" cy="0"/>
-          <a:chOff x="0" y="0"/>
-          <a:chExt cx="0" cy="0"/>
-        </a:xfrm>
-      </p:grpSpPr>
-      <p:sp>
-        <p:nvSpPr>
-          <p:cNvPr id="2" name="Title 1">
-            <a:extLst>
-              <a:ext uri="{FF2B5EF4-FFF2-40B4-BE49-F238E27FC236}">
-                <a16:creationId xmlns:a16="http://schemas.microsoft.com/office/drawing/2014/main" id="{52E7F6AB-7731-5240-9B32-6E7792E42C33}"/>
-              </a:ext>
-            </a:extLst>
-          </p:cNvPr>
-          <p:cNvSpPr>
-            <a:spLocks noGrp="1"/>
-          </p:cNvSpPr>
-          <p:nvPr>
-            <p:ph type="title"/>
-          </p:nvPr>
-        </p:nvSpPr>
-        <p:spPr/>
-        <p:txBody>
-          <a:bodyPr/>
-          <a:lstStyle/>
-          <a:p>
-            <a:r>
-              <a:rPr lang="en-US" dirty="0" err="1"/>
-              <a:t>Calificación</a:t>
-            </a:r>
-            <a:endParaRPr lang="en-US" dirty="0"/>
-          </a:p>
-        </p:txBody>
-      </p:sp>
-      <p:sp>
-        <p:nvSpPr>
-          <p:cNvPr id="7" name="Rounded Rectangle 6">
-            <a:extLst>
-              <a:ext uri="{FF2B5EF4-FFF2-40B4-BE49-F238E27FC236}">
-                <a16:creationId xmlns:a16="http://schemas.microsoft.com/office/drawing/2014/main" id="{3A17402B-4A45-6246-83BB-7FC88CBDD7DC}"/>
-              </a:ext>
-            </a:extLst>
-          </p:cNvPr>
-          <p:cNvSpPr/>
-          <p:nvPr/>
-        </p:nvSpPr>
-        <p:spPr>
-          <a:xfrm>
-            <a:off x="1114043" y="1698548"/>
-            <a:ext cx="2496051" cy="346690"/>
-          </a:xfrm>
-          <a:prstGeom prst="roundRect">
-            <a:avLst/>
-          </a:prstGeom>
-          <a:ln>
-            <a:noFill/>
-          </a:ln>
-        </p:spPr>
-        <p:style>
-          <a:lnRef idx="2">
-            <a:schemeClr val="accent1">
-              <a:shade val="50000"/>
-            </a:schemeClr>
-          </a:lnRef>
-          <a:fillRef idx="1">
-            <a:schemeClr val="accent1"/>
-          </a:fillRef>
-          <a:effectRef idx="0">
-            <a:schemeClr val="accent1"/>
-          </a:effectRef>
-          <a:fontRef idx="minor">
-            <a:schemeClr val="lt1"/>
-          </a:fontRef>
-        </p:style>
-        <p:txBody>
-          <a:bodyPr rtlCol="0" anchor="ctr"/>
-          <a:lstStyle/>
-          <a:p>
-            <a:pPr algn="ctr"/>
-            <a:r>
-              <a:rPr lang="en-US" sz="1000" dirty="0" err="1">
-                <a:solidFill>
-                  <a:schemeClr val="bg1"/>
-                </a:solidFill>
-              </a:rPr>
-              <a:t>Tarea</a:t>
-            </a:r>
-            <a:r>
-              <a:rPr lang="en-US" sz="1000" dirty="0">
-                <a:solidFill>
-                  <a:schemeClr val="bg1"/>
-                </a:solidFill>
-              </a:rPr>
-              <a:t> </a:t>
-            </a:r>
-            <a:r>
-              <a:rPr lang="en-US" sz="1000" dirty="0" err="1">
-                <a:solidFill>
-                  <a:schemeClr val="bg1"/>
-                </a:solidFill>
-              </a:rPr>
-              <a:t>integradora</a:t>
-            </a:r>
-            <a:r>
-              <a:rPr lang="en-US" sz="1000" dirty="0">
-                <a:solidFill>
-                  <a:schemeClr val="bg1"/>
-                </a:solidFill>
-              </a:rPr>
-              <a:t> 1</a:t>
-            </a:r>
-          </a:p>
-        </p:txBody>
-      </p:sp>
-      <p:sp>
-        <p:nvSpPr>
-          <p:cNvPr id="9" name="Rounded Rectangle 8">
-            <a:extLst>
-              <a:ext uri="{FF2B5EF4-FFF2-40B4-BE49-F238E27FC236}">
-                <a16:creationId xmlns:a16="http://schemas.microsoft.com/office/drawing/2014/main" id="{F79AD009-042A-4541-9A98-EAB2EB8C5FE0}"/>
-              </a:ext>
-            </a:extLst>
-          </p:cNvPr>
-          <p:cNvSpPr/>
-          <p:nvPr/>
-        </p:nvSpPr>
-        <p:spPr>
-          <a:xfrm>
-            <a:off x="611560" y="1389093"/>
-            <a:ext cx="423664" cy="135632"/>
-          </a:xfrm>
-          <a:prstGeom prst="roundRect">
-            <a:avLst/>
-          </a:prstGeom>
-          <a:solidFill>
-            <a:schemeClr val="accent2"/>
-          </a:solidFill>
-          <a:ln>
-            <a:noFill/>
-          </a:ln>
-        </p:spPr>
-        <p:style>
-          <a:lnRef idx="2">
-            <a:schemeClr val="accent1">
-              <a:shade val="50000"/>
-            </a:schemeClr>
-          </a:lnRef>
-          <a:fillRef idx="1">
-            <a:schemeClr val="accent1"/>
-          </a:fillRef>
-          <a:effectRef idx="0">
-            <a:schemeClr val="accent1"/>
-          </a:effectRef>
-          <a:fontRef idx="minor">
-            <a:schemeClr val="lt1"/>
-          </a:fontRef>
-        </p:style>
-        <p:txBody>
-          <a:bodyPr rtlCol="0" anchor="ctr"/>
-          <a:lstStyle/>
-          <a:p>
-            <a:pPr algn="ctr"/>
-            <a:r>
-              <a:rPr lang="en-US" sz="1000" dirty="0">
-                <a:solidFill>
-                  <a:schemeClr val="bg1"/>
-                </a:solidFill>
-              </a:rPr>
-              <a:t>1</a:t>
-            </a:r>
-          </a:p>
-        </p:txBody>
-      </p:sp>
-      <p:sp>
-        <p:nvSpPr>
-          <p:cNvPr id="10" name="Rounded Rectangle 9">
-            <a:extLst>
-              <a:ext uri="{FF2B5EF4-FFF2-40B4-BE49-F238E27FC236}">
-                <a16:creationId xmlns:a16="http://schemas.microsoft.com/office/drawing/2014/main" id="{858534C4-049A-B340-83ED-2727A396A499}"/>
-              </a:ext>
-            </a:extLst>
-          </p:cNvPr>
-          <p:cNvSpPr/>
-          <p:nvPr/>
-        </p:nvSpPr>
-        <p:spPr>
-          <a:xfrm>
-            <a:off x="1115616" y="1392236"/>
-            <a:ext cx="423664" cy="135632"/>
-          </a:xfrm>
-          <a:prstGeom prst="roundRect">
-            <a:avLst/>
-          </a:prstGeom>
-          <a:solidFill>
-            <a:schemeClr val="accent2"/>
-          </a:solidFill>
-          <a:ln>
-            <a:noFill/>
-          </a:ln>
-        </p:spPr>
-        <p:style>
-          <a:lnRef idx="2">
-            <a:schemeClr val="accent1">
-              <a:shade val="50000"/>
-            </a:schemeClr>
-          </a:lnRef>
-          <a:fillRef idx="1">
-            <a:schemeClr val="accent1"/>
-          </a:fillRef>
-          <a:effectRef idx="0">
-            <a:schemeClr val="accent1"/>
-          </a:effectRef>
-          <a:fontRef idx="minor">
-            <a:schemeClr val="lt1"/>
-          </a:fontRef>
-        </p:style>
-        <p:txBody>
-          <a:bodyPr rtlCol="0" anchor="ctr"/>
-          <a:lstStyle/>
-          <a:p>
-            <a:pPr algn="ctr"/>
-            <a:r>
-              <a:rPr lang="en-US" sz="1000" dirty="0">
-                <a:solidFill>
-                  <a:schemeClr val="bg1"/>
-                </a:solidFill>
-              </a:rPr>
-              <a:t>2</a:t>
-            </a:r>
-          </a:p>
-        </p:txBody>
-      </p:sp>
-      <p:sp>
-        <p:nvSpPr>
-          <p:cNvPr id="11" name="Rounded Rectangle 10">
-            <a:extLst>
-              <a:ext uri="{FF2B5EF4-FFF2-40B4-BE49-F238E27FC236}">
-                <a16:creationId xmlns:a16="http://schemas.microsoft.com/office/drawing/2014/main" id="{95F3EBC1-F1F5-774D-9CA3-7EB2AFDC3BD9}"/>
-              </a:ext>
-            </a:extLst>
-          </p:cNvPr>
-          <p:cNvSpPr/>
-          <p:nvPr/>
-        </p:nvSpPr>
-        <p:spPr>
-          <a:xfrm>
-            <a:off x="1629283" y="1393328"/>
-            <a:ext cx="423664" cy="135632"/>
-          </a:xfrm>
-          <a:prstGeom prst="roundRect">
-            <a:avLst/>
-          </a:prstGeom>
-          <a:solidFill>
-            <a:schemeClr val="accent2"/>
-          </a:solidFill>
-          <a:ln>
-            <a:noFill/>
-          </a:ln>
-        </p:spPr>
-        <p:style>
-          <a:lnRef idx="2">
-            <a:schemeClr val="accent1">
-              <a:shade val="50000"/>
-            </a:schemeClr>
-          </a:lnRef>
-          <a:fillRef idx="1">
-            <a:schemeClr val="accent1"/>
-          </a:fillRef>
-          <a:effectRef idx="0">
-            <a:schemeClr val="accent1"/>
-          </a:effectRef>
-          <a:fontRef idx="minor">
-            <a:schemeClr val="lt1"/>
-          </a:fontRef>
-        </p:style>
-        <p:txBody>
-          <a:bodyPr rtlCol="0" anchor="ctr"/>
-          <a:lstStyle/>
-          <a:p>
-            <a:pPr algn="ctr"/>
-            <a:r>
-              <a:rPr lang="en-US" sz="1000" dirty="0">
-                <a:solidFill>
-                  <a:schemeClr val="bg1"/>
-                </a:solidFill>
-              </a:rPr>
-              <a:t>3</a:t>
-            </a:r>
-          </a:p>
-        </p:txBody>
-      </p:sp>
-      <p:sp>
-        <p:nvSpPr>
-          <p:cNvPr id="12" name="Rounded Rectangle 11">
-            <a:extLst>
-              <a:ext uri="{FF2B5EF4-FFF2-40B4-BE49-F238E27FC236}">
-                <a16:creationId xmlns:a16="http://schemas.microsoft.com/office/drawing/2014/main" id="{95B95E5C-89A7-D74B-9C80-12C11245DAF7}"/>
-              </a:ext>
-            </a:extLst>
-          </p:cNvPr>
-          <p:cNvSpPr/>
-          <p:nvPr/>
-        </p:nvSpPr>
-        <p:spPr>
-          <a:xfrm>
-            <a:off x="2133339" y="1396471"/>
-            <a:ext cx="423664" cy="135632"/>
-          </a:xfrm>
-          <a:prstGeom prst="roundRect">
-            <a:avLst/>
-          </a:prstGeom>
-          <a:solidFill>
-            <a:schemeClr val="accent2"/>
-          </a:solidFill>
-          <a:ln>
-            <a:noFill/>
-          </a:ln>
-        </p:spPr>
-        <p:style>
-          <a:lnRef idx="2">
-            <a:schemeClr val="accent1">
-              <a:shade val="50000"/>
-            </a:schemeClr>
-          </a:lnRef>
-          <a:fillRef idx="1">
-            <a:schemeClr val="accent1"/>
-          </a:fillRef>
-          <a:effectRef idx="0">
-            <a:schemeClr val="accent1"/>
-          </a:effectRef>
-          <a:fontRef idx="minor">
-            <a:schemeClr val="lt1"/>
-          </a:fontRef>
-        </p:style>
-        <p:txBody>
-          <a:bodyPr rtlCol="0" anchor="ctr"/>
-          <a:lstStyle/>
-          <a:p>
-            <a:pPr algn="ctr"/>
-            <a:r>
-              <a:rPr lang="en-US" sz="1000" dirty="0">
-                <a:solidFill>
-                  <a:schemeClr val="bg1"/>
-                </a:solidFill>
-              </a:rPr>
-              <a:t>4</a:t>
-            </a:r>
-          </a:p>
-        </p:txBody>
-      </p:sp>
-      <p:sp>
-        <p:nvSpPr>
-          <p:cNvPr id="13" name="Rounded Rectangle 12">
-            <a:extLst>
-              <a:ext uri="{FF2B5EF4-FFF2-40B4-BE49-F238E27FC236}">
-                <a16:creationId xmlns:a16="http://schemas.microsoft.com/office/drawing/2014/main" id="{0C1AC4B3-BE9B-334B-8AFA-3E577F8F2FB1}"/>
-              </a:ext>
-            </a:extLst>
-          </p:cNvPr>
-          <p:cNvSpPr/>
-          <p:nvPr/>
-        </p:nvSpPr>
-        <p:spPr>
-          <a:xfrm>
-            <a:off x="2672764" y="1399614"/>
-            <a:ext cx="423664" cy="135632"/>
-          </a:xfrm>
-          <a:prstGeom prst="roundRect">
-            <a:avLst/>
-          </a:prstGeom>
-          <a:solidFill>
-            <a:schemeClr val="accent2"/>
-          </a:solidFill>
-          <a:ln>
-            <a:noFill/>
-          </a:ln>
-        </p:spPr>
-        <p:style>
-          <a:lnRef idx="2">
-            <a:schemeClr val="accent1">
-              <a:shade val="50000"/>
-            </a:schemeClr>
-          </a:lnRef>
-          <a:fillRef idx="1">
-            <a:schemeClr val="accent1"/>
-          </a:fillRef>
-          <a:effectRef idx="0">
-            <a:schemeClr val="accent1"/>
-          </a:effectRef>
-          <a:fontRef idx="minor">
-            <a:schemeClr val="lt1"/>
-          </a:fontRef>
-        </p:style>
-        <p:txBody>
-          <a:bodyPr rtlCol="0" anchor="ctr"/>
-          <a:lstStyle/>
-          <a:p>
-            <a:pPr algn="ctr"/>
-            <a:r>
-              <a:rPr lang="en-US" sz="1000" dirty="0">
-                <a:solidFill>
-                  <a:schemeClr val="bg1"/>
-                </a:solidFill>
-              </a:rPr>
-              <a:t>5</a:t>
-            </a:r>
-          </a:p>
-        </p:txBody>
-      </p:sp>
-      <p:sp>
-        <p:nvSpPr>
-          <p:cNvPr id="14" name="Rounded Rectangle 13">
-            <a:extLst>
-              <a:ext uri="{FF2B5EF4-FFF2-40B4-BE49-F238E27FC236}">
-                <a16:creationId xmlns:a16="http://schemas.microsoft.com/office/drawing/2014/main" id="{238D0F5A-1570-CF44-AB2B-E26DB31D2243}"/>
-              </a:ext>
-            </a:extLst>
-          </p:cNvPr>
-          <p:cNvSpPr/>
-          <p:nvPr/>
-        </p:nvSpPr>
-        <p:spPr>
-          <a:xfrm>
-            <a:off x="3186431" y="1395379"/>
-            <a:ext cx="423664" cy="135632"/>
-          </a:xfrm>
-          <a:prstGeom prst="roundRect">
-            <a:avLst/>
-          </a:prstGeom>
-          <a:solidFill>
-            <a:schemeClr val="accent2"/>
-          </a:solidFill>
-          <a:ln>
-            <a:noFill/>
-          </a:ln>
-        </p:spPr>
-        <p:style>
-          <a:lnRef idx="2">
-            <a:schemeClr val="accent1">
-              <a:shade val="50000"/>
-            </a:schemeClr>
-          </a:lnRef>
-          <a:fillRef idx="1">
-            <a:schemeClr val="accent1"/>
-          </a:fillRef>
-          <a:effectRef idx="0">
-            <a:schemeClr val="accent1"/>
-          </a:effectRef>
-          <a:fontRef idx="minor">
-            <a:schemeClr val="lt1"/>
-          </a:fontRef>
-        </p:style>
-        <p:txBody>
-          <a:bodyPr rtlCol="0" anchor="ctr"/>
-          <a:lstStyle/>
-          <a:p>
-            <a:pPr algn="ctr"/>
-            <a:r>
-              <a:rPr lang="en-US" sz="1000" dirty="0">
-                <a:solidFill>
-                  <a:schemeClr val="bg1"/>
-                </a:solidFill>
-              </a:rPr>
-              <a:t>6</a:t>
-            </a:r>
-          </a:p>
-        </p:txBody>
-      </p:sp>
-      <p:sp>
-        <p:nvSpPr>
-          <p:cNvPr id="15" name="Rounded Rectangle 14">
-            <a:extLst>
-              <a:ext uri="{FF2B5EF4-FFF2-40B4-BE49-F238E27FC236}">
-                <a16:creationId xmlns:a16="http://schemas.microsoft.com/office/drawing/2014/main" id="{7DC44D7E-732D-1D42-B573-EC2C09E843D7}"/>
-              </a:ext>
-            </a:extLst>
-          </p:cNvPr>
-          <p:cNvSpPr/>
-          <p:nvPr/>
-        </p:nvSpPr>
-        <p:spPr>
-          <a:xfrm>
-            <a:off x="3696510" y="1401647"/>
-            <a:ext cx="423664" cy="135632"/>
-          </a:xfrm>
-          <a:prstGeom prst="roundRect">
-            <a:avLst/>
-          </a:prstGeom>
-          <a:solidFill>
-            <a:schemeClr val="accent2"/>
-          </a:solidFill>
-          <a:ln>
-            <a:noFill/>
-          </a:ln>
-        </p:spPr>
-        <p:style>
-          <a:lnRef idx="2">
-            <a:schemeClr val="accent1">
-              <a:shade val="50000"/>
-            </a:schemeClr>
-          </a:lnRef>
-          <a:fillRef idx="1">
-            <a:schemeClr val="accent1"/>
-          </a:fillRef>
-          <a:effectRef idx="0">
-            <a:schemeClr val="accent1"/>
-          </a:effectRef>
-          <a:fontRef idx="minor">
-            <a:schemeClr val="lt1"/>
-          </a:fontRef>
-        </p:style>
-        <p:txBody>
-          <a:bodyPr rtlCol="0" anchor="ctr"/>
-          <a:lstStyle/>
-          <a:p>
-            <a:pPr algn="ctr"/>
-            <a:r>
-              <a:rPr lang="en-US" sz="1000" dirty="0">
-                <a:solidFill>
-                  <a:schemeClr val="bg1"/>
-                </a:solidFill>
-              </a:rPr>
-              <a:t>7</a:t>
-            </a:r>
-          </a:p>
-        </p:txBody>
-      </p:sp>
-      <p:sp>
-        <p:nvSpPr>
-          <p:cNvPr id="16" name="Rounded Rectangle 15">
-            <a:extLst>
-              <a:ext uri="{FF2B5EF4-FFF2-40B4-BE49-F238E27FC236}">
-                <a16:creationId xmlns:a16="http://schemas.microsoft.com/office/drawing/2014/main" id="{1C6F099D-07FD-094B-BFE4-EE6E53488D40}"/>
-              </a:ext>
-            </a:extLst>
-          </p:cNvPr>
-          <p:cNvSpPr/>
-          <p:nvPr/>
-        </p:nvSpPr>
-        <p:spPr>
-          <a:xfrm>
-            <a:off x="4200566" y="1404790"/>
-            <a:ext cx="423664" cy="135632"/>
-          </a:xfrm>
-          <a:prstGeom prst="roundRect">
-            <a:avLst/>
-          </a:prstGeom>
-          <a:solidFill>
-            <a:schemeClr val="accent2"/>
-          </a:solidFill>
-          <a:ln>
-            <a:noFill/>
-          </a:ln>
-        </p:spPr>
-        <p:style>
-          <a:lnRef idx="2">
-            <a:schemeClr val="accent1">
-              <a:shade val="50000"/>
-            </a:schemeClr>
-          </a:lnRef>
-          <a:fillRef idx="1">
-            <a:schemeClr val="accent1"/>
-          </a:fillRef>
-          <a:effectRef idx="0">
-            <a:schemeClr val="accent1"/>
-          </a:effectRef>
-          <a:fontRef idx="minor">
-            <a:schemeClr val="lt1"/>
-          </a:fontRef>
-        </p:style>
-        <p:txBody>
-          <a:bodyPr rtlCol="0" anchor="ctr"/>
-          <a:lstStyle/>
-          <a:p>
-            <a:pPr algn="ctr"/>
-            <a:r>
-              <a:rPr lang="en-US" sz="1000" dirty="0">
-                <a:solidFill>
-                  <a:schemeClr val="bg1"/>
-                </a:solidFill>
-              </a:rPr>
-              <a:t>8</a:t>
-            </a:r>
-          </a:p>
-        </p:txBody>
-      </p:sp>
-      <p:sp>
-        <p:nvSpPr>
-          <p:cNvPr id="17" name="Rounded Rectangle 16">
-            <a:extLst>
-              <a:ext uri="{FF2B5EF4-FFF2-40B4-BE49-F238E27FC236}">
-                <a16:creationId xmlns:a16="http://schemas.microsoft.com/office/drawing/2014/main" id="{90691B9B-25AC-E841-B0D1-86CF976FE950}"/>
-              </a:ext>
-            </a:extLst>
-          </p:cNvPr>
-          <p:cNvSpPr/>
-          <p:nvPr/>
-        </p:nvSpPr>
-        <p:spPr>
-          <a:xfrm>
-            <a:off x="4704622" y="1405625"/>
-            <a:ext cx="423664" cy="135632"/>
-          </a:xfrm>
-          <a:prstGeom prst="roundRect">
-            <a:avLst/>
-          </a:prstGeom>
-          <a:solidFill>
-            <a:schemeClr val="accent2"/>
-          </a:solidFill>
-          <a:ln>
-            <a:noFill/>
-          </a:ln>
-        </p:spPr>
-        <p:style>
-          <a:lnRef idx="2">
-            <a:schemeClr val="accent1">
-              <a:shade val="50000"/>
-            </a:schemeClr>
-          </a:lnRef>
-          <a:fillRef idx="1">
-            <a:schemeClr val="accent1"/>
-          </a:fillRef>
-          <a:effectRef idx="0">
-            <a:schemeClr val="accent1"/>
-          </a:effectRef>
-          <a:fontRef idx="minor">
-            <a:schemeClr val="lt1"/>
-          </a:fontRef>
-        </p:style>
-        <p:txBody>
-          <a:bodyPr rtlCol="0" anchor="ctr"/>
-          <a:lstStyle/>
-          <a:p>
-            <a:pPr algn="ctr"/>
-            <a:r>
-              <a:rPr lang="en-US" sz="1000" dirty="0">
-                <a:solidFill>
-                  <a:schemeClr val="bg1"/>
-                </a:solidFill>
-              </a:rPr>
-              <a:t>9</a:t>
-            </a:r>
-          </a:p>
-        </p:txBody>
-      </p:sp>
-      <p:sp>
-        <p:nvSpPr>
-          <p:cNvPr id="18" name="Rounded Rectangle 17">
-            <a:extLst>
-              <a:ext uri="{FF2B5EF4-FFF2-40B4-BE49-F238E27FC236}">
-                <a16:creationId xmlns:a16="http://schemas.microsoft.com/office/drawing/2014/main" id="{29F873BE-3872-864E-AA19-62C786FD99AC}"/>
-              </a:ext>
-            </a:extLst>
-          </p:cNvPr>
-          <p:cNvSpPr/>
-          <p:nvPr/>
-        </p:nvSpPr>
-        <p:spPr>
-          <a:xfrm>
-            <a:off x="5208678" y="1408768"/>
-            <a:ext cx="423664" cy="135632"/>
-          </a:xfrm>
-          <a:prstGeom prst="roundRect">
-            <a:avLst/>
-          </a:prstGeom>
-          <a:solidFill>
-            <a:schemeClr val="accent2"/>
-          </a:solidFill>
-          <a:ln>
-            <a:noFill/>
-          </a:ln>
-        </p:spPr>
-        <p:style>
-          <a:lnRef idx="2">
-            <a:schemeClr val="accent1">
-              <a:shade val="50000"/>
-            </a:schemeClr>
-          </a:lnRef>
-          <a:fillRef idx="1">
-            <a:schemeClr val="accent1"/>
-          </a:fillRef>
-          <a:effectRef idx="0">
-            <a:schemeClr val="accent1"/>
-          </a:effectRef>
-          <a:fontRef idx="minor">
-            <a:schemeClr val="lt1"/>
-          </a:fontRef>
-        </p:style>
-        <p:txBody>
-          <a:bodyPr rtlCol="0" anchor="ctr"/>
-          <a:lstStyle/>
-          <a:p>
-            <a:pPr algn="ctr"/>
-            <a:r>
-              <a:rPr lang="en-US" sz="1000" dirty="0">
-                <a:solidFill>
-                  <a:schemeClr val="bg1"/>
-                </a:solidFill>
-              </a:rPr>
-              <a:t>10</a:t>
-            </a:r>
-          </a:p>
-        </p:txBody>
-      </p:sp>
-      <p:sp>
-        <p:nvSpPr>
-          <p:cNvPr id="19" name="Rounded Rectangle 18">
-            <a:extLst>
-              <a:ext uri="{FF2B5EF4-FFF2-40B4-BE49-F238E27FC236}">
-                <a16:creationId xmlns:a16="http://schemas.microsoft.com/office/drawing/2014/main" id="{16AFE635-53EB-BE47-BE26-0A853804B00B}"/>
-              </a:ext>
-            </a:extLst>
-          </p:cNvPr>
-          <p:cNvSpPr/>
-          <p:nvPr/>
-        </p:nvSpPr>
-        <p:spPr>
-          <a:xfrm>
-            <a:off x="5722345" y="1409860"/>
-            <a:ext cx="423664" cy="135632"/>
-          </a:xfrm>
-          <a:prstGeom prst="roundRect">
-            <a:avLst/>
-          </a:prstGeom>
-          <a:solidFill>
-            <a:schemeClr val="accent2"/>
-          </a:solidFill>
-          <a:ln>
-            <a:noFill/>
-          </a:ln>
-        </p:spPr>
-        <p:style>
-          <a:lnRef idx="2">
-            <a:schemeClr val="accent1">
-              <a:shade val="50000"/>
-            </a:schemeClr>
-          </a:lnRef>
-          <a:fillRef idx="1">
-            <a:schemeClr val="accent1"/>
-          </a:fillRef>
-          <a:effectRef idx="0">
-            <a:schemeClr val="accent1"/>
-          </a:effectRef>
-          <a:fontRef idx="minor">
-            <a:schemeClr val="lt1"/>
-          </a:fontRef>
-        </p:style>
-        <p:txBody>
-          <a:bodyPr rtlCol="0" anchor="ctr"/>
-          <a:lstStyle/>
-          <a:p>
-            <a:pPr algn="ctr"/>
-            <a:r>
-              <a:rPr lang="en-US" sz="1000" dirty="0">
-                <a:solidFill>
-                  <a:schemeClr val="bg1"/>
-                </a:solidFill>
-              </a:rPr>
-              <a:t>11</a:t>
-            </a:r>
-          </a:p>
-        </p:txBody>
-      </p:sp>
-      <p:sp>
-        <p:nvSpPr>
-          <p:cNvPr id="20" name="Rounded Rectangle 19">
-            <a:extLst>
-              <a:ext uri="{FF2B5EF4-FFF2-40B4-BE49-F238E27FC236}">
-                <a16:creationId xmlns:a16="http://schemas.microsoft.com/office/drawing/2014/main" id="{64B19FE0-2820-5346-A79A-071DD456AB51}"/>
-              </a:ext>
-            </a:extLst>
-          </p:cNvPr>
-          <p:cNvSpPr/>
-          <p:nvPr/>
-        </p:nvSpPr>
-        <p:spPr>
-          <a:xfrm>
-            <a:off x="6226401" y="1413003"/>
-            <a:ext cx="423664" cy="135632"/>
-          </a:xfrm>
-          <a:prstGeom prst="roundRect">
-            <a:avLst/>
-          </a:prstGeom>
-          <a:solidFill>
-            <a:schemeClr val="accent2"/>
-          </a:solidFill>
-          <a:ln>
-            <a:noFill/>
-          </a:ln>
-        </p:spPr>
-        <p:style>
-          <a:lnRef idx="2">
-            <a:schemeClr val="accent1">
-              <a:shade val="50000"/>
-            </a:schemeClr>
-          </a:lnRef>
-          <a:fillRef idx="1">
-            <a:schemeClr val="accent1"/>
-          </a:fillRef>
-          <a:effectRef idx="0">
-            <a:schemeClr val="accent1"/>
-          </a:effectRef>
-          <a:fontRef idx="minor">
-            <a:schemeClr val="lt1"/>
-          </a:fontRef>
-        </p:style>
-        <p:txBody>
-          <a:bodyPr rtlCol="0" anchor="ctr"/>
-          <a:lstStyle/>
-          <a:p>
-            <a:pPr algn="ctr"/>
-            <a:r>
-              <a:rPr lang="en-US" sz="1000" dirty="0">
-                <a:solidFill>
-                  <a:schemeClr val="bg1"/>
-                </a:solidFill>
-              </a:rPr>
-              <a:t>12</a:t>
-            </a:r>
-          </a:p>
-        </p:txBody>
-      </p:sp>
-      <p:sp>
-        <p:nvSpPr>
-          <p:cNvPr id="21" name="Rounded Rectangle 20">
-            <a:extLst>
-              <a:ext uri="{FF2B5EF4-FFF2-40B4-BE49-F238E27FC236}">
-                <a16:creationId xmlns:a16="http://schemas.microsoft.com/office/drawing/2014/main" id="{4D7CA54E-4FF8-E844-87CE-3E3D709BAA7F}"/>
-              </a:ext>
-            </a:extLst>
-          </p:cNvPr>
-          <p:cNvSpPr/>
-          <p:nvPr/>
-        </p:nvSpPr>
-        <p:spPr>
-          <a:xfrm>
-            <a:off x="6775437" y="1408768"/>
-            <a:ext cx="423664" cy="135632"/>
-          </a:xfrm>
-          <a:prstGeom prst="roundRect">
-            <a:avLst/>
-          </a:prstGeom>
-          <a:solidFill>
-            <a:schemeClr val="accent2"/>
-          </a:solidFill>
-          <a:ln>
-            <a:noFill/>
-          </a:ln>
-        </p:spPr>
-        <p:style>
-          <a:lnRef idx="2">
-            <a:schemeClr val="accent1">
-              <a:shade val="50000"/>
-            </a:schemeClr>
-          </a:lnRef>
-          <a:fillRef idx="1">
-            <a:schemeClr val="accent1"/>
-          </a:fillRef>
-          <a:effectRef idx="0">
-            <a:schemeClr val="accent1"/>
-          </a:effectRef>
-          <a:fontRef idx="minor">
-            <a:schemeClr val="lt1"/>
-          </a:fontRef>
-        </p:style>
-        <p:txBody>
-          <a:bodyPr rtlCol="0" anchor="ctr"/>
-          <a:lstStyle/>
-          <a:p>
-            <a:pPr algn="ctr"/>
-            <a:r>
-              <a:rPr lang="en-US" sz="1000" dirty="0">
-                <a:solidFill>
-                  <a:schemeClr val="bg1"/>
-                </a:solidFill>
-              </a:rPr>
-              <a:t>13</a:t>
-            </a:r>
-          </a:p>
-        </p:txBody>
-      </p:sp>
-      <p:sp>
-        <p:nvSpPr>
-          <p:cNvPr id="22" name="Rounded Rectangle 21">
-            <a:extLst>
-              <a:ext uri="{FF2B5EF4-FFF2-40B4-BE49-F238E27FC236}">
-                <a16:creationId xmlns:a16="http://schemas.microsoft.com/office/drawing/2014/main" id="{605243AE-D18B-0A45-B063-11A43AFEE53B}"/>
-              </a:ext>
-            </a:extLst>
-          </p:cNvPr>
-          <p:cNvSpPr/>
-          <p:nvPr/>
-        </p:nvSpPr>
-        <p:spPr>
-          <a:xfrm>
-            <a:off x="7279493" y="1411911"/>
-            <a:ext cx="423664" cy="135632"/>
-          </a:xfrm>
-          <a:prstGeom prst="roundRect">
-            <a:avLst/>
-          </a:prstGeom>
-          <a:solidFill>
-            <a:schemeClr val="accent2"/>
-          </a:solidFill>
-          <a:ln>
-            <a:noFill/>
-          </a:ln>
-        </p:spPr>
-        <p:style>
-          <a:lnRef idx="2">
-            <a:schemeClr val="accent1">
-              <a:shade val="50000"/>
-            </a:schemeClr>
-          </a:lnRef>
-          <a:fillRef idx="1">
-            <a:schemeClr val="accent1"/>
-          </a:fillRef>
-          <a:effectRef idx="0">
-            <a:schemeClr val="accent1"/>
-          </a:effectRef>
-          <a:fontRef idx="minor">
-            <a:schemeClr val="lt1"/>
-          </a:fontRef>
-        </p:style>
-        <p:txBody>
-          <a:bodyPr rtlCol="0" anchor="ctr"/>
-          <a:lstStyle/>
-          <a:p>
-            <a:pPr algn="ctr"/>
-            <a:r>
-              <a:rPr lang="en-US" sz="1000" dirty="0">
-                <a:solidFill>
-                  <a:schemeClr val="bg1"/>
-                </a:solidFill>
-              </a:rPr>
-              <a:t>14</a:t>
-            </a:r>
-          </a:p>
-        </p:txBody>
-      </p:sp>
-      <p:sp>
-        <p:nvSpPr>
-          <p:cNvPr id="23" name="Rounded Rectangle 22">
-            <a:extLst>
-              <a:ext uri="{FF2B5EF4-FFF2-40B4-BE49-F238E27FC236}">
-                <a16:creationId xmlns:a16="http://schemas.microsoft.com/office/drawing/2014/main" id="{3F8DE1BA-FF66-3848-9A1E-B1890C7B43D7}"/>
-              </a:ext>
-            </a:extLst>
-          </p:cNvPr>
-          <p:cNvSpPr/>
-          <p:nvPr/>
-        </p:nvSpPr>
-        <p:spPr>
-          <a:xfrm>
-            <a:off x="7793160" y="1413003"/>
-            <a:ext cx="423664" cy="135632"/>
-          </a:xfrm>
-          <a:prstGeom prst="roundRect">
-            <a:avLst/>
-          </a:prstGeom>
-          <a:solidFill>
-            <a:schemeClr val="accent2"/>
-          </a:solidFill>
-          <a:ln>
-            <a:noFill/>
-          </a:ln>
-        </p:spPr>
-        <p:style>
-          <a:lnRef idx="2">
-            <a:schemeClr val="accent1">
-              <a:shade val="50000"/>
-            </a:schemeClr>
-          </a:lnRef>
-          <a:fillRef idx="1">
-            <a:schemeClr val="accent1"/>
-          </a:fillRef>
-          <a:effectRef idx="0">
-            <a:schemeClr val="accent1"/>
-          </a:effectRef>
-          <a:fontRef idx="minor">
-            <a:schemeClr val="lt1"/>
-          </a:fontRef>
-        </p:style>
-        <p:txBody>
-          <a:bodyPr rtlCol="0" anchor="ctr"/>
-          <a:lstStyle/>
-          <a:p>
-            <a:pPr algn="ctr"/>
-            <a:r>
-              <a:rPr lang="en-US" sz="1000" dirty="0">
-                <a:solidFill>
-                  <a:schemeClr val="bg1"/>
-                </a:solidFill>
-              </a:rPr>
-              <a:t>15</a:t>
-            </a:r>
-          </a:p>
-        </p:txBody>
-      </p:sp>
-      <p:sp>
-        <p:nvSpPr>
-          <p:cNvPr id="24" name="Rounded Rectangle 23">
-            <a:extLst>
-              <a:ext uri="{FF2B5EF4-FFF2-40B4-BE49-F238E27FC236}">
-                <a16:creationId xmlns:a16="http://schemas.microsoft.com/office/drawing/2014/main" id="{E07B029D-A9D5-664E-9A58-FDADC1335B15}"/>
-              </a:ext>
-            </a:extLst>
-          </p:cNvPr>
-          <p:cNvSpPr/>
-          <p:nvPr/>
-        </p:nvSpPr>
-        <p:spPr>
-          <a:xfrm>
-            <a:off x="8300804" y="1410970"/>
-            <a:ext cx="423664" cy="135632"/>
-          </a:xfrm>
-          <a:prstGeom prst="roundRect">
-            <a:avLst/>
-          </a:prstGeom>
-          <a:solidFill>
-            <a:schemeClr val="accent2"/>
-          </a:solidFill>
-          <a:ln>
-            <a:noFill/>
-          </a:ln>
-        </p:spPr>
-        <p:style>
-          <a:lnRef idx="2">
-            <a:schemeClr val="accent1">
-              <a:shade val="50000"/>
-            </a:schemeClr>
-          </a:lnRef>
-          <a:fillRef idx="1">
-            <a:schemeClr val="accent1"/>
-          </a:fillRef>
-          <a:effectRef idx="0">
-            <a:schemeClr val="accent1"/>
-          </a:effectRef>
-          <a:fontRef idx="minor">
-            <a:schemeClr val="lt1"/>
-          </a:fontRef>
-        </p:style>
-        <p:txBody>
-          <a:bodyPr rtlCol="0" anchor="ctr"/>
-          <a:lstStyle/>
-          <a:p>
-            <a:pPr algn="ctr"/>
-            <a:r>
-              <a:rPr lang="en-US" sz="1000" dirty="0">
-                <a:solidFill>
-                  <a:schemeClr val="bg1"/>
-                </a:solidFill>
-              </a:rPr>
-              <a:t>16</a:t>
-            </a:r>
-          </a:p>
-        </p:txBody>
-      </p:sp>
-      <p:sp>
-        <p:nvSpPr>
-          <p:cNvPr id="32" name="Rounded Rectangle 6">
-            <a:extLst>
-              <a:ext uri="{FF2B5EF4-FFF2-40B4-BE49-F238E27FC236}">
-                <a16:creationId xmlns:a16="http://schemas.microsoft.com/office/drawing/2014/main" id="{D3A4917F-F404-0940-A4EC-FEBFBC16E93F}"/>
-              </a:ext>
-            </a:extLst>
-          </p:cNvPr>
-          <p:cNvSpPr/>
-          <p:nvPr/>
-        </p:nvSpPr>
-        <p:spPr>
-          <a:xfrm>
-            <a:off x="3696509" y="2283718"/>
-            <a:ext cx="2449499" cy="346690"/>
-          </a:xfrm>
-          <a:prstGeom prst="roundRect">
-            <a:avLst/>
-          </a:prstGeom>
-          <a:ln>
-            <a:noFill/>
-          </a:ln>
-        </p:spPr>
-        <p:style>
-          <a:lnRef idx="2">
-            <a:schemeClr val="accent1">
-              <a:shade val="50000"/>
-            </a:schemeClr>
-          </a:lnRef>
-          <a:fillRef idx="1">
-            <a:schemeClr val="accent1"/>
-          </a:fillRef>
-          <a:effectRef idx="0">
-            <a:schemeClr val="accent1"/>
-          </a:effectRef>
-          <a:fontRef idx="minor">
-            <a:schemeClr val="lt1"/>
-          </a:fontRef>
-        </p:style>
-        <p:txBody>
-          <a:bodyPr rtlCol="0" anchor="ctr"/>
-          <a:lstStyle/>
-          <a:p>
-            <a:pPr algn="ctr"/>
-            <a:r>
-              <a:rPr lang="en-US" sz="1000" dirty="0" err="1">
-                <a:solidFill>
-                  <a:schemeClr val="bg1"/>
-                </a:solidFill>
-              </a:rPr>
-              <a:t>Tarea</a:t>
-            </a:r>
-            <a:r>
-              <a:rPr lang="en-US" sz="1000" dirty="0">
-                <a:solidFill>
-                  <a:schemeClr val="bg1"/>
-                </a:solidFill>
-              </a:rPr>
-              <a:t> </a:t>
-            </a:r>
-            <a:r>
-              <a:rPr lang="en-US" sz="1000" dirty="0" err="1">
-                <a:solidFill>
-                  <a:schemeClr val="bg1"/>
-                </a:solidFill>
-              </a:rPr>
-              <a:t>integradora</a:t>
-            </a:r>
-            <a:r>
-              <a:rPr lang="en-US" sz="1000" dirty="0">
-                <a:solidFill>
-                  <a:schemeClr val="bg1"/>
-                </a:solidFill>
-              </a:rPr>
-              <a:t> 2</a:t>
-            </a:r>
-          </a:p>
-        </p:txBody>
-      </p:sp>
-      <p:sp>
-        <p:nvSpPr>
-          <p:cNvPr id="34" name="Rounded Rectangle 6">
-            <a:extLst>
-              <a:ext uri="{FF2B5EF4-FFF2-40B4-BE49-F238E27FC236}">
-                <a16:creationId xmlns:a16="http://schemas.microsoft.com/office/drawing/2014/main" id="{B8196C66-E6EB-5E41-818D-1207FA8DF0B5}"/>
-              </a:ext>
-            </a:extLst>
-          </p:cNvPr>
-          <p:cNvSpPr/>
-          <p:nvPr/>
-        </p:nvSpPr>
-        <p:spPr>
-          <a:xfrm>
-            <a:off x="6226401" y="3003798"/>
-            <a:ext cx="2498067" cy="346690"/>
-          </a:xfrm>
-          <a:prstGeom prst="roundRect">
-            <a:avLst/>
-          </a:prstGeom>
-          <a:ln>
-            <a:noFill/>
-          </a:ln>
-        </p:spPr>
-        <p:style>
-          <a:lnRef idx="2">
-            <a:schemeClr val="accent1">
-              <a:shade val="50000"/>
-            </a:schemeClr>
-          </a:lnRef>
-          <a:fillRef idx="1">
-            <a:schemeClr val="accent1"/>
-          </a:fillRef>
-          <a:effectRef idx="0">
-            <a:schemeClr val="accent1"/>
-          </a:effectRef>
-          <a:fontRef idx="minor">
-            <a:schemeClr val="lt1"/>
-          </a:fontRef>
-        </p:style>
-        <p:txBody>
-          <a:bodyPr rtlCol="0" anchor="ctr"/>
-          <a:lstStyle/>
-          <a:p>
-            <a:pPr algn="ctr"/>
-            <a:r>
-              <a:rPr lang="en-US" sz="1000" dirty="0" err="1">
-                <a:solidFill>
-                  <a:schemeClr val="bg1"/>
-                </a:solidFill>
-              </a:rPr>
-              <a:t>Tarea</a:t>
-            </a:r>
-            <a:r>
-              <a:rPr lang="en-US" sz="1000" dirty="0">
-                <a:solidFill>
-                  <a:schemeClr val="bg1"/>
-                </a:solidFill>
-              </a:rPr>
-              <a:t> </a:t>
-            </a:r>
-            <a:r>
-              <a:rPr lang="en-US" sz="1000" dirty="0" err="1">
-                <a:solidFill>
-                  <a:schemeClr val="bg1"/>
-                </a:solidFill>
-              </a:rPr>
-              <a:t>integradora</a:t>
-            </a:r>
-            <a:r>
-              <a:rPr lang="en-US" sz="1000" dirty="0">
-                <a:solidFill>
-                  <a:schemeClr val="bg1"/>
-                </a:solidFill>
-              </a:rPr>
-              <a:t> 3</a:t>
-            </a:r>
-          </a:p>
-        </p:txBody>
-      </p:sp>
-      <p:sp>
-        <p:nvSpPr>
-          <p:cNvPr id="36" name="Rounded Rectangle 6">
-            <a:extLst>
-              <a:ext uri="{FF2B5EF4-FFF2-40B4-BE49-F238E27FC236}">
-                <a16:creationId xmlns:a16="http://schemas.microsoft.com/office/drawing/2014/main" id="{EB1D3DB7-4765-C446-8180-AF365A5142BA}"/>
-              </a:ext>
-            </a:extLst>
-          </p:cNvPr>
-          <p:cNvSpPr/>
-          <p:nvPr/>
-        </p:nvSpPr>
-        <p:spPr>
-          <a:xfrm>
-            <a:off x="1114829" y="3665728"/>
-            <a:ext cx="425238" cy="346690"/>
-          </a:xfrm>
-          <a:prstGeom prst="roundRect">
-            <a:avLst/>
-          </a:prstGeom>
-          <a:ln>
-            <a:noFill/>
-          </a:ln>
-        </p:spPr>
-        <p:style>
-          <a:lnRef idx="2">
-            <a:schemeClr val="accent1">
-              <a:shade val="50000"/>
-            </a:schemeClr>
-          </a:lnRef>
-          <a:fillRef idx="1">
-            <a:schemeClr val="accent1"/>
-          </a:fillRef>
-          <a:effectRef idx="0">
-            <a:schemeClr val="accent1"/>
-          </a:effectRef>
-          <a:fontRef idx="minor">
-            <a:schemeClr val="lt1"/>
-          </a:fontRef>
-        </p:style>
-        <p:txBody>
-          <a:bodyPr rtlCol="0" anchor="ctr"/>
-          <a:lstStyle/>
-          <a:p>
-            <a:pPr algn="ctr"/>
-            <a:r>
-              <a:rPr lang="en-US" sz="1000" dirty="0">
-                <a:solidFill>
-                  <a:schemeClr val="bg1"/>
-                </a:solidFill>
-              </a:rPr>
-              <a:t>LAB</a:t>
-            </a:r>
-          </a:p>
-        </p:txBody>
-      </p:sp>
-      <p:sp>
-        <p:nvSpPr>
-          <p:cNvPr id="37" name="Rounded Rectangle 6">
-            <a:extLst>
-              <a:ext uri="{FF2B5EF4-FFF2-40B4-BE49-F238E27FC236}">
-                <a16:creationId xmlns:a16="http://schemas.microsoft.com/office/drawing/2014/main" id="{353E9C9A-5263-8D4A-9B5D-A0E3249E8AFF}"/>
-              </a:ext>
-            </a:extLst>
-          </p:cNvPr>
-          <p:cNvSpPr/>
-          <p:nvPr/>
-        </p:nvSpPr>
-        <p:spPr>
-          <a:xfrm>
-            <a:off x="2694766" y="3665560"/>
-            <a:ext cx="425238" cy="346690"/>
-          </a:xfrm>
-          <a:prstGeom prst="roundRect">
-            <a:avLst/>
-          </a:prstGeom>
-          <a:ln>
-            <a:noFill/>
-          </a:ln>
-        </p:spPr>
-        <p:style>
-          <a:lnRef idx="2">
-            <a:schemeClr val="accent1">
-              <a:shade val="50000"/>
-            </a:schemeClr>
-          </a:lnRef>
-          <a:fillRef idx="1">
-            <a:schemeClr val="accent1"/>
-          </a:fillRef>
-          <a:effectRef idx="0">
-            <a:schemeClr val="accent1"/>
-          </a:effectRef>
-          <a:fontRef idx="minor">
-            <a:schemeClr val="lt1"/>
-          </a:fontRef>
-        </p:style>
-        <p:txBody>
-          <a:bodyPr rtlCol="0" anchor="ctr"/>
-          <a:lstStyle/>
-          <a:p>
-            <a:pPr algn="ctr"/>
-            <a:r>
-              <a:rPr lang="en-US" sz="1000" dirty="0">
-                <a:solidFill>
-                  <a:schemeClr val="bg1"/>
-                </a:solidFill>
-              </a:rPr>
-              <a:t>LAB</a:t>
-            </a:r>
-          </a:p>
-        </p:txBody>
-      </p:sp>
-      <p:sp>
-        <p:nvSpPr>
-          <p:cNvPr id="38" name="Rounded Rectangle 6">
-            <a:extLst>
-              <a:ext uri="{FF2B5EF4-FFF2-40B4-BE49-F238E27FC236}">
-                <a16:creationId xmlns:a16="http://schemas.microsoft.com/office/drawing/2014/main" id="{604E7959-96D5-F243-A130-89A69F422A01}"/>
-              </a:ext>
-            </a:extLst>
-          </p:cNvPr>
-          <p:cNvSpPr/>
-          <p:nvPr/>
-        </p:nvSpPr>
-        <p:spPr>
-          <a:xfrm>
-            <a:off x="3220955" y="3671998"/>
-            <a:ext cx="425238" cy="346690"/>
-          </a:xfrm>
-          <a:prstGeom prst="roundRect">
-            <a:avLst/>
-          </a:prstGeom>
-          <a:ln>
-            <a:noFill/>
-          </a:ln>
-        </p:spPr>
-        <p:style>
-          <a:lnRef idx="2">
-            <a:schemeClr val="accent1">
-              <a:shade val="50000"/>
-            </a:schemeClr>
-          </a:lnRef>
-          <a:fillRef idx="1">
-            <a:schemeClr val="accent1"/>
-          </a:fillRef>
-          <a:effectRef idx="0">
-            <a:schemeClr val="accent1"/>
-          </a:effectRef>
-          <a:fontRef idx="minor">
-            <a:schemeClr val="lt1"/>
-          </a:fontRef>
-        </p:style>
-        <p:txBody>
-          <a:bodyPr rtlCol="0" anchor="ctr"/>
-          <a:lstStyle/>
-          <a:p>
-            <a:pPr algn="ctr"/>
-            <a:r>
-              <a:rPr lang="en-US" sz="1000" dirty="0">
-                <a:solidFill>
-                  <a:schemeClr val="bg1"/>
-                </a:solidFill>
-              </a:rPr>
-              <a:t>LAB</a:t>
-            </a:r>
-          </a:p>
-        </p:txBody>
-      </p:sp>
-      <p:sp>
-        <p:nvSpPr>
-          <p:cNvPr id="39" name="Rounded Rectangle 6">
-            <a:extLst>
-              <a:ext uri="{FF2B5EF4-FFF2-40B4-BE49-F238E27FC236}">
-                <a16:creationId xmlns:a16="http://schemas.microsoft.com/office/drawing/2014/main" id="{60F54856-BEAC-C949-AAA2-7CAFB363C4EB}"/>
-              </a:ext>
-            </a:extLst>
-          </p:cNvPr>
-          <p:cNvSpPr/>
-          <p:nvPr/>
-        </p:nvSpPr>
-        <p:spPr>
-          <a:xfrm>
-            <a:off x="4198992" y="3665728"/>
-            <a:ext cx="425238" cy="346690"/>
-          </a:xfrm>
-          <a:prstGeom prst="roundRect">
-            <a:avLst/>
-          </a:prstGeom>
-          <a:ln>
-            <a:noFill/>
-          </a:ln>
-        </p:spPr>
-        <p:style>
-          <a:lnRef idx="2">
-            <a:schemeClr val="accent1">
-              <a:shade val="50000"/>
-            </a:schemeClr>
-          </a:lnRef>
-          <a:fillRef idx="1">
-            <a:schemeClr val="accent1"/>
-          </a:fillRef>
-          <a:effectRef idx="0">
-            <a:schemeClr val="accent1"/>
-          </a:effectRef>
-          <a:fontRef idx="minor">
-            <a:schemeClr val="lt1"/>
-          </a:fontRef>
-        </p:style>
-        <p:txBody>
-          <a:bodyPr rtlCol="0" anchor="ctr"/>
-          <a:lstStyle/>
-          <a:p>
-            <a:pPr algn="ctr"/>
-            <a:r>
-              <a:rPr lang="en-US" sz="1000" dirty="0">
-                <a:solidFill>
-                  <a:schemeClr val="bg1"/>
-                </a:solidFill>
-              </a:rPr>
-              <a:t>LAB</a:t>
-            </a:r>
-          </a:p>
-        </p:txBody>
-      </p:sp>
-      <p:sp>
-        <p:nvSpPr>
-          <p:cNvPr id="40" name="Rounded Rectangle 6">
-            <a:extLst>
-              <a:ext uri="{FF2B5EF4-FFF2-40B4-BE49-F238E27FC236}">
-                <a16:creationId xmlns:a16="http://schemas.microsoft.com/office/drawing/2014/main" id="{4F62B2E4-399D-A348-B556-303107037990}"/>
-              </a:ext>
-            </a:extLst>
-          </p:cNvPr>
-          <p:cNvSpPr/>
-          <p:nvPr/>
-        </p:nvSpPr>
-        <p:spPr>
-          <a:xfrm>
-            <a:off x="4703048" y="3667529"/>
-            <a:ext cx="425238" cy="346690"/>
-          </a:xfrm>
-          <a:prstGeom prst="roundRect">
-            <a:avLst/>
-          </a:prstGeom>
-          <a:ln>
-            <a:noFill/>
-          </a:ln>
-        </p:spPr>
-        <p:style>
-          <a:lnRef idx="2">
-            <a:schemeClr val="accent1">
-              <a:shade val="50000"/>
-            </a:schemeClr>
-          </a:lnRef>
-          <a:fillRef idx="1">
-            <a:schemeClr val="accent1"/>
-          </a:fillRef>
-          <a:effectRef idx="0">
-            <a:schemeClr val="accent1"/>
-          </a:effectRef>
-          <a:fontRef idx="minor">
-            <a:schemeClr val="lt1"/>
-          </a:fontRef>
-        </p:style>
-        <p:txBody>
-          <a:bodyPr rtlCol="0" anchor="ctr"/>
-          <a:lstStyle/>
-          <a:p>
-            <a:pPr algn="ctr"/>
-            <a:r>
-              <a:rPr lang="en-US" sz="1000" dirty="0">
-                <a:solidFill>
-                  <a:schemeClr val="bg1"/>
-                </a:solidFill>
-              </a:rPr>
-              <a:t>LAB</a:t>
-            </a:r>
-          </a:p>
-        </p:txBody>
-      </p:sp>
-      <p:sp>
-        <p:nvSpPr>
-          <p:cNvPr id="51" name="Rounded Rectangle 6">
-            <a:extLst>
-              <a:ext uri="{FF2B5EF4-FFF2-40B4-BE49-F238E27FC236}">
-                <a16:creationId xmlns:a16="http://schemas.microsoft.com/office/drawing/2014/main" id="{0BD3842D-30BB-824D-A3C4-BF7DF3D9C08F}"/>
-              </a:ext>
-            </a:extLst>
-          </p:cNvPr>
-          <p:cNvSpPr/>
-          <p:nvPr/>
-        </p:nvSpPr>
-        <p:spPr>
-          <a:xfrm>
-            <a:off x="6226401" y="3654682"/>
-            <a:ext cx="425238" cy="346690"/>
-          </a:xfrm>
-          <a:prstGeom prst="roundRect">
-            <a:avLst/>
-          </a:prstGeom>
-          <a:ln>
-            <a:noFill/>
-          </a:ln>
-        </p:spPr>
-        <p:style>
-          <a:lnRef idx="2">
-            <a:schemeClr val="accent1">
-              <a:shade val="50000"/>
-            </a:schemeClr>
-          </a:lnRef>
-          <a:fillRef idx="1">
-            <a:schemeClr val="accent1"/>
-          </a:fillRef>
-          <a:effectRef idx="0">
-            <a:schemeClr val="accent1"/>
-          </a:effectRef>
-          <a:fontRef idx="minor">
-            <a:schemeClr val="lt1"/>
-          </a:fontRef>
-        </p:style>
-        <p:txBody>
-          <a:bodyPr rtlCol="0" anchor="ctr"/>
-          <a:lstStyle/>
-          <a:p>
-            <a:pPr algn="ctr"/>
-            <a:r>
-              <a:rPr lang="en-US" sz="1000" dirty="0">
-                <a:solidFill>
-                  <a:schemeClr val="bg1"/>
-                </a:solidFill>
-              </a:rPr>
-              <a:t>LAB</a:t>
-            </a:r>
-          </a:p>
-        </p:txBody>
-      </p:sp>
-      <p:sp>
-        <p:nvSpPr>
-          <p:cNvPr id="54" name="CuadroTexto 53">
-            <a:extLst>
-              <a:ext uri="{FF2B5EF4-FFF2-40B4-BE49-F238E27FC236}">
-                <a16:creationId xmlns:a16="http://schemas.microsoft.com/office/drawing/2014/main" id="{6CF14B41-3261-0348-91A7-F0F500C02E1A}"/>
-              </a:ext>
-            </a:extLst>
-          </p:cNvPr>
-          <p:cNvSpPr txBox="1"/>
-          <p:nvPr/>
-        </p:nvSpPr>
-        <p:spPr>
-          <a:xfrm>
-            <a:off x="156740" y="4240198"/>
-            <a:ext cx="8735740" cy="523220"/>
-          </a:xfrm>
-          <a:prstGeom prst="rect">
-            <a:avLst/>
-          </a:prstGeom>
-          <a:noFill/>
-        </p:spPr>
-        <p:txBody>
-          <a:bodyPr wrap="square" rtlCol="0">
-            <a:spAutoFit/>
-          </a:bodyPr>
-          <a:lstStyle/>
-          <a:p>
-            <a:r>
-              <a:rPr lang="es-ES" dirty="0">
-                <a:solidFill>
-                  <a:schemeClr val="tx2"/>
-                </a:solidFill>
-              </a:rPr>
-              <a:t>Las tareas integradoras se con base en el código presentado. Sin embargo, tenga en cuenta que se debe hacer una sustentación del trabajo para comprobar la autoría del trabajo</a:t>
-            </a:r>
-          </a:p>
-        </p:txBody>
-      </p:sp>
-    </p:spTree>
-    <p:extLst>
-      <p:ext uri="{BB962C8B-B14F-4D97-AF65-F5344CB8AC3E}">
-        <p14:creationId xmlns:p14="http://schemas.microsoft.com/office/powerpoint/2010/main" val="778314220"/>
       </p:ext>
     </p:extLst>
   </p:cSld>
@@ -7163,6 +5854,1624 @@
       </p:grpSpPr>
       <p:sp>
         <p:nvSpPr>
+          <p:cNvPr id="2" name="Title 1">
+            <a:extLst>
+              <a:ext uri="{FF2B5EF4-FFF2-40B4-BE49-F238E27FC236}">
+                <a16:creationId xmlns:a16="http://schemas.microsoft.com/office/drawing/2014/main" id="{52E7F6AB-7731-5240-9B32-6E7792E42C33}"/>
+              </a:ext>
+            </a:extLst>
+          </p:cNvPr>
+          <p:cNvSpPr>
+            <a:spLocks noGrp="1"/>
+          </p:cNvSpPr>
+          <p:nvPr>
+            <p:ph type="title"/>
+          </p:nvPr>
+        </p:nvSpPr>
+        <p:spPr/>
+        <p:txBody>
+          <a:bodyPr/>
+          <a:lstStyle/>
+          <a:p>
+            <a:r>
+              <a:rPr lang="en-US" dirty="0" err="1"/>
+              <a:t>Calificación</a:t>
+            </a:r>
+            <a:endParaRPr lang="en-US" dirty="0"/>
+          </a:p>
+        </p:txBody>
+      </p:sp>
+      <p:sp>
+        <p:nvSpPr>
+          <p:cNvPr id="7" name="Rounded Rectangle 6">
+            <a:extLst>
+              <a:ext uri="{FF2B5EF4-FFF2-40B4-BE49-F238E27FC236}">
+                <a16:creationId xmlns:a16="http://schemas.microsoft.com/office/drawing/2014/main" id="{3A17402B-4A45-6246-83BB-7FC88CBDD7DC}"/>
+              </a:ext>
+            </a:extLst>
+          </p:cNvPr>
+          <p:cNvSpPr/>
+          <p:nvPr/>
+        </p:nvSpPr>
+        <p:spPr>
+          <a:xfrm>
+            <a:off x="1114043" y="1698548"/>
+            <a:ext cx="2496051" cy="346690"/>
+          </a:xfrm>
+          <a:prstGeom prst="roundRect">
+            <a:avLst/>
+          </a:prstGeom>
+          <a:ln>
+            <a:noFill/>
+          </a:ln>
+        </p:spPr>
+        <p:style>
+          <a:lnRef idx="2">
+            <a:schemeClr val="accent1">
+              <a:shade val="50000"/>
+            </a:schemeClr>
+          </a:lnRef>
+          <a:fillRef idx="1">
+            <a:schemeClr val="accent1"/>
+          </a:fillRef>
+          <a:effectRef idx="0">
+            <a:schemeClr val="accent1"/>
+          </a:effectRef>
+          <a:fontRef idx="minor">
+            <a:schemeClr val="lt1"/>
+          </a:fontRef>
+        </p:style>
+        <p:txBody>
+          <a:bodyPr rtlCol="0" anchor="ctr"/>
+          <a:lstStyle/>
+          <a:p>
+            <a:pPr algn="ctr"/>
+            <a:r>
+              <a:rPr lang="en-US" sz="1000" dirty="0" err="1">
+                <a:solidFill>
+                  <a:schemeClr val="bg1"/>
+                </a:solidFill>
+              </a:rPr>
+              <a:t>Tarea</a:t>
+            </a:r>
+            <a:r>
+              <a:rPr lang="en-US" sz="1000" dirty="0">
+                <a:solidFill>
+                  <a:schemeClr val="bg1"/>
+                </a:solidFill>
+              </a:rPr>
+              <a:t> </a:t>
+            </a:r>
+            <a:r>
+              <a:rPr lang="en-US" sz="1000" dirty="0" err="1">
+                <a:solidFill>
+                  <a:schemeClr val="bg1"/>
+                </a:solidFill>
+              </a:rPr>
+              <a:t>integradora</a:t>
+            </a:r>
+            <a:r>
+              <a:rPr lang="en-US" sz="1000" dirty="0">
+                <a:solidFill>
+                  <a:schemeClr val="bg1"/>
+                </a:solidFill>
+              </a:rPr>
+              <a:t> 1</a:t>
+            </a:r>
+          </a:p>
+        </p:txBody>
+      </p:sp>
+      <p:sp>
+        <p:nvSpPr>
+          <p:cNvPr id="9" name="Rounded Rectangle 8">
+            <a:extLst>
+              <a:ext uri="{FF2B5EF4-FFF2-40B4-BE49-F238E27FC236}">
+                <a16:creationId xmlns:a16="http://schemas.microsoft.com/office/drawing/2014/main" id="{F79AD009-042A-4541-9A98-EAB2EB8C5FE0}"/>
+              </a:ext>
+            </a:extLst>
+          </p:cNvPr>
+          <p:cNvSpPr/>
+          <p:nvPr/>
+        </p:nvSpPr>
+        <p:spPr>
+          <a:xfrm>
+            <a:off x="611560" y="1389093"/>
+            <a:ext cx="423664" cy="135632"/>
+          </a:xfrm>
+          <a:prstGeom prst="roundRect">
+            <a:avLst/>
+          </a:prstGeom>
+          <a:solidFill>
+            <a:schemeClr val="accent2"/>
+          </a:solidFill>
+          <a:ln>
+            <a:noFill/>
+          </a:ln>
+        </p:spPr>
+        <p:style>
+          <a:lnRef idx="2">
+            <a:schemeClr val="accent1">
+              <a:shade val="50000"/>
+            </a:schemeClr>
+          </a:lnRef>
+          <a:fillRef idx="1">
+            <a:schemeClr val="accent1"/>
+          </a:fillRef>
+          <a:effectRef idx="0">
+            <a:schemeClr val="accent1"/>
+          </a:effectRef>
+          <a:fontRef idx="minor">
+            <a:schemeClr val="lt1"/>
+          </a:fontRef>
+        </p:style>
+        <p:txBody>
+          <a:bodyPr rtlCol="0" anchor="ctr"/>
+          <a:lstStyle/>
+          <a:p>
+            <a:pPr algn="ctr"/>
+            <a:r>
+              <a:rPr lang="en-US" sz="1000" dirty="0">
+                <a:solidFill>
+                  <a:schemeClr val="bg1"/>
+                </a:solidFill>
+              </a:rPr>
+              <a:t>1</a:t>
+            </a:r>
+          </a:p>
+        </p:txBody>
+      </p:sp>
+      <p:sp>
+        <p:nvSpPr>
+          <p:cNvPr id="10" name="Rounded Rectangle 9">
+            <a:extLst>
+              <a:ext uri="{FF2B5EF4-FFF2-40B4-BE49-F238E27FC236}">
+                <a16:creationId xmlns:a16="http://schemas.microsoft.com/office/drawing/2014/main" id="{858534C4-049A-B340-83ED-2727A396A499}"/>
+              </a:ext>
+            </a:extLst>
+          </p:cNvPr>
+          <p:cNvSpPr/>
+          <p:nvPr/>
+        </p:nvSpPr>
+        <p:spPr>
+          <a:xfrm>
+            <a:off x="1115616" y="1392236"/>
+            <a:ext cx="423664" cy="135632"/>
+          </a:xfrm>
+          <a:prstGeom prst="roundRect">
+            <a:avLst/>
+          </a:prstGeom>
+          <a:solidFill>
+            <a:schemeClr val="accent2"/>
+          </a:solidFill>
+          <a:ln>
+            <a:noFill/>
+          </a:ln>
+        </p:spPr>
+        <p:style>
+          <a:lnRef idx="2">
+            <a:schemeClr val="accent1">
+              <a:shade val="50000"/>
+            </a:schemeClr>
+          </a:lnRef>
+          <a:fillRef idx="1">
+            <a:schemeClr val="accent1"/>
+          </a:fillRef>
+          <a:effectRef idx="0">
+            <a:schemeClr val="accent1"/>
+          </a:effectRef>
+          <a:fontRef idx="minor">
+            <a:schemeClr val="lt1"/>
+          </a:fontRef>
+        </p:style>
+        <p:txBody>
+          <a:bodyPr rtlCol="0" anchor="ctr"/>
+          <a:lstStyle/>
+          <a:p>
+            <a:pPr algn="ctr"/>
+            <a:r>
+              <a:rPr lang="en-US" sz="1000" dirty="0">
+                <a:solidFill>
+                  <a:schemeClr val="bg1"/>
+                </a:solidFill>
+              </a:rPr>
+              <a:t>2</a:t>
+            </a:r>
+          </a:p>
+        </p:txBody>
+      </p:sp>
+      <p:sp>
+        <p:nvSpPr>
+          <p:cNvPr id="11" name="Rounded Rectangle 10">
+            <a:extLst>
+              <a:ext uri="{FF2B5EF4-FFF2-40B4-BE49-F238E27FC236}">
+                <a16:creationId xmlns:a16="http://schemas.microsoft.com/office/drawing/2014/main" id="{95F3EBC1-F1F5-774D-9CA3-7EB2AFDC3BD9}"/>
+              </a:ext>
+            </a:extLst>
+          </p:cNvPr>
+          <p:cNvSpPr/>
+          <p:nvPr/>
+        </p:nvSpPr>
+        <p:spPr>
+          <a:xfrm>
+            <a:off x="1629283" y="1393328"/>
+            <a:ext cx="423664" cy="135632"/>
+          </a:xfrm>
+          <a:prstGeom prst="roundRect">
+            <a:avLst/>
+          </a:prstGeom>
+          <a:solidFill>
+            <a:schemeClr val="accent2"/>
+          </a:solidFill>
+          <a:ln>
+            <a:noFill/>
+          </a:ln>
+        </p:spPr>
+        <p:style>
+          <a:lnRef idx="2">
+            <a:schemeClr val="accent1">
+              <a:shade val="50000"/>
+            </a:schemeClr>
+          </a:lnRef>
+          <a:fillRef idx="1">
+            <a:schemeClr val="accent1"/>
+          </a:fillRef>
+          <a:effectRef idx="0">
+            <a:schemeClr val="accent1"/>
+          </a:effectRef>
+          <a:fontRef idx="minor">
+            <a:schemeClr val="lt1"/>
+          </a:fontRef>
+        </p:style>
+        <p:txBody>
+          <a:bodyPr rtlCol="0" anchor="ctr"/>
+          <a:lstStyle/>
+          <a:p>
+            <a:pPr algn="ctr"/>
+            <a:r>
+              <a:rPr lang="en-US" sz="1000" dirty="0">
+                <a:solidFill>
+                  <a:schemeClr val="bg1"/>
+                </a:solidFill>
+              </a:rPr>
+              <a:t>3</a:t>
+            </a:r>
+          </a:p>
+        </p:txBody>
+      </p:sp>
+      <p:sp>
+        <p:nvSpPr>
+          <p:cNvPr id="12" name="Rounded Rectangle 11">
+            <a:extLst>
+              <a:ext uri="{FF2B5EF4-FFF2-40B4-BE49-F238E27FC236}">
+                <a16:creationId xmlns:a16="http://schemas.microsoft.com/office/drawing/2014/main" id="{95B95E5C-89A7-D74B-9C80-12C11245DAF7}"/>
+              </a:ext>
+            </a:extLst>
+          </p:cNvPr>
+          <p:cNvSpPr/>
+          <p:nvPr/>
+        </p:nvSpPr>
+        <p:spPr>
+          <a:xfrm>
+            <a:off x="2133339" y="1396471"/>
+            <a:ext cx="423664" cy="135632"/>
+          </a:xfrm>
+          <a:prstGeom prst="roundRect">
+            <a:avLst/>
+          </a:prstGeom>
+          <a:solidFill>
+            <a:schemeClr val="accent2"/>
+          </a:solidFill>
+          <a:ln>
+            <a:noFill/>
+          </a:ln>
+        </p:spPr>
+        <p:style>
+          <a:lnRef idx="2">
+            <a:schemeClr val="accent1">
+              <a:shade val="50000"/>
+            </a:schemeClr>
+          </a:lnRef>
+          <a:fillRef idx="1">
+            <a:schemeClr val="accent1"/>
+          </a:fillRef>
+          <a:effectRef idx="0">
+            <a:schemeClr val="accent1"/>
+          </a:effectRef>
+          <a:fontRef idx="minor">
+            <a:schemeClr val="lt1"/>
+          </a:fontRef>
+        </p:style>
+        <p:txBody>
+          <a:bodyPr rtlCol="0" anchor="ctr"/>
+          <a:lstStyle/>
+          <a:p>
+            <a:pPr algn="ctr"/>
+            <a:r>
+              <a:rPr lang="en-US" sz="1000" dirty="0">
+                <a:solidFill>
+                  <a:schemeClr val="bg1"/>
+                </a:solidFill>
+              </a:rPr>
+              <a:t>4</a:t>
+            </a:r>
+          </a:p>
+        </p:txBody>
+      </p:sp>
+      <p:sp>
+        <p:nvSpPr>
+          <p:cNvPr id="13" name="Rounded Rectangle 12">
+            <a:extLst>
+              <a:ext uri="{FF2B5EF4-FFF2-40B4-BE49-F238E27FC236}">
+                <a16:creationId xmlns:a16="http://schemas.microsoft.com/office/drawing/2014/main" id="{0C1AC4B3-BE9B-334B-8AFA-3E577F8F2FB1}"/>
+              </a:ext>
+            </a:extLst>
+          </p:cNvPr>
+          <p:cNvSpPr/>
+          <p:nvPr/>
+        </p:nvSpPr>
+        <p:spPr>
+          <a:xfrm>
+            <a:off x="2672764" y="1399614"/>
+            <a:ext cx="423664" cy="135632"/>
+          </a:xfrm>
+          <a:prstGeom prst="roundRect">
+            <a:avLst/>
+          </a:prstGeom>
+          <a:solidFill>
+            <a:schemeClr val="accent2"/>
+          </a:solidFill>
+          <a:ln>
+            <a:noFill/>
+          </a:ln>
+        </p:spPr>
+        <p:style>
+          <a:lnRef idx="2">
+            <a:schemeClr val="accent1">
+              <a:shade val="50000"/>
+            </a:schemeClr>
+          </a:lnRef>
+          <a:fillRef idx="1">
+            <a:schemeClr val="accent1"/>
+          </a:fillRef>
+          <a:effectRef idx="0">
+            <a:schemeClr val="accent1"/>
+          </a:effectRef>
+          <a:fontRef idx="minor">
+            <a:schemeClr val="lt1"/>
+          </a:fontRef>
+        </p:style>
+        <p:txBody>
+          <a:bodyPr rtlCol="0" anchor="ctr"/>
+          <a:lstStyle/>
+          <a:p>
+            <a:pPr algn="ctr"/>
+            <a:r>
+              <a:rPr lang="en-US" sz="1000" dirty="0">
+                <a:solidFill>
+                  <a:schemeClr val="bg1"/>
+                </a:solidFill>
+              </a:rPr>
+              <a:t>5</a:t>
+            </a:r>
+          </a:p>
+        </p:txBody>
+      </p:sp>
+      <p:sp>
+        <p:nvSpPr>
+          <p:cNvPr id="14" name="Rounded Rectangle 13">
+            <a:extLst>
+              <a:ext uri="{FF2B5EF4-FFF2-40B4-BE49-F238E27FC236}">
+                <a16:creationId xmlns:a16="http://schemas.microsoft.com/office/drawing/2014/main" id="{238D0F5A-1570-CF44-AB2B-E26DB31D2243}"/>
+              </a:ext>
+            </a:extLst>
+          </p:cNvPr>
+          <p:cNvSpPr/>
+          <p:nvPr/>
+        </p:nvSpPr>
+        <p:spPr>
+          <a:xfrm>
+            <a:off x="3186431" y="1395379"/>
+            <a:ext cx="423664" cy="135632"/>
+          </a:xfrm>
+          <a:prstGeom prst="roundRect">
+            <a:avLst/>
+          </a:prstGeom>
+          <a:solidFill>
+            <a:schemeClr val="accent2"/>
+          </a:solidFill>
+          <a:ln>
+            <a:noFill/>
+          </a:ln>
+        </p:spPr>
+        <p:style>
+          <a:lnRef idx="2">
+            <a:schemeClr val="accent1">
+              <a:shade val="50000"/>
+            </a:schemeClr>
+          </a:lnRef>
+          <a:fillRef idx="1">
+            <a:schemeClr val="accent1"/>
+          </a:fillRef>
+          <a:effectRef idx="0">
+            <a:schemeClr val="accent1"/>
+          </a:effectRef>
+          <a:fontRef idx="minor">
+            <a:schemeClr val="lt1"/>
+          </a:fontRef>
+        </p:style>
+        <p:txBody>
+          <a:bodyPr rtlCol="0" anchor="ctr"/>
+          <a:lstStyle/>
+          <a:p>
+            <a:pPr algn="ctr"/>
+            <a:r>
+              <a:rPr lang="en-US" sz="1000" dirty="0">
+                <a:solidFill>
+                  <a:schemeClr val="bg1"/>
+                </a:solidFill>
+              </a:rPr>
+              <a:t>6</a:t>
+            </a:r>
+          </a:p>
+        </p:txBody>
+      </p:sp>
+      <p:sp>
+        <p:nvSpPr>
+          <p:cNvPr id="15" name="Rounded Rectangle 14">
+            <a:extLst>
+              <a:ext uri="{FF2B5EF4-FFF2-40B4-BE49-F238E27FC236}">
+                <a16:creationId xmlns:a16="http://schemas.microsoft.com/office/drawing/2014/main" id="{7DC44D7E-732D-1D42-B573-EC2C09E843D7}"/>
+              </a:ext>
+            </a:extLst>
+          </p:cNvPr>
+          <p:cNvSpPr/>
+          <p:nvPr/>
+        </p:nvSpPr>
+        <p:spPr>
+          <a:xfrm>
+            <a:off x="3696510" y="1401647"/>
+            <a:ext cx="423664" cy="135632"/>
+          </a:xfrm>
+          <a:prstGeom prst="roundRect">
+            <a:avLst/>
+          </a:prstGeom>
+          <a:solidFill>
+            <a:schemeClr val="accent2"/>
+          </a:solidFill>
+          <a:ln>
+            <a:noFill/>
+          </a:ln>
+        </p:spPr>
+        <p:style>
+          <a:lnRef idx="2">
+            <a:schemeClr val="accent1">
+              <a:shade val="50000"/>
+            </a:schemeClr>
+          </a:lnRef>
+          <a:fillRef idx="1">
+            <a:schemeClr val="accent1"/>
+          </a:fillRef>
+          <a:effectRef idx="0">
+            <a:schemeClr val="accent1"/>
+          </a:effectRef>
+          <a:fontRef idx="minor">
+            <a:schemeClr val="lt1"/>
+          </a:fontRef>
+        </p:style>
+        <p:txBody>
+          <a:bodyPr rtlCol="0" anchor="ctr"/>
+          <a:lstStyle/>
+          <a:p>
+            <a:pPr algn="ctr"/>
+            <a:r>
+              <a:rPr lang="en-US" sz="1000" dirty="0">
+                <a:solidFill>
+                  <a:schemeClr val="bg1"/>
+                </a:solidFill>
+              </a:rPr>
+              <a:t>7</a:t>
+            </a:r>
+          </a:p>
+        </p:txBody>
+      </p:sp>
+      <p:sp>
+        <p:nvSpPr>
+          <p:cNvPr id="16" name="Rounded Rectangle 15">
+            <a:extLst>
+              <a:ext uri="{FF2B5EF4-FFF2-40B4-BE49-F238E27FC236}">
+                <a16:creationId xmlns:a16="http://schemas.microsoft.com/office/drawing/2014/main" id="{1C6F099D-07FD-094B-BFE4-EE6E53488D40}"/>
+              </a:ext>
+            </a:extLst>
+          </p:cNvPr>
+          <p:cNvSpPr/>
+          <p:nvPr/>
+        </p:nvSpPr>
+        <p:spPr>
+          <a:xfrm>
+            <a:off x="4200566" y="1404790"/>
+            <a:ext cx="423664" cy="135632"/>
+          </a:xfrm>
+          <a:prstGeom prst="roundRect">
+            <a:avLst/>
+          </a:prstGeom>
+          <a:solidFill>
+            <a:schemeClr val="accent2"/>
+          </a:solidFill>
+          <a:ln>
+            <a:noFill/>
+          </a:ln>
+        </p:spPr>
+        <p:style>
+          <a:lnRef idx="2">
+            <a:schemeClr val="accent1">
+              <a:shade val="50000"/>
+            </a:schemeClr>
+          </a:lnRef>
+          <a:fillRef idx="1">
+            <a:schemeClr val="accent1"/>
+          </a:fillRef>
+          <a:effectRef idx="0">
+            <a:schemeClr val="accent1"/>
+          </a:effectRef>
+          <a:fontRef idx="minor">
+            <a:schemeClr val="lt1"/>
+          </a:fontRef>
+        </p:style>
+        <p:txBody>
+          <a:bodyPr rtlCol="0" anchor="ctr"/>
+          <a:lstStyle/>
+          <a:p>
+            <a:pPr algn="ctr"/>
+            <a:r>
+              <a:rPr lang="en-US" sz="1000" dirty="0">
+                <a:solidFill>
+                  <a:schemeClr val="bg1"/>
+                </a:solidFill>
+              </a:rPr>
+              <a:t>8</a:t>
+            </a:r>
+          </a:p>
+        </p:txBody>
+      </p:sp>
+      <p:sp>
+        <p:nvSpPr>
+          <p:cNvPr id="17" name="Rounded Rectangle 16">
+            <a:extLst>
+              <a:ext uri="{FF2B5EF4-FFF2-40B4-BE49-F238E27FC236}">
+                <a16:creationId xmlns:a16="http://schemas.microsoft.com/office/drawing/2014/main" id="{90691B9B-25AC-E841-B0D1-86CF976FE950}"/>
+              </a:ext>
+            </a:extLst>
+          </p:cNvPr>
+          <p:cNvSpPr/>
+          <p:nvPr/>
+        </p:nvSpPr>
+        <p:spPr>
+          <a:xfrm>
+            <a:off x="4704622" y="1405625"/>
+            <a:ext cx="423664" cy="135632"/>
+          </a:xfrm>
+          <a:prstGeom prst="roundRect">
+            <a:avLst/>
+          </a:prstGeom>
+          <a:solidFill>
+            <a:schemeClr val="accent2"/>
+          </a:solidFill>
+          <a:ln>
+            <a:noFill/>
+          </a:ln>
+        </p:spPr>
+        <p:style>
+          <a:lnRef idx="2">
+            <a:schemeClr val="accent1">
+              <a:shade val="50000"/>
+            </a:schemeClr>
+          </a:lnRef>
+          <a:fillRef idx="1">
+            <a:schemeClr val="accent1"/>
+          </a:fillRef>
+          <a:effectRef idx="0">
+            <a:schemeClr val="accent1"/>
+          </a:effectRef>
+          <a:fontRef idx="minor">
+            <a:schemeClr val="lt1"/>
+          </a:fontRef>
+        </p:style>
+        <p:txBody>
+          <a:bodyPr rtlCol="0" anchor="ctr"/>
+          <a:lstStyle/>
+          <a:p>
+            <a:pPr algn="ctr"/>
+            <a:r>
+              <a:rPr lang="en-US" sz="1000" dirty="0">
+                <a:solidFill>
+                  <a:schemeClr val="bg1"/>
+                </a:solidFill>
+              </a:rPr>
+              <a:t>9</a:t>
+            </a:r>
+          </a:p>
+        </p:txBody>
+      </p:sp>
+      <p:sp>
+        <p:nvSpPr>
+          <p:cNvPr id="18" name="Rounded Rectangle 17">
+            <a:extLst>
+              <a:ext uri="{FF2B5EF4-FFF2-40B4-BE49-F238E27FC236}">
+                <a16:creationId xmlns:a16="http://schemas.microsoft.com/office/drawing/2014/main" id="{29F873BE-3872-864E-AA19-62C786FD99AC}"/>
+              </a:ext>
+            </a:extLst>
+          </p:cNvPr>
+          <p:cNvSpPr/>
+          <p:nvPr/>
+        </p:nvSpPr>
+        <p:spPr>
+          <a:xfrm>
+            <a:off x="5208678" y="1408768"/>
+            <a:ext cx="423664" cy="135632"/>
+          </a:xfrm>
+          <a:prstGeom prst="roundRect">
+            <a:avLst/>
+          </a:prstGeom>
+          <a:solidFill>
+            <a:schemeClr val="accent2"/>
+          </a:solidFill>
+          <a:ln>
+            <a:noFill/>
+          </a:ln>
+        </p:spPr>
+        <p:style>
+          <a:lnRef idx="2">
+            <a:schemeClr val="accent1">
+              <a:shade val="50000"/>
+            </a:schemeClr>
+          </a:lnRef>
+          <a:fillRef idx="1">
+            <a:schemeClr val="accent1"/>
+          </a:fillRef>
+          <a:effectRef idx="0">
+            <a:schemeClr val="accent1"/>
+          </a:effectRef>
+          <a:fontRef idx="minor">
+            <a:schemeClr val="lt1"/>
+          </a:fontRef>
+        </p:style>
+        <p:txBody>
+          <a:bodyPr rtlCol="0" anchor="ctr"/>
+          <a:lstStyle/>
+          <a:p>
+            <a:pPr algn="ctr"/>
+            <a:r>
+              <a:rPr lang="en-US" sz="1000" dirty="0">
+                <a:solidFill>
+                  <a:schemeClr val="bg1"/>
+                </a:solidFill>
+              </a:rPr>
+              <a:t>10</a:t>
+            </a:r>
+          </a:p>
+        </p:txBody>
+      </p:sp>
+      <p:sp>
+        <p:nvSpPr>
+          <p:cNvPr id="19" name="Rounded Rectangle 18">
+            <a:extLst>
+              <a:ext uri="{FF2B5EF4-FFF2-40B4-BE49-F238E27FC236}">
+                <a16:creationId xmlns:a16="http://schemas.microsoft.com/office/drawing/2014/main" id="{16AFE635-53EB-BE47-BE26-0A853804B00B}"/>
+              </a:ext>
+            </a:extLst>
+          </p:cNvPr>
+          <p:cNvSpPr/>
+          <p:nvPr/>
+        </p:nvSpPr>
+        <p:spPr>
+          <a:xfrm>
+            <a:off x="5722345" y="1409860"/>
+            <a:ext cx="423664" cy="135632"/>
+          </a:xfrm>
+          <a:prstGeom prst="roundRect">
+            <a:avLst/>
+          </a:prstGeom>
+          <a:solidFill>
+            <a:schemeClr val="accent2"/>
+          </a:solidFill>
+          <a:ln>
+            <a:noFill/>
+          </a:ln>
+        </p:spPr>
+        <p:style>
+          <a:lnRef idx="2">
+            <a:schemeClr val="accent1">
+              <a:shade val="50000"/>
+            </a:schemeClr>
+          </a:lnRef>
+          <a:fillRef idx="1">
+            <a:schemeClr val="accent1"/>
+          </a:fillRef>
+          <a:effectRef idx="0">
+            <a:schemeClr val="accent1"/>
+          </a:effectRef>
+          <a:fontRef idx="minor">
+            <a:schemeClr val="lt1"/>
+          </a:fontRef>
+        </p:style>
+        <p:txBody>
+          <a:bodyPr rtlCol="0" anchor="ctr"/>
+          <a:lstStyle/>
+          <a:p>
+            <a:pPr algn="ctr"/>
+            <a:r>
+              <a:rPr lang="en-US" sz="1000" dirty="0">
+                <a:solidFill>
+                  <a:schemeClr val="bg1"/>
+                </a:solidFill>
+              </a:rPr>
+              <a:t>11</a:t>
+            </a:r>
+          </a:p>
+        </p:txBody>
+      </p:sp>
+      <p:sp>
+        <p:nvSpPr>
+          <p:cNvPr id="20" name="Rounded Rectangle 19">
+            <a:extLst>
+              <a:ext uri="{FF2B5EF4-FFF2-40B4-BE49-F238E27FC236}">
+                <a16:creationId xmlns:a16="http://schemas.microsoft.com/office/drawing/2014/main" id="{64B19FE0-2820-5346-A79A-071DD456AB51}"/>
+              </a:ext>
+            </a:extLst>
+          </p:cNvPr>
+          <p:cNvSpPr/>
+          <p:nvPr/>
+        </p:nvSpPr>
+        <p:spPr>
+          <a:xfrm>
+            <a:off x="6226401" y="1413003"/>
+            <a:ext cx="423664" cy="135632"/>
+          </a:xfrm>
+          <a:prstGeom prst="roundRect">
+            <a:avLst/>
+          </a:prstGeom>
+          <a:solidFill>
+            <a:schemeClr val="accent2"/>
+          </a:solidFill>
+          <a:ln>
+            <a:noFill/>
+          </a:ln>
+        </p:spPr>
+        <p:style>
+          <a:lnRef idx="2">
+            <a:schemeClr val="accent1">
+              <a:shade val="50000"/>
+            </a:schemeClr>
+          </a:lnRef>
+          <a:fillRef idx="1">
+            <a:schemeClr val="accent1"/>
+          </a:fillRef>
+          <a:effectRef idx="0">
+            <a:schemeClr val="accent1"/>
+          </a:effectRef>
+          <a:fontRef idx="minor">
+            <a:schemeClr val="lt1"/>
+          </a:fontRef>
+        </p:style>
+        <p:txBody>
+          <a:bodyPr rtlCol="0" anchor="ctr"/>
+          <a:lstStyle/>
+          <a:p>
+            <a:pPr algn="ctr"/>
+            <a:r>
+              <a:rPr lang="en-US" sz="1000" dirty="0">
+                <a:solidFill>
+                  <a:schemeClr val="bg1"/>
+                </a:solidFill>
+              </a:rPr>
+              <a:t>12</a:t>
+            </a:r>
+          </a:p>
+        </p:txBody>
+      </p:sp>
+      <p:sp>
+        <p:nvSpPr>
+          <p:cNvPr id="21" name="Rounded Rectangle 20">
+            <a:extLst>
+              <a:ext uri="{FF2B5EF4-FFF2-40B4-BE49-F238E27FC236}">
+                <a16:creationId xmlns:a16="http://schemas.microsoft.com/office/drawing/2014/main" id="{4D7CA54E-4FF8-E844-87CE-3E3D709BAA7F}"/>
+              </a:ext>
+            </a:extLst>
+          </p:cNvPr>
+          <p:cNvSpPr/>
+          <p:nvPr/>
+        </p:nvSpPr>
+        <p:spPr>
+          <a:xfrm>
+            <a:off x="6775437" y="1408768"/>
+            <a:ext cx="423664" cy="135632"/>
+          </a:xfrm>
+          <a:prstGeom prst="roundRect">
+            <a:avLst/>
+          </a:prstGeom>
+          <a:solidFill>
+            <a:schemeClr val="accent2"/>
+          </a:solidFill>
+          <a:ln>
+            <a:noFill/>
+          </a:ln>
+        </p:spPr>
+        <p:style>
+          <a:lnRef idx="2">
+            <a:schemeClr val="accent1">
+              <a:shade val="50000"/>
+            </a:schemeClr>
+          </a:lnRef>
+          <a:fillRef idx="1">
+            <a:schemeClr val="accent1"/>
+          </a:fillRef>
+          <a:effectRef idx="0">
+            <a:schemeClr val="accent1"/>
+          </a:effectRef>
+          <a:fontRef idx="minor">
+            <a:schemeClr val="lt1"/>
+          </a:fontRef>
+        </p:style>
+        <p:txBody>
+          <a:bodyPr rtlCol="0" anchor="ctr"/>
+          <a:lstStyle/>
+          <a:p>
+            <a:pPr algn="ctr"/>
+            <a:r>
+              <a:rPr lang="en-US" sz="1000" dirty="0">
+                <a:solidFill>
+                  <a:schemeClr val="bg1"/>
+                </a:solidFill>
+              </a:rPr>
+              <a:t>13</a:t>
+            </a:r>
+          </a:p>
+        </p:txBody>
+      </p:sp>
+      <p:sp>
+        <p:nvSpPr>
+          <p:cNvPr id="22" name="Rounded Rectangle 21">
+            <a:extLst>
+              <a:ext uri="{FF2B5EF4-FFF2-40B4-BE49-F238E27FC236}">
+                <a16:creationId xmlns:a16="http://schemas.microsoft.com/office/drawing/2014/main" id="{605243AE-D18B-0A45-B063-11A43AFEE53B}"/>
+              </a:ext>
+            </a:extLst>
+          </p:cNvPr>
+          <p:cNvSpPr/>
+          <p:nvPr/>
+        </p:nvSpPr>
+        <p:spPr>
+          <a:xfrm>
+            <a:off x="7279493" y="1411911"/>
+            <a:ext cx="423664" cy="135632"/>
+          </a:xfrm>
+          <a:prstGeom prst="roundRect">
+            <a:avLst/>
+          </a:prstGeom>
+          <a:solidFill>
+            <a:schemeClr val="accent2"/>
+          </a:solidFill>
+          <a:ln>
+            <a:noFill/>
+          </a:ln>
+        </p:spPr>
+        <p:style>
+          <a:lnRef idx="2">
+            <a:schemeClr val="accent1">
+              <a:shade val="50000"/>
+            </a:schemeClr>
+          </a:lnRef>
+          <a:fillRef idx="1">
+            <a:schemeClr val="accent1"/>
+          </a:fillRef>
+          <a:effectRef idx="0">
+            <a:schemeClr val="accent1"/>
+          </a:effectRef>
+          <a:fontRef idx="minor">
+            <a:schemeClr val="lt1"/>
+          </a:fontRef>
+        </p:style>
+        <p:txBody>
+          <a:bodyPr rtlCol="0" anchor="ctr"/>
+          <a:lstStyle/>
+          <a:p>
+            <a:pPr algn="ctr"/>
+            <a:r>
+              <a:rPr lang="en-US" sz="1000" dirty="0">
+                <a:solidFill>
+                  <a:schemeClr val="bg1"/>
+                </a:solidFill>
+              </a:rPr>
+              <a:t>14</a:t>
+            </a:r>
+          </a:p>
+        </p:txBody>
+      </p:sp>
+      <p:sp>
+        <p:nvSpPr>
+          <p:cNvPr id="23" name="Rounded Rectangle 22">
+            <a:extLst>
+              <a:ext uri="{FF2B5EF4-FFF2-40B4-BE49-F238E27FC236}">
+                <a16:creationId xmlns:a16="http://schemas.microsoft.com/office/drawing/2014/main" id="{3F8DE1BA-FF66-3848-9A1E-B1890C7B43D7}"/>
+              </a:ext>
+            </a:extLst>
+          </p:cNvPr>
+          <p:cNvSpPr/>
+          <p:nvPr/>
+        </p:nvSpPr>
+        <p:spPr>
+          <a:xfrm>
+            <a:off x="7793160" y="1413003"/>
+            <a:ext cx="423664" cy="135632"/>
+          </a:xfrm>
+          <a:prstGeom prst="roundRect">
+            <a:avLst/>
+          </a:prstGeom>
+          <a:solidFill>
+            <a:schemeClr val="accent2"/>
+          </a:solidFill>
+          <a:ln>
+            <a:noFill/>
+          </a:ln>
+        </p:spPr>
+        <p:style>
+          <a:lnRef idx="2">
+            <a:schemeClr val="accent1">
+              <a:shade val="50000"/>
+            </a:schemeClr>
+          </a:lnRef>
+          <a:fillRef idx="1">
+            <a:schemeClr val="accent1"/>
+          </a:fillRef>
+          <a:effectRef idx="0">
+            <a:schemeClr val="accent1"/>
+          </a:effectRef>
+          <a:fontRef idx="minor">
+            <a:schemeClr val="lt1"/>
+          </a:fontRef>
+        </p:style>
+        <p:txBody>
+          <a:bodyPr rtlCol="0" anchor="ctr"/>
+          <a:lstStyle/>
+          <a:p>
+            <a:pPr algn="ctr"/>
+            <a:r>
+              <a:rPr lang="en-US" sz="1000" dirty="0">
+                <a:solidFill>
+                  <a:schemeClr val="bg1"/>
+                </a:solidFill>
+              </a:rPr>
+              <a:t>15</a:t>
+            </a:r>
+          </a:p>
+        </p:txBody>
+      </p:sp>
+      <p:sp>
+        <p:nvSpPr>
+          <p:cNvPr id="24" name="Rounded Rectangle 23">
+            <a:extLst>
+              <a:ext uri="{FF2B5EF4-FFF2-40B4-BE49-F238E27FC236}">
+                <a16:creationId xmlns:a16="http://schemas.microsoft.com/office/drawing/2014/main" id="{E07B029D-A9D5-664E-9A58-FDADC1335B15}"/>
+              </a:ext>
+            </a:extLst>
+          </p:cNvPr>
+          <p:cNvSpPr/>
+          <p:nvPr/>
+        </p:nvSpPr>
+        <p:spPr>
+          <a:xfrm>
+            <a:off x="8300804" y="1410970"/>
+            <a:ext cx="423664" cy="135632"/>
+          </a:xfrm>
+          <a:prstGeom prst="roundRect">
+            <a:avLst/>
+          </a:prstGeom>
+          <a:solidFill>
+            <a:schemeClr val="accent2"/>
+          </a:solidFill>
+          <a:ln>
+            <a:noFill/>
+          </a:ln>
+        </p:spPr>
+        <p:style>
+          <a:lnRef idx="2">
+            <a:schemeClr val="accent1">
+              <a:shade val="50000"/>
+            </a:schemeClr>
+          </a:lnRef>
+          <a:fillRef idx="1">
+            <a:schemeClr val="accent1"/>
+          </a:fillRef>
+          <a:effectRef idx="0">
+            <a:schemeClr val="accent1"/>
+          </a:effectRef>
+          <a:fontRef idx="minor">
+            <a:schemeClr val="lt1"/>
+          </a:fontRef>
+        </p:style>
+        <p:txBody>
+          <a:bodyPr rtlCol="0" anchor="ctr"/>
+          <a:lstStyle/>
+          <a:p>
+            <a:pPr algn="ctr"/>
+            <a:r>
+              <a:rPr lang="en-US" sz="1000" dirty="0">
+                <a:solidFill>
+                  <a:schemeClr val="bg1"/>
+                </a:solidFill>
+              </a:rPr>
+              <a:t>16</a:t>
+            </a:r>
+          </a:p>
+        </p:txBody>
+      </p:sp>
+      <p:sp>
+        <p:nvSpPr>
+          <p:cNvPr id="32" name="Rounded Rectangle 6">
+            <a:extLst>
+              <a:ext uri="{FF2B5EF4-FFF2-40B4-BE49-F238E27FC236}">
+                <a16:creationId xmlns:a16="http://schemas.microsoft.com/office/drawing/2014/main" id="{D3A4917F-F404-0940-A4EC-FEBFBC16E93F}"/>
+              </a:ext>
+            </a:extLst>
+          </p:cNvPr>
+          <p:cNvSpPr/>
+          <p:nvPr/>
+        </p:nvSpPr>
+        <p:spPr>
+          <a:xfrm>
+            <a:off x="3696509" y="2283718"/>
+            <a:ext cx="2449499" cy="346690"/>
+          </a:xfrm>
+          <a:prstGeom prst="roundRect">
+            <a:avLst/>
+          </a:prstGeom>
+          <a:ln>
+            <a:noFill/>
+          </a:ln>
+        </p:spPr>
+        <p:style>
+          <a:lnRef idx="2">
+            <a:schemeClr val="accent1">
+              <a:shade val="50000"/>
+            </a:schemeClr>
+          </a:lnRef>
+          <a:fillRef idx="1">
+            <a:schemeClr val="accent1"/>
+          </a:fillRef>
+          <a:effectRef idx="0">
+            <a:schemeClr val="accent1"/>
+          </a:effectRef>
+          <a:fontRef idx="minor">
+            <a:schemeClr val="lt1"/>
+          </a:fontRef>
+        </p:style>
+        <p:txBody>
+          <a:bodyPr rtlCol="0" anchor="ctr"/>
+          <a:lstStyle/>
+          <a:p>
+            <a:pPr algn="ctr"/>
+            <a:r>
+              <a:rPr lang="en-US" sz="1000" dirty="0" err="1">
+                <a:solidFill>
+                  <a:schemeClr val="bg1"/>
+                </a:solidFill>
+              </a:rPr>
+              <a:t>Tarea</a:t>
+            </a:r>
+            <a:r>
+              <a:rPr lang="en-US" sz="1000" dirty="0">
+                <a:solidFill>
+                  <a:schemeClr val="bg1"/>
+                </a:solidFill>
+              </a:rPr>
+              <a:t> </a:t>
+            </a:r>
+            <a:r>
+              <a:rPr lang="en-US" sz="1000" dirty="0" err="1">
+                <a:solidFill>
+                  <a:schemeClr val="bg1"/>
+                </a:solidFill>
+              </a:rPr>
+              <a:t>integradora</a:t>
+            </a:r>
+            <a:r>
+              <a:rPr lang="en-US" sz="1000" dirty="0">
+                <a:solidFill>
+                  <a:schemeClr val="bg1"/>
+                </a:solidFill>
+              </a:rPr>
+              <a:t> 2</a:t>
+            </a:r>
+          </a:p>
+        </p:txBody>
+      </p:sp>
+      <p:sp>
+        <p:nvSpPr>
+          <p:cNvPr id="34" name="Rounded Rectangle 6">
+            <a:extLst>
+              <a:ext uri="{FF2B5EF4-FFF2-40B4-BE49-F238E27FC236}">
+                <a16:creationId xmlns:a16="http://schemas.microsoft.com/office/drawing/2014/main" id="{B8196C66-E6EB-5E41-818D-1207FA8DF0B5}"/>
+              </a:ext>
+            </a:extLst>
+          </p:cNvPr>
+          <p:cNvSpPr/>
+          <p:nvPr/>
+        </p:nvSpPr>
+        <p:spPr>
+          <a:xfrm>
+            <a:off x="6226401" y="3003798"/>
+            <a:ext cx="2498067" cy="346690"/>
+          </a:xfrm>
+          <a:prstGeom prst="roundRect">
+            <a:avLst/>
+          </a:prstGeom>
+          <a:ln>
+            <a:noFill/>
+          </a:ln>
+        </p:spPr>
+        <p:style>
+          <a:lnRef idx="2">
+            <a:schemeClr val="accent1">
+              <a:shade val="50000"/>
+            </a:schemeClr>
+          </a:lnRef>
+          <a:fillRef idx="1">
+            <a:schemeClr val="accent1"/>
+          </a:fillRef>
+          <a:effectRef idx="0">
+            <a:schemeClr val="accent1"/>
+          </a:effectRef>
+          <a:fontRef idx="minor">
+            <a:schemeClr val="lt1"/>
+          </a:fontRef>
+        </p:style>
+        <p:txBody>
+          <a:bodyPr rtlCol="0" anchor="ctr"/>
+          <a:lstStyle/>
+          <a:p>
+            <a:pPr algn="ctr"/>
+            <a:r>
+              <a:rPr lang="en-US" sz="1000" dirty="0" err="1">
+                <a:solidFill>
+                  <a:schemeClr val="bg1"/>
+                </a:solidFill>
+              </a:rPr>
+              <a:t>Tarea</a:t>
+            </a:r>
+            <a:r>
+              <a:rPr lang="en-US" sz="1000" dirty="0">
+                <a:solidFill>
+                  <a:schemeClr val="bg1"/>
+                </a:solidFill>
+              </a:rPr>
+              <a:t> </a:t>
+            </a:r>
+            <a:r>
+              <a:rPr lang="en-US" sz="1000" dirty="0" err="1">
+                <a:solidFill>
+                  <a:schemeClr val="bg1"/>
+                </a:solidFill>
+              </a:rPr>
+              <a:t>integradora</a:t>
+            </a:r>
+            <a:r>
+              <a:rPr lang="en-US" sz="1000" dirty="0">
+                <a:solidFill>
+                  <a:schemeClr val="bg1"/>
+                </a:solidFill>
+              </a:rPr>
+              <a:t> 3</a:t>
+            </a:r>
+          </a:p>
+        </p:txBody>
+      </p:sp>
+      <p:sp>
+        <p:nvSpPr>
+          <p:cNvPr id="36" name="Rounded Rectangle 6">
+            <a:extLst>
+              <a:ext uri="{FF2B5EF4-FFF2-40B4-BE49-F238E27FC236}">
+                <a16:creationId xmlns:a16="http://schemas.microsoft.com/office/drawing/2014/main" id="{EB1D3DB7-4765-C446-8180-AF365A5142BA}"/>
+              </a:ext>
+            </a:extLst>
+          </p:cNvPr>
+          <p:cNvSpPr/>
+          <p:nvPr/>
+        </p:nvSpPr>
+        <p:spPr>
+          <a:xfrm>
+            <a:off x="1114829" y="3665728"/>
+            <a:ext cx="425238" cy="346690"/>
+          </a:xfrm>
+          <a:prstGeom prst="roundRect">
+            <a:avLst/>
+          </a:prstGeom>
+          <a:ln>
+            <a:noFill/>
+          </a:ln>
+        </p:spPr>
+        <p:style>
+          <a:lnRef idx="2">
+            <a:schemeClr val="accent1">
+              <a:shade val="50000"/>
+            </a:schemeClr>
+          </a:lnRef>
+          <a:fillRef idx="1">
+            <a:schemeClr val="accent1"/>
+          </a:fillRef>
+          <a:effectRef idx="0">
+            <a:schemeClr val="accent1"/>
+          </a:effectRef>
+          <a:fontRef idx="minor">
+            <a:schemeClr val="lt1"/>
+          </a:fontRef>
+        </p:style>
+        <p:txBody>
+          <a:bodyPr rtlCol="0" anchor="ctr"/>
+          <a:lstStyle/>
+          <a:p>
+            <a:pPr algn="ctr"/>
+            <a:r>
+              <a:rPr lang="en-US" sz="1000" dirty="0">
+                <a:solidFill>
+                  <a:schemeClr val="bg1"/>
+                </a:solidFill>
+              </a:rPr>
+              <a:t>LAB</a:t>
+            </a:r>
+          </a:p>
+        </p:txBody>
+      </p:sp>
+      <p:sp>
+        <p:nvSpPr>
+          <p:cNvPr id="37" name="Rounded Rectangle 6">
+            <a:extLst>
+              <a:ext uri="{FF2B5EF4-FFF2-40B4-BE49-F238E27FC236}">
+                <a16:creationId xmlns:a16="http://schemas.microsoft.com/office/drawing/2014/main" id="{353E9C9A-5263-8D4A-9B5D-A0E3249E8AFF}"/>
+              </a:ext>
+            </a:extLst>
+          </p:cNvPr>
+          <p:cNvSpPr/>
+          <p:nvPr/>
+        </p:nvSpPr>
+        <p:spPr>
+          <a:xfrm>
+            <a:off x="2694766" y="3665560"/>
+            <a:ext cx="425238" cy="346690"/>
+          </a:xfrm>
+          <a:prstGeom prst="roundRect">
+            <a:avLst/>
+          </a:prstGeom>
+          <a:ln>
+            <a:noFill/>
+          </a:ln>
+        </p:spPr>
+        <p:style>
+          <a:lnRef idx="2">
+            <a:schemeClr val="accent1">
+              <a:shade val="50000"/>
+            </a:schemeClr>
+          </a:lnRef>
+          <a:fillRef idx="1">
+            <a:schemeClr val="accent1"/>
+          </a:fillRef>
+          <a:effectRef idx="0">
+            <a:schemeClr val="accent1"/>
+          </a:effectRef>
+          <a:fontRef idx="minor">
+            <a:schemeClr val="lt1"/>
+          </a:fontRef>
+        </p:style>
+        <p:txBody>
+          <a:bodyPr rtlCol="0" anchor="ctr"/>
+          <a:lstStyle/>
+          <a:p>
+            <a:pPr algn="ctr"/>
+            <a:r>
+              <a:rPr lang="en-US" sz="1000" dirty="0">
+                <a:solidFill>
+                  <a:schemeClr val="bg1"/>
+                </a:solidFill>
+              </a:rPr>
+              <a:t>LAB</a:t>
+            </a:r>
+          </a:p>
+        </p:txBody>
+      </p:sp>
+      <p:sp>
+        <p:nvSpPr>
+          <p:cNvPr id="38" name="Rounded Rectangle 6">
+            <a:extLst>
+              <a:ext uri="{FF2B5EF4-FFF2-40B4-BE49-F238E27FC236}">
+                <a16:creationId xmlns:a16="http://schemas.microsoft.com/office/drawing/2014/main" id="{604E7959-96D5-F243-A130-89A69F422A01}"/>
+              </a:ext>
+            </a:extLst>
+          </p:cNvPr>
+          <p:cNvSpPr/>
+          <p:nvPr/>
+        </p:nvSpPr>
+        <p:spPr>
+          <a:xfrm>
+            <a:off x="3220955" y="3671998"/>
+            <a:ext cx="425238" cy="346690"/>
+          </a:xfrm>
+          <a:prstGeom prst="roundRect">
+            <a:avLst/>
+          </a:prstGeom>
+          <a:ln>
+            <a:noFill/>
+          </a:ln>
+        </p:spPr>
+        <p:style>
+          <a:lnRef idx="2">
+            <a:schemeClr val="accent1">
+              <a:shade val="50000"/>
+            </a:schemeClr>
+          </a:lnRef>
+          <a:fillRef idx="1">
+            <a:schemeClr val="accent1"/>
+          </a:fillRef>
+          <a:effectRef idx="0">
+            <a:schemeClr val="accent1"/>
+          </a:effectRef>
+          <a:fontRef idx="minor">
+            <a:schemeClr val="lt1"/>
+          </a:fontRef>
+        </p:style>
+        <p:txBody>
+          <a:bodyPr rtlCol="0" anchor="ctr"/>
+          <a:lstStyle/>
+          <a:p>
+            <a:pPr algn="ctr"/>
+            <a:r>
+              <a:rPr lang="en-US" sz="1000" dirty="0">
+                <a:solidFill>
+                  <a:schemeClr val="bg1"/>
+                </a:solidFill>
+              </a:rPr>
+              <a:t>LAB</a:t>
+            </a:r>
+          </a:p>
+        </p:txBody>
+      </p:sp>
+      <p:sp>
+        <p:nvSpPr>
+          <p:cNvPr id="39" name="Rounded Rectangle 6">
+            <a:extLst>
+              <a:ext uri="{FF2B5EF4-FFF2-40B4-BE49-F238E27FC236}">
+                <a16:creationId xmlns:a16="http://schemas.microsoft.com/office/drawing/2014/main" id="{60F54856-BEAC-C949-AAA2-7CAFB363C4EB}"/>
+              </a:ext>
+            </a:extLst>
+          </p:cNvPr>
+          <p:cNvSpPr/>
+          <p:nvPr/>
+        </p:nvSpPr>
+        <p:spPr>
+          <a:xfrm>
+            <a:off x="4198992" y="3665728"/>
+            <a:ext cx="425238" cy="346690"/>
+          </a:xfrm>
+          <a:prstGeom prst="roundRect">
+            <a:avLst/>
+          </a:prstGeom>
+          <a:ln>
+            <a:noFill/>
+          </a:ln>
+        </p:spPr>
+        <p:style>
+          <a:lnRef idx="2">
+            <a:schemeClr val="accent1">
+              <a:shade val="50000"/>
+            </a:schemeClr>
+          </a:lnRef>
+          <a:fillRef idx="1">
+            <a:schemeClr val="accent1"/>
+          </a:fillRef>
+          <a:effectRef idx="0">
+            <a:schemeClr val="accent1"/>
+          </a:effectRef>
+          <a:fontRef idx="minor">
+            <a:schemeClr val="lt1"/>
+          </a:fontRef>
+        </p:style>
+        <p:txBody>
+          <a:bodyPr rtlCol="0" anchor="ctr"/>
+          <a:lstStyle/>
+          <a:p>
+            <a:pPr algn="ctr"/>
+            <a:r>
+              <a:rPr lang="en-US" sz="1000" dirty="0">
+                <a:solidFill>
+                  <a:schemeClr val="bg1"/>
+                </a:solidFill>
+              </a:rPr>
+              <a:t>LAB</a:t>
+            </a:r>
+          </a:p>
+        </p:txBody>
+      </p:sp>
+      <p:sp>
+        <p:nvSpPr>
+          <p:cNvPr id="40" name="Rounded Rectangle 6">
+            <a:extLst>
+              <a:ext uri="{FF2B5EF4-FFF2-40B4-BE49-F238E27FC236}">
+                <a16:creationId xmlns:a16="http://schemas.microsoft.com/office/drawing/2014/main" id="{4F62B2E4-399D-A348-B556-303107037990}"/>
+              </a:ext>
+            </a:extLst>
+          </p:cNvPr>
+          <p:cNvSpPr/>
+          <p:nvPr/>
+        </p:nvSpPr>
+        <p:spPr>
+          <a:xfrm>
+            <a:off x="4703048" y="3667529"/>
+            <a:ext cx="425238" cy="346690"/>
+          </a:xfrm>
+          <a:prstGeom prst="roundRect">
+            <a:avLst/>
+          </a:prstGeom>
+          <a:ln>
+            <a:noFill/>
+          </a:ln>
+        </p:spPr>
+        <p:style>
+          <a:lnRef idx="2">
+            <a:schemeClr val="accent1">
+              <a:shade val="50000"/>
+            </a:schemeClr>
+          </a:lnRef>
+          <a:fillRef idx="1">
+            <a:schemeClr val="accent1"/>
+          </a:fillRef>
+          <a:effectRef idx="0">
+            <a:schemeClr val="accent1"/>
+          </a:effectRef>
+          <a:fontRef idx="minor">
+            <a:schemeClr val="lt1"/>
+          </a:fontRef>
+        </p:style>
+        <p:txBody>
+          <a:bodyPr rtlCol="0" anchor="ctr"/>
+          <a:lstStyle/>
+          <a:p>
+            <a:pPr algn="ctr"/>
+            <a:r>
+              <a:rPr lang="en-US" sz="1000" dirty="0">
+                <a:solidFill>
+                  <a:schemeClr val="bg1"/>
+                </a:solidFill>
+              </a:rPr>
+              <a:t>LAB</a:t>
+            </a:r>
+          </a:p>
+        </p:txBody>
+      </p:sp>
+      <p:sp>
+        <p:nvSpPr>
+          <p:cNvPr id="51" name="Rounded Rectangle 6">
+            <a:extLst>
+              <a:ext uri="{FF2B5EF4-FFF2-40B4-BE49-F238E27FC236}">
+                <a16:creationId xmlns:a16="http://schemas.microsoft.com/office/drawing/2014/main" id="{0BD3842D-30BB-824D-A3C4-BF7DF3D9C08F}"/>
+              </a:ext>
+            </a:extLst>
+          </p:cNvPr>
+          <p:cNvSpPr/>
+          <p:nvPr/>
+        </p:nvSpPr>
+        <p:spPr>
+          <a:xfrm>
+            <a:off x="6226401" y="3654682"/>
+            <a:ext cx="425238" cy="346690"/>
+          </a:xfrm>
+          <a:prstGeom prst="roundRect">
+            <a:avLst/>
+          </a:prstGeom>
+          <a:ln>
+            <a:noFill/>
+          </a:ln>
+        </p:spPr>
+        <p:style>
+          <a:lnRef idx="2">
+            <a:schemeClr val="accent1">
+              <a:shade val="50000"/>
+            </a:schemeClr>
+          </a:lnRef>
+          <a:fillRef idx="1">
+            <a:schemeClr val="accent1"/>
+          </a:fillRef>
+          <a:effectRef idx="0">
+            <a:schemeClr val="accent1"/>
+          </a:effectRef>
+          <a:fontRef idx="minor">
+            <a:schemeClr val="lt1"/>
+          </a:fontRef>
+        </p:style>
+        <p:txBody>
+          <a:bodyPr rtlCol="0" anchor="ctr"/>
+          <a:lstStyle/>
+          <a:p>
+            <a:pPr algn="ctr"/>
+            <a:r>
+              <a:rPr lang="en-US" sz="1000" dirty="0">
+                <a:solidFill>
+                  <a:schemeClr val="bg1"/>
+                </a:solidFill>
+              </a:rPr>
+              <a:t>LAB</a:t>
+            </a:r>
+          </a:p>
+        </p:txBody>
+      </p:sp>
+      <p:sp>
+        <p:nvSpPr>
+          <p:cNvPr id="54" name="CuadroTexto 53">
+            <a:extLst>
+              <a:ext uri="{FF2B5EF4-FFF2-40B4-BE49-F238E27FC236}">
+                <a16:creationId xmlns:a16="http://schemas.microsoft.com/office/drawing/2014/main" id="{6CF14B41-3261-0348-91A7-F0F500C02E1A}"/>
+              </a:ext>
+            </a:extLst>
+          </p:cNvPr>
+          <p:cNvSpPr txBox="1"/>
+          <p:nvPr/>
+        </p:nvSpPr>
+        <p:spPr>
+          <a:xfrm>
+            <a:off x="156740" y="4240198"/>
+            <a:ext cx="8735740" cy="523220"/>
+          </a:xfrm>
+          <a:prstGeom prst="rect">
+            <a:avLst/>
+          </a:prstGeom>
+          <a:noFill/>
+        </p:spPr>
+        <p:txBody>
+          <a:bodyPr wrap="square" rtlCol="0">
+            <a:spAutoFit/>
+          </a:bodyPr>
+          <a:lstStyle/>
+          <a:p>
+            <a:r>
+              <a:rPr lang="es-ES" dirty="0">
+                <a:solidFill>
+                  <a:schemeClr val="tx2"/>
+                </a:solidFill>
+              </a:rPr>
+              <a:t>Las tareas integradoras se con base en el código presentado. Sin embargo, tenga en cuenta que se debe hacer una sustentación del trabajo para comprobar la autoría del trabajo</a:t>
+            </a:r>
+          </a:p>
+        </p:txBody>
+      </p:sp>
+    </p:spTree>
+    <p:extLst>
+      <p:ext uri="{BB962C8B-B14F-4D97-AF65-F5344CB8AC3E}">
+        <p14:creationId xmlns:p14="http://schemas.microsoft.com/office/powerpoint/2010/main" val="778314220"/>
+      </p:ext>
+    </p:extLst>
+  </p:cSld>
+  <p:clrMapOvr>
+    <a:masterClrMapping/>
+  </p:clrMapOvr>
+</p:sld>
+</file>
+
+<file path=ppt/slides/slide14.xml><?xml version="1.0" encoding="utf-8"?>
+<p:sld xmlns:a="http://schemas.openxmlformats.org/drawingml/2006/main" xmlns:r="http://schemas.openxmlformats.org/officeDocument/2006/relationships" xmlns:p="http://schemas.openxmlformats.org/presentationml/2006/main">
+  <p:cSld>
+    <p:spTree>
+      <p:nvGrpSpPr>
+        <p:cNvPr id="1" name=""/>
+        <p:cNvGrpSpPr/>
+        <p:nvPr/>
+      </p:nvGrpSpPr>
+      <p:grpSpPr>
+        <a:xfrm>
+          <a:off x="0" y="0"/>
+          <a:ext cx="0" cy="0"/>
+          <a:chOff x="0" y="0"/>
+          <a:chExt cx="0" cy="0"/>
+        </a:xfrm>
+      </p:grpSpPr>
+      <p:sp>
+        <p:nvSpPr>
           <p:cNvPr id="31" name="Rectángulo 30">
             <a:extLst>
               <a:ext uri="{FF2B5EF4-FFF2-40B4-BE49-F238E27FC236}">
@@ -7904,7 +8213,7 @@
 </p:sld>
 </file>
 
-<file path=ppt/slides/slide14.xml><?xml version="1.0" encoding="utf-8"?>
+<file path=ppt/slides/slide15.xml><?xml version="1.0" encoding="utf-8"?>
 <p:sld xmlns:a="http://schemas.openxmlformats.org/drawingml/2006/main" xmlns:r="http://schemas.openxmlformats.org/officeDocument/2006/relationships" xmlns:p="http://schemas.openxmlformats.org/presentationml/2006/main">
   <p:cSld>
     <p:spTree>
@@ -8292,7 +8601,7 @@
             </a:r>
             <a:r>
               <a:rPr lang="es-CO" dirty="0"/>
-              <a:t> Algoritmos y programación 2, Programación en red y Aplicaciones móviles, Fundamentos de programación para DMI. Coordinador del club de programación competitiva. Coordinador del bloque de algoritmos de DMI.</a:t>
+              <a:t> Algoritmos y programación 2, Integrador 1 de Telemática, Aplicaciones móviles, Fundamentos de programación para DMI. Coordinador del club de programación competitiva. Coordinador del bloque de algoritmos de DMI.</a:t>
             </a:r>
           </a:p>
           <a:p>
@@ -8305,7 +8614,7 @@
             </a:r>
             <a:r>
               <a:rPr lang="es-CO" dirty="0"/>
-              <a:t> Me gusta la geografía y el tema espacial. Se coser a mano, con cosedora y bordar. Me gusta dibujar y ver los diferentes estilos artísticos de los tatuajes aunque no tengo ninguno</a:t>
+              <a:t> Me gusta la geografía y el tema espacial. Se coser a mano, con cosedora y bordar. Me gustan los videojuegos</a:t>
             </a:r>
           </a:p>
           <a:p>
@@ -9124,6 +9433,1602 @@
       </p:grpSpPr>
       <p:sp>
         <p:nvSpPr>
+          <p:cNvPr id="2" name="Título 1"/>
+          <p:cNvSpPr>
+            <a:spLocks noGrp="1"/>
+          </p:cNvSpPr>
+          <p:nvPr>
+            <p:ph type="title"/>
+          </p:nvPr>
+        </p:nvSpPr>
+        <p:spPr/>
+        <p:txBody>
+          <a:bodyPr/>
+          <a:lstStyle/>
+          <a:p>
+            <a:r>
+              <a:rPr lang="es-ES" dirty="0"/>
+              <a:t>Objetivos del curso</a:t>
+            </a:r>
+            <a:endParaRPr lang="es-CO" dirty="0"/>
+          </a:p>
+        </p:txBody>
+      </p:sp>
+      <p:sp>
+        <p:nvSpPr>
+          <p:cNvPr id="8" name="CuadroTexto 7"/>
+          <p:cNvSpPr txBox="1"/>
+          <p:nvPr/>
+        </p:nvSpPr>
+        <p:spPr>
+          <a:xfrm>
+            <a:off x="4357902" y="1396146"/>
+            <a:ext cx="4320480" cy="2862322"/>
+          </a:xfrm>
+          <a:prstGeom prst="rect">
+            <a:avLst/>
+          </a:prstGeom>
+          <a:noFill/>
+        </p:spPr>
+        <p:txBody>
+          <a:bodyPr wrap="square" rtlCol="0">
+            <a:spAutoFit/>
+          </a:bodyPr>
+          <a:lstStyle/>
+          <a:p>
+            <a:r>
+              <a:rPr lang="es-ES" sz="1500" dirty="0">
+                <a:solidFill>
+                  <a:schemeClr val="tx1"/>
+                </a:solidFill>
+              </a:rPr>
+              <a:t>OT4. </a:t>
+            </a:r>
+            <a:r>
+              <a:rPr lang="en-US" sz="1500" dirty="0" err="1">
+                <a:solidFill>
+                  <a:schemeClr val="tx1"/>
+                </a:solidFill>
+                <a:effectLst/>
+                <a:latin typeface="ArialMT"/>
+              </a:rPr>
+              <a:t>Desarrollar</a:t>
+            </a:r>
+            <a:r>
+              <a:rPr lang="en-US" sz="1500" dirty="0">
+                <a:solidFill>
+                  <a:schemeClr val="tx1"/>
+                </a:solidFill>
+                <a:effectLst/>
+                <a:latin typeface="ArialMT"/>
+              </a:rPr>
+              <a:t> y </a:t>
+            </a:r>
+            <a:r>
+              <a:rPr lang="en-US" sz="1500" dirty="0" err="1">
+                <a:solidFill>
+                  <a:schemeClr val="tx1"/>
+                </a:solidFill>
+                <a:effectLst/>
+                <a:latin typeface="ArialMT"/>
+              </a:rPr>
+              <a:t>desplegar</a:t>
+            </a:r>
+            <a:r>
+              <a:rPr lang="en-US" sz="1500" dirty="0">
+                <a:solidFill>
+                  <a:schemeClr val="tx1"/>
+                </a:solidFill>
+                <a:effectLst/>
+                <a:latin typeface="ArialMT"/>
+              </a:rPr>
+              <a:t> </a:t>
+            </a:r>
+            <a:r>
+              <a:rPr lang="en-US" sz="1500" dirty="0" err="1">
+                <a:solidFill>
+                  <a:schemeClr val="tx1"/>
+                </a:solidFill>
+                <a:effectLst/>
+                <a:latin typeface="ArialMT"/>
+              </a:rPr>
+              <a:t>programas</a:t>
+            </a:r>
+            <a:r>
+              <a:rPr lang="en-US" sz="1500" dirty="0">
+                <a:solidFill>
+                  <a:schemeClr val="tx1"/>
+                </a:solidFill>
+                <a:effectLst/>
+                <a:latin typeface="ArialMT"/>
+              </a:rPr>
+              <a:t> que </a:t>
+            </a:r>
+            <a:r>
+              <a:rPr lang="en-US" sz="1500" dirty="0" err="1">
+                <a:solidFill>
+                  <a:schemeClr val="tx1"/>
+                </a:solidFill>
+                <a:effectLst/>
+                <a:latin typeface="ArialMT"/>
+              </a:rPr>
+              <a:t>utilicen</a:t>
+            </a:r>
+            <a:r>
+              <a:rPr lang="en-US" sz="1500" dirty="0">
+                <a:solidFill>
+                  <a:schemeClr val="tx1"/>
+                </a:solidFill>
+                <a:effectLst/>
+                <a:latin typeface="ArialMT"/>
+              </a:rPr>
+              <a:t> interfaces </a:t>
+            </a:r>
+            <a:r>
+              <a:rPr lang="en-US" sz="1500" dirty="0" err="1">
+                <a:solidFill>
+                  <a:schemeClr val="tx1"/>
+                </a:solidFill>
+                <a:effectLst/>
+                <a:latin typeface="ArialMT"/>
+              </a:rPr>
+              <a:t>gráficas</a:t>
+            </a:r>
+            <a:r>
+              <a:rPr lang="en-US" sz="1500" dirty="0">
+                <a:solidFill>
+                  <a:schemeClr val="tx1"/>
+                </a:solidFill>
+                <a:effectLst/>
+                <a:latin typeface="ArialMT"/>
+              </a:rPr>
+              <a:t> de </a:t>
+            </a:r>
+            <a:r>
+              <a:rPr lang="en-US" sz="1500" dirty="0" err="1">
+                <a:solidFill>
+                  <a:schemeClr val="tx1"/>
+                </a:solidFill>
+                <a:effectLst/>
+                <a:latin typeface="ArialMT"/>
+              </a:rPr>
+              <a:t>usuario</a:t>
+            </a:r>
+            <a:r>
+              <a:rPr lang="en-US" sz="1500" dirty="0">
+                <a:solidFill>
+                  <a:schemeClr val="tx1"/>
+                </a:solidFill>
+                <a:effectLst/>
+                <a:latin typeface="ArialMT"/>
+              </a:rPr>
+              <a:t> con </a:t>
+            </a:r>
+            <a:r>
+              <a:rPr lang="en-US" sz="1500" dirty="0" err="1">
+                <a:solidFill>
+                  <a:schemeClr val="tx1"/>
+                </a:solidFill>
+                <a:effectLst/>
+                <a:latin typeface="ArialMT"/>
+              </a:rPr>
+              <a:t>persistencia</a:t>
+            </a:r>
+            <a:r>
+              <a:rPr lang="en-US" sz="1500" dirty="0">
+                <a:solidFill>
+                  <a:schemeClr val="tx1"/>
+                </a:solidFill>
+                <a:effectLst/>
+                <a:latin typeface="ArialMT"/>
+              </a:rPr>
+              <a:t> de la </a:t>
+            </a:r>
+            <a:r>
+              <a:rPr lang="en-US" sz="1500" dirty="0" err="1">
+                <a:solidFill>
+                  <a:schemeClr val="tx1"/>
+                </a:solidFill>
+                <a:effectLst/>
+                <a:latin typeface="ArialMT"/>
+              </a:rPr>
+              <a:t>información</a:t>
+            </a:r>
+            <a:r>
+              <a:rPr lang="en-US" sz="1500" dirty="0">
+                <a:solidFill>
+                  <a:schemeClr val="tx1"/>
+                </a:solidFill>
+                <a:effectLst/>
+                <a:latin typeface="ArialMT"/>
+              </a:rPr>
+              <a:t>, </a:t>
+            </a:r>
+            <a:r>
+              <a:rPr lang="en-US" sz="1500" dirty="0" err="1">
+                <a:solidFill>
+                  <a:schemeClr val="tx1"/>
+                </a:solidFill>
+                <a:effectLst/>
+                <a:latin typeface="ArialMT"/>
+              </a:rPr>
+              <a:t>incorporando</a:t>
+            </a:r>
+            <a:r>
+              <a:rPr lang="en-US" sz="1500" dirty="0">
+                <a:solidFill>
+                  <a:schemeClr val="tx1"/>
+                </a:solidFill>
+                <a:effectLst/>
+                <a:latin typeface="ArialMT"/>
+              </a:rPr>
+              <a:t> </a:t>
+            </a:r>
+            <a:r>
+              <a:rPr lang="en-US" sz="1500" dirty="0" err="1">
+                <a:solidFill>
+                  <a:schemeClr val="tx1"/>
+                </a:solidFill>
+                <a:effectLst/>
+                <a:latin typeface="ArialMT"/>
+              </a:rPr>
+              <a:t>buenas</a:t>
+            </a:r>
+            <a:r>
+              <a:rPr lang="en-US" sz="1500" dirty="0">
+                <a:solidFill>
+                  <a:schemeClr val="tx1"/>
+                </a:solidFill>
+                <a:effectLst/>
+                <a:latin typeface="ArialMT"/>
+              </a:rPr>
+              <a:t> </a:t>
+            </a:r>
+            <a:r>
+              <a:rPr lang="en-US" sz="1500" dirty="0" err="1">
+                <a:solidFill>
+                  <a:schemeClr val="tx1"/>
+                </a:solidFill>
+                <a:effectLst/>
+                <a:latin typeface="ArialMT"/>
+              </a:rPr>
+              <a:t>prácticas</a:t>
+            </a:r>
+            <a:r>
+              <a:rPr lang="en-US" sz="1500" dirty="0">
+                <a:solidFill>
+                  <a:schemeClr val="tx1"/>
+                </a:solidFill>
+                <a:effectLst/>
+                <a:latin typeface="ArialMT"/>
+              </a:rPr>
+              <a:t>, </a:t>
+            </a:r>
+            <a:r>
+              <a:rPr lang="en-US" sz="1500" dirty="0" err="1">
+                <a:solidFill>
+                  <a:schemeClr val="tx1"/>
+                </a:solidFill>
+                <a:effectLst/>
+                <a:latin typeface="ArialMT"/>
+              </a:rPr>
+              <a:t>conceptos</a:t>
+            </a:r>
+            <a:r>
+              <a:rPr lang="en-US" sz="1500" dirty="0">
+                <a:solidFill>
+                  <a:schemeClr val="tx1"/>
+                </a:solidFill>
+                <a:effectLst/>
+                <a:latin typeface="ArialMT"/>
+              </a:rPr>
+              <a:t> de </a:t>
+            </a:r>
+            <a:r>
+              <a:rPr lang="en-US" sz="1500" dirty="0" err="1">
+                <a:solidFill>
+                  <a:schemeClr val="tx1"/>
+                </a:solidFill>
+                <a:effectLst/>
+                <a:latin typeface="ArialMT"/>
+              </a:rPr>
+              <a:t>codificación</a:t>
+            </a:r>
+            <a:r>
+              <a:rPr lang="en-US" sz="1500" dirty="0">
+                <a:solidFill>
+                  <a:schemeClr val="tx1"/>
+                </a:solidFill>
+                <a:effectLst/>
+                <a:latin typeface="ArialMT"/>
+              </a:rPr>
+              <a:t> </a:t>
+            </a:r>
+            <a:r>
+              <a:rPr lang="en-US" sz="1500" dirty="0" err="1">
+                <a:solidFill>
+                  <a:schemeClr val="tx1"/>
+                </a:solidFill>
+                <a:effectLst/>
+                <a:latin typeface="ArialMT"/>
+              </a:rPr>
+              <a:t>segura</a:t>
+            </a:r>
+            <a:r>
+              <a:rPr lang="en-US" sz="1500" dirty="0">
+                <a:solidFill>
+                  <a:schemeClr val="tx1"/>
+                </a:solidFill>
+                <a:effectLst/>
+                <a:latin typeface="ArialMT"/>
+              </a:rPr>
+              <a:t> y </a:t>
+            </a:r>
+            <a:r>
+              <a:rPr lang="en-US" sz="1500" dirty="0" err="1">
+                <a:solidFill>
+                  <a:schemeClr val="tx1"/>
+                </a:solidFill>
+                <a:effectLst/>
+                <a:latin typeface="ArialMT"/>
+              </a:rPr>
+              <a:t>elementos</a:t>
+            </a:r>
+            <a:r>
+              <a:rPr lang="en-US" sz="1500" dirty="0">
+                <a:solidFill>
+                  <a:schemeClr val="tx1"/>
+                </a:solidFill>
+                <a:effectLst/>
+                <a:latin typeface="ArialMT"/>
+              </a:rPr>
+              <a:t> </a:t>
+            </a:r>
+            <a:r>
+              <a:rPr lang="en-US" sz="1500" dirty="0" err="1">
+                <a:solidFill>
+                  <a:schemeClr val="tx1"/>
+                </a:solidFill>
+                <a:effectLst/>
+                <a:latin typeface="ArialMT"/>
+              </a:rPr>
+              <a:t>básicos</a:t>
+            </a:r>
+            <a:r>
+              <a:rPr lang="en-US" sz="1500" dirty="0">
+                <a:solidFill>
+                  <a:schemeClr val="tx1"/>
+                </a:solidFill>
+                <a:effectLst/>
+                <a:latin typeface="ArialMT"/>
+              </a:rPr>
+              <a:t> de </a:t>
+            </a:r>
+            <a:r>
+              <a:rPr lang="en-US" sz="1500" dirty="0" err="1">
+                <a:solidFill>
+                  <a:schemeClr val="tx1"/>
+                </a:solidFill>
+                <a:effectLst/>
+                <a:latin typeface="ArialMT"/>
+              </a:rPr>
+              <a:t>gestión</a:t>
+            </a:r>
+            <a:r>
+              <a:rPr lang="en-US" sz="1500" dirty="0">
+                <a:solidFill>
+                  <a:schemeClr val="tx1"/>
+                </a:solidFill>
+                <a:effectLst/>
+                <a:latin typeface="ArialMT"/>
+              </a:rPr>
+              <a:t> de la </a:t>
+            </a:r>
+            <a:r>
+              <a:rPr lang="en-US" sz="1500" dirty="0" err="1">
+                <a:solidFill>
+                  <a:schemeClr val="tx1"/>
+                </a:solidFill>
+                <a:effectLst/>
+                <a:latin typeface="ArialMT"/>
+              </a:rPr>
+              <a:t>configuración</a:t>
+            </a:r>
+            <a:r>
+              <a:rPr lang="en-US" sz="1500" dirty="0">
+                <a:solidFill>
+                  <a:schemeClr val="tx1"/>
+                </a:solidFill>
+                <a:effectLst/>
+                <a:latin typeface="ArialMT"/>
+              </a:rPr>
+              <a:t>. </a:t>
+            </a:r>
+          </a:p>
+          <a:p>
+            <a:endParaRPr lang="en-US" sz="1500" dirty="0">
+              <a:solidFill>
+                <a:schemeClr val="tx1"/>
+              </a:solidFill>
+              <a:latin typeface="ArialMT"/>
+            </a:endParaRPr>
+          </a:p>
+          <a:p>
+            <a:r>
+              <a:rPr lang="en-US" sz="1500" dirty="0">
+                <a:solidFill>
+                  <a:schemeClr val="tx1"/>
+                </a:solidFill>
+                <a:latin typeface="ArialMT"/>
+              </a:rPr>
+              <a:t>OT5. </a:t>
+            </a:r>
+            <a:r>
+              <a:rPr lang="en-US" sz="1500" dirty="0" err="1">
+                <a:solidFill>
+                  <a:schemeClr val="tx1"/>
+                </a:solidFill>
+                <a:effectLst/>
+                <a:latin typeface="ArialMT"/>
+              </a:rPr>
+              <a:t>Construir</a:t>
+            </a:r>
+            <a:r>
+              <a:rPr lang="en-US" sz="1500" dirty="0">
+                <a:solidFill>
+                  <a:schemeClr val="tx1"/>
+                </a:solidFill>
+                <a:effectLst/>
+                <a:latin typeface="ArialMT"/>
+              </a:rPr>
+              <a:t> </a:t>
+            </a:r>
+            <a:r>
+              <a:rPr lang="en-US" sz="1500" dirty="0" err="1">
+                <a:solidFill>
+                  <a:schemeClr val="tx1"/>
+                </a:solidFill>
+                <a:effectLst/>
+                <a:latin typeface="ArialMT"/>
+              </a:rPr>
+              <a:t>programas</a:t>
+            </a:r>
+            <a:r>
+              <a:rPr lang="en-US" sz="1500" dirty="0">
+                <a:solidFill>
+                  <a:schemeClr val="tx1"/>
+                </a:solidFill>
+                <a:effectLst/>
+                <a:latin typeface="ArialMT"/>
+              </a:rPr>
+              <a:t> bajo </a:t>
+            </a:r>
+            <a:r>
+              <a:rPr lang="en-US" sz="1500" dirty="0" err="1">
+                <a:solidFill>
+                  <a:schemeClr val="tx1"/>
+                </a:solidFill>
+                <a:effectLst/>
+                <a:latin typeface="ArialMT"/>
+              </a:rPr>
+              <a:t>el</a:t>
+            </a:r>
+            <a:r>
+              <a:rPr lang="en-US" sz="1500" dirty="0">
+                <a:solidFill>
+                  <a:schemeClr val="tx1"/>
+                </a:solidFill>
+                <a:effectLst/>
+                <a:latin typeface="ArialMT"/>
+              </a:rPr>
+              <a:t> </a:t>
+            </a:r>
+            <a:r>
+              <a:rPr lang="en-US" sz="1500" dirty="0" err="1">
+                <a:solidFill>
+                  <a:schemeClr val="tx1"/>
+                </a:solidFill>
+                <a:effectLst/>
+                <a:latin typeface="ArialMT"/>
+              </a:rPr>
+              <a:t>paradigma</a:t>
+            </a:r>
+            <a:r>
+              <a:rPr lang="en-US" sz="1500" dirty="0">
+                <a:solidFill>
+                  <a:schemeClr val="tx1"/>
+                </a:solidFill>
+                <a:effectLst/>
+                <a:latin typeface="ArialMT"/>
+              </a:rPr>
+              <a:t> de </a:t>
+            </a:r>
+            <a:r>
+              <a:rPr lang="en-US" sz="1500" dirty="0" err="1">
+                <a:solidFill>
+                  <a:schemeClr val="tx1"/>
+                </a:solidFill>
+                <a:effectLst/>
+                <a:latin typeface="ArialMT"/>
+              </a:rPr>
+              <a:t>programación</a:t>
+            </a:r>
+            <a:r>
+              <a:rPr lang="en-US" sz="1500" dirty="0">
+                <a:solidFill>
+                  <a:schemeClr val="tx1"/>
+                </a:solidFill>
+                <a:effectLst/>
+                <a:latin typeface="ArialMT"/>
+              </a:rPr>
+              <a:t> </a:t>
+            </a:r>
+            <a:r>
+              <a:rPr lang="en-US" sz="1500" dirty="0" err="1">
+                <a:solidFill>
+                  <a:schemeClr val="tx1"/>
+                </a:solidFill>
+                <a:effectLst/>
+                <a:latin typeface="ArialMT"/>
+              </a:rPr>
+              <a:t>orientado</a:t>
+            </a:r>
+            <a:r>
+              <a:rPr lang="en-US" sz="1500" dirty="0">
+                <a:solidFill>
+                  <a:schemeClr val="tx1"/>
+                </a:solidFill>
+                <a:effectLst/>
+                <a:latin typeface="ArialMT"/>
+              </a:rPr>
+              <a:t> a </a:t>
+            </a:r>
+            <a:r>
+              <a:rPr lang="en-US" sz="1500" dirty="0" err="1">
+                <a:solidFill>
+                  <a:schemeClr val="tx1"/>
+                </a:solidFill>
+                <a:effectLst/>
+                <a:latin typeface="ArialMT"/>
+              </a:rPr>
+              <a:t>objetos</a:t>
+            </a:r>
+            <a:r>
+              <a:rPr lang="en-US" sz="1500" dirty="0">
+                <a:solidFill>
+                  <a:schemeClr val="tx1"/>
+                </a:solidFill>
+                <a:effectLst/>
+                <a:latin typeface="ArialMT"/>
+              </a:rPr>
+              <a:t> </a:t>
+            </a:r>
+            <a:r>
+              <a:rPr lang="en-US" sz="1500" dirty="0" err="1">
+                <a:solidFill>
+                  <a:schemeClr val="tx1"/>
+                </a:solidFill>
+                <a:effectLst/>
+                <a:latin typeface="ArialMT"/>
+              </a:rPr>
+              <a:t>concurrente</a:t>
+            </a:r>
+            <a:r>
+              <a:rPr lang="en-US" sz="1500" dirty="0">
+                <a:solidFill>
+                  <a:schemeClr val="tx1"/>
+                </a:solidFill>
+                <a:effectLst/>
+                <a:latin typeface="ArialMT"/>
+              </a:rPr>
+              <a:t>, </a:t>
+            </a:r>
+            <a:r>
+              <a:rPr lang="en-US" sz="1500" dirty="0" err="1">
+                <a:solidFill>
+                  <a:schemeClr val="tx1"/>
+                </a:solidFill>
+                <a:effectLst/>
+                <a:latin typeface="ArialMT"/>
+              </a:rPr>
+              <a:t>gestionando</a:t>
+            </a:r>
+            <a:r>
+              <a:rPr lang="en-US" sz="1500" dirty="0">
+                <a:solidFill>
+                  <a:schemeClr val="tx1"/>
+                </a:solidFill>
+                <a:effectLst/>
+                <a:latin typeface="ArialMT"/>
+              </a:rPr>
+              <a:t> </a:t>
+            </a:r>
+            <a:r>
+              <a:rPr lang="en-US" sz="1500" dirty="0" err="1">
+                <a:solidFill>
+                  <a:schemeClr val="tx1"/>
+                </a:solidFill>
+                <a:effectLst/>
+                <a:latin typeface="ArialMT"/>
+              </a:rPr>
+              <a:t>el</a:t>
+            </a:r>
+            <a:r>
+              <a:rPr lang="en-US" sz="1500" dirty="0">
+                <a:solidFill>
+                  <a:schemeClr val="tx1"/>
+                </a:solidFill>
+                <a:effectLst/>
+                <a:latin typeface="ArialMT"/>
+              </a:rPr>
+              <a:t> </a:t>
+            </a:r>
+            <a:r>
+              <a:rPr lang="en-US" sz="1500" dirty="0" err="1">
+                <a:solidFill>
+                  <a:schemeClr val="tx1"/>
+                </a:solidFill>
+                <a:effectLst/>
+                <a:latin typeface="ArialMT"/>
+              </a:rPr>
+              <a:t>acceso</a:t>
+            </a:r>
+            <a:r>
+              <a:rPr lang="en-US" sz="1500" dirty="0">
+                <a:solidFill>
+                  <a:schemeClr val="tx1"/>
+                </a:solidFill>
+                <a:effectLst/>
+                <a:latin typeface="ArialMT"/>
+              </a:rPr>
+              <a:t> </a:t>
+            </a:r>
+            <a:r>
+              <a:rPr lang="en-US" sz="1500" dirty="0" err="1">
+                <a:solidFill>
+                  <a:schemeClr val="tx1"/>
+                </a:solidFill>
+                <a:effectLst/>
+                <a:latin typeface="ArialMT"/>
+              </a:rPr>
+              <a:t>sincronizado</a:t>
+            </a:r>
+            <a:r>
+              <a:rPr lang="en-US" sz="1500" dirty="0">
+                <a:solidFill>
+                  <a:schemeClr val="tx1"/>
+                </a:solidFill>
+                <a:effectLst/>
+                <a:latin typeface="ArialMT"/>
+              </a:rPr>
+              <a:t> a </a:t>
+            </a:r>
+            <a:r>
+              <a:rPr lang="en-US" sz="1500" dirty="0" err="1">
+                <a:solidFill>
+                  <a:schemeClr val="tx1"/>
+                </a:solidFill>
+                <a:effectLst/>
+                <a:latin typeface="ArialMT"/>
+              </a:rPr>
+              <a:t>recursos</a:t>
+            </a:r>
+            <a:r>
+              <a:rPr lang="en-US" sz="1500" dirty="0">
+                <a:solidFill>
+                  <a:schemeClr val="tx1"/>
+                </a:solidFill>
+                <a:effectLst/>
+                <a:latin typeface="ArialMT"/>
+              </a:rPr>
+              <a:t> </a:t>
+            </a:r>
+            <a:r>
+              <a:rPr lang="en-US" sz="1500" dirty="0" err="1">
+                <a:solidFill>
+                  <a:schemeClr val="tx1"/>
+                </a:solidFill>
+                <a:effectLst/>
+                <a:latin typeface="ArialMT"/>
+              </a:rPr>
+              <a:t>compartidos</a:t>
+            </a:r>
+            <a:r>
+              <a:rPr lang="en-US" sz="1500" dirty="0">
+                <a:solidFill>
+                  <a:schemeClr val="tx1"/>
+                </a:solidFill>
+                <a:effectLst/>
+                <a:latin typeface="ArialMT"/>
+              </a:rPr>
+              <a:t> </a:t>
+            </a:r>
+            <a:r>
+              <a:rPr lang="en-US" sz="1500" dirty="0" err="1">
+                <a:solidFill>
+                  <a:schemeClr val="tx1"/>
+                </a:solidFill>
+                <a:effectLst/>
+                <a:latin typeface="ArialMT"/>
+              </a:rPr>
+              <a:t>en</a:t>
+            </a:r>
+            <a:r>
+              <a:rPr lang="en-US" sz="1500" dirty="0">
+                <a:solidFill>
+                  <a:schemeClr val="tx1"/>
+                </a:solidFill>
+                <a:effectLst/>
+                <a:latin typeface="ArialMT"/>
+              </a:rPr>
+              <a:t> un </a:t>
+            </a:r>
+            <a:r>
+              <a:rPr lang="en-US" sz="1500" dirty="0" err="1">
+                <a:solidFill>
+                  <a:schemeClr val="tx1"/>
+                </a:solidFill>
+                <a:effectLst/>
+                <a:latin typeface="ArialMT"/>
+              </a:rPr>
+              <a:t>nivel</a:t>
+            </a:r>
+            <a:r>
+              <a:rPr lang="en-US" sz="1500" dirty="0">
+                <a:solidFill>
+                  <a:schemeClr val="tx1"/>
+                </a:solidFill>
+                <a:effectLst/>
+                <a:latin typeface="ArialMT"/>
+              </a:rPr>
+              <a:t> </a:t>
+            </a:r>
+            <a:r>
+              <a:rPr lang="en-US" sz="1500" dirty="0" err="1">
+                <a:solidFill>
+                  <a:schemeClr val="tx1"/>
+                </a:solidFill>
+                <a:effectLst/>
+                <a:latin typeface="ArialMT"/>
+              </a:rPr>
+              <a:t>básico</a:t>
+            </a:r>
+            <a:r>
+              <a:rPr lang="en-US" sz="1500" dirty="0">
+                <a:solidFill>
+                  <a:schemeClr val="tx1"/>
+                </a:solidFill>
+                <a:effectLst/>
+                <a:latin typeface="ArialMT"/>
+              </a:rPr>
+              <a:t>. </a:t>
+            </a:r>
+            <a:endParaRPr lang="en-US" sz="1500" dirty="0">
+              <a:solidFill>
+                <a:schemeClr val="tx1"/>
+              </a:solidFill>
+            </a:endParaRPr>
+          </a:p>
+          <a:p>
+            <a:endParaRPr lang="en-US" sz="1500" dirty="0">
+              <a:solidFill>
+                <a:schemeClr val="tx1"/>
+              </a:solidFill>
+            </a:endParaRPr>
+          </a:p>
+        </p:txBody>
+      </p:sp>
+      <p:pic>
+        <p:nvPicPr>
+          <p:cNvPr id="12" name="Picture 6" descr="Resultado de imagen de icesi logo blanco&quot;"/>
+          <p:cNvPicPr>
+            <a:picLocks noChangeAspect="1" noChangeArrowheads="1"/>
+          </p:cNvPicPr>
+          <p:nvPr/>
+        </p:nvPicPr>
+        <p:blipFill>
+          <a:blip r:embed="rId2">
+            <a:extLst>
+              <a:ext uri="{28A0092B-C50C-407E-A947-70E740481C1C}">
+                <a14:useLocalDpi xmlns:a14="http://schemas.microsoft.com/office/drawing/2010/main" val="0"/>
+              </a:ext>
+            </a:extLst>
+          </a:blip>
+          <a:srcRect/>
+          <a:stretch>
+            <a:fillRect/>
+          </a:stretch>
+        </p:blipFill>
+        <p:spPr bwMode="auto">
+          <a:xfrm>
+            <a:off x="107504" y="70937"/>
+            <a:ext cx="1353519" cy="426195"/>
+          </a:xfrm>
+          <a:prstGeom prst="rect">
+            <a:avLst/>
+          </a:prstGeom>
+          <a:noFill/>
+          <a:extLst>
+            <a:ext uri="{909E8E84-426E-40DD-AFC4-6F175D3DCCD1}">
+              <a14:hiddenFill xmlns:a14="http://schemas.microsoft.com/office/drawing/2010/main">
+                <a:solidFill>
+                  <a:srgbClr val="FFFFFF"/>
+                </a:solidFill>
+              </a14:hiddenFill>
+            </a:ext>
+          </a:extLst>
+        </p:spPr>
+      </p:pic>
+      <p:sp>
+        <p:nvSpPr>
+          <p:cNvPr id="4" name="CuadroTexto 8">
+            <a:extLst>
+              <a:ext uri="{FF2B5EF4-FFF2-40B4-BE49-F238E27FC236}">
+                <a16:creationId xmlns:a16="http://schemas.microsoft.com/office/drawing/2014/main" id="{C9690C03-08C0-4A39-131E-69F000B4C316}"/>
+              </a:ext>
+            </a:extLst>
+          </p:cNvPr>
+          <p:cNvSpPr txBox="1"/>
+          <p:nvPr/>
+        </p:nvSpPr>
+        <p:spPr>
+          <a:xfrm>
+            <a:off x="107503" y="1396146"/>
+            <a:ext cx="4248473" cy="3077766"/>
+          </a:xfrm>
+          <a:prstGeom prst="rect">
+            <a:avLst/>
+          </a:prstGeom>
+          <a:noFill/>
+        </p:spPr>
+        <p:txBody>
+          <a:bodyPr wrap="square" rtlCol="0">
+            <a:spAutoFit/>
+          </a:bodyPr>
+          <a:lstStyle/>
+          <a:p>
+            <a:r>
+              <a:rPr lang="es-ES" sz="1500" b="1" dirty="0">
+                <a:solidFill>
+                  <a:schemeClr val="tx1"/>
+                </a:solidFill>
+              </a:rPr>
+              <a:t>OT1. </a:t>
+            </a:r>
+            <a:r>
+              <a:rPr lang="en-US" sz="1500" dirty="0" err="1">
+                <a:solidFill>
+                  <a:schemeClr val="tx1"/>
+                </a:solidFill>
+                <a:effectLst/>
+                <a:latin typeface="ArialMT"/>
+              </a:rPr>
+              <a:t>Verificar</a:t>
+            </a:r>
+            <a:r>
+              <a:rPr lang="en-US" sz="1500" dirty="0">
+                <a:solidFill>
+                  <a:schemeClr val="tx1"/>
+                </a:solidFill>
+                <a:effectLst/>
+                <a:latin typeface="ArialMT"/>
+              </a:rPr>
+              <a:t> y </a:t>
+            </a:r>
+            <a:r>
+              <a:rPr lang="en-US" sz="1500" dirty="0" err="1">
+                <a:solidFill>
+                  <a:schemeClr val="tx1"/>
+                </a:solidFill>
+                <a:effectLst/>
+                <a:latin typeface="ArialMT"/>
+              </a:rPr>
+              <a:t>controlar</a:t>
+            </a:r>
+            <a:r>
+              <a:rPr lang="en-US" sz="1500" dirty="0">
+                <a:solidFill>
+                  <a:schemeClr val="tx1"/>
+                </a:solidFill>
+                <a:effectLst/>
+                <a:latin typeface="ArialMT"/>
+              </a:rPr>
+              <a:t> </a:t>
+            </a:r>
+            <a:r>
+              <a:rPr lang="en-US" sz="1500" dirty="0" err="1">
+                <a:solidFill>
+                  <a:schemeClr val="tx1"/>
+                </a:solidFill>
+                <a:effectLst/>
+                <a:latin typeface="ArialMT"/>
+              </a:rPr>
+              <a:t>errores</a:t>
+            </a:r>
+            <a:r>
+              <a:rPr lang="en-US" sz="1500" dirty="0">
+                <a:solidFill>
+                  <a:schemeClr val="tx1"/>
+                </a:solidFill>
+                <a:effectLst/>
+                <a:latin typeface="ArialMT"/>
+              </a:rPr>
+              <a:t> </a:t>
+            </a:r>
+            <a:r>
+              <a:rPr lang="en-US" sz="1500" dirty="0" err="1">
+                <a:solidFill>
+                  <a:schemeClr val="tx1"/>
+                </a:solidFill>
+                <a:effectLst/>
+                <a:latin typeface="ArialMT"/>
+              </a:rPr>
+              <a:t>en</a:t>
+            </a:r>
+            <a:r>
+              <a:rPr lang="en-US" sz="1500" dirty="0">
+                <a:solidFill>
+                  <a:schemeClr val="tx1"/>
+                </a:solidFill>
+                <a:effectLst/>
+                <a:latin typeface="ArialMT"/>
+              </a:rPr>
+              <a:t> </a:t>
+            </a:r>
+            <a:r>
+              <a:rPr lang="en-US" sz="1500" dirty="0" err="1">
+                <a:solidFill>
+                  <a:schemeClr val="tx1"/>
+                </a:solidFill>
+                <a:effectLst/>
+                <a:latin typeface="ArialMT"/>
+              </a:rPr>
+              <a:t>los</a:t>
+            </a:r>
+            <a:r>
+              <a:rPr lang="en-US" sz="1500" dirty="0">
+                <a:solidFill>
+                  <a:schemeClr val="tx1"/>
+                </a:solidFill>
+                <a:effectLst/>
+                <a:latin typeface="ArialMT"/>
+              </a:rPr>
+              <a:t> </a:t>
+            </a:r>
+            <a:r>
+              <a:rPr lang="en-US" sz="1500" dirty="0" err="1">
+                <a:solidFill>
+                  <a:schemeClr val="tx1"/>
+                </a:solidFill>
+                <a:effectLst/>
+                <a:latin typeface="ArialMT"/>
+              </a:rPr>
+              <a:t>programas</a:t>
+            </a:r>
+            <a:r>
+              <a:rPr lang="en-US" sz="1500" dirty="0">
+                <a:solidFill>
+                  <a:schemeClr val="tx1"/>
+                </a:solidFill>
+                <a:effectLst/>
+                <a:latin typeface="ArialMT"/>
+              </a:rPr>
+              <a:t> </a:t>
+            </a:r>
+            <a:r>
+              <a:rPr lang="en-US" sz="1500" dirty="0" err="1">
+                <a:solidFill>
+                  <a:schemeClr val="tx1"/>
+                </a:solidFill>
+                <a:effectLst/>
+                <a:latin typeface="ArialMT"/>
+              </a:rPr>
+              <a:t>mediante</a:t>
+            </a:r>
+            <a:r>
+              <a:rPr lang="en-US" sz="1500" dirty="0">
+                <a:solidFill>
+                  <a:schemeClr val="tx1"/>
+                </a:solidFill>
+                <a:effectLst/>
+                <a:latin typeface="ArialMT"/>
+              </a:rPr>
+              <a:t> </a:t>
+            </a:r>
+            <a:r>
+              <a:rPr lang="en-US" sz="1500" dirty="0" err="1">
+                <a:solidFill>
+                  <a:schemeClr val="tx1"/>
+                </a:solidFill>
+                <a:effectLst/>
+                <a:latin typeface="ArialMT"/>
+              </a:rPr>
+              <a:t>el</a:t>
+            </a:r>
+            <a:r>
+              <a:rPr lang="en-US" sz="1500" dirty="0">
+                <a:solidFill>
+                  <a:schemeClr val="tx1"/>
+                </a:solidFill>
+                <a:effectLst/>
+                <a:latin typeface="ArialMT"/>
+              </a:rPr>
+              <a:t> </a:t>
+            </a:r>
+            <a:r>
+              <a:rPr lang="en-US" sz="1500" dirty="0" err="1">
+                <a:solidFill>
+                  <a:schemeClr val="tx1"/>
+                </a:solidFill>
+                <a:effectLst/>
+                <a:latin typeface="ArialMT"/>
+              </a:rPr>
+              <a:t>uso</a:t>
+            </a:r>
+            <a:r>
+              <a:rPr lang="en-US" sz="1500" dirty="0">
+                <a:solidFill>
+                  <a:schemeClr val="tx1"/>
+                </a:solidFill>
+                <a:effectLst/>
+                <a:latin typeface="ArialMT"/>
+              </a:rPr>
+              <a:t> de </a:t>
+            </a:r>
+            <a:r>
+              <a:rPr lang="en-US" sz="1500" dirty="0" err="1">
+                <a:solidFill>
+                  <a:schemeClr val="tx1"/>
+                </a:solidFill>
+                <a:effectLst/>
+                <a:latin typeface="ArialMT"/>
+              </a:rPr>
+              <a:t>pruebas</a:t>
+            </a:r>
+            <a:r>
+              <a:rPr lang="en-US" sz="1500" dirty="0">
+                <a:solidFill>
+                  <a:schemeClr val="tx1"/>
+                </a:solidFill>
+                <a:effectLst/>
+                <a:latin typeface="ArialMT"/>
+              </a:rPr>
+              <a:t> </a:t>
+            </a:r>
+            <a:r>
+              <a:rPr lang="en-US" sz="1500" dirty="0" err="1">
+                <a:solidFill>
+                  <a:schemeClr val="tx1"/>
+                </a:solidFill>
+                <a:effectLst/>
+                <a:latin typeface="ArialMT"/>
+              </a:rPr>
+              <a:t>unitarias</a:t>
+            </a:r>
+            <a:r>
+              <a:rPr lang="en-US" sz="1500" dirty="0">
+                <a:solidFill>
+                  <a:schemeClr val="tx1"/>
+                </a:solidFill>
+                <a:effectLst/>
+                <a:latin typeface="ArialMT"/>
+              </a:rPr>
+              <a:t> y </a:t>
+            </a:r>
+            <a:r>
+              <a:rPr lang="en-US" sz="1500" dirty="0" err="1">
+                <a:solidFill>
+                  <a:schemeClr val="tx1"/>
+                </a:solidFill>
+                <a:effectLst/>
+                <a:latin typeface="ArialMT"/>
+              </a:rPr>
+              <a:t>excepciones</a:t>
+            </a:r>
+            <a:r>
+              <a:rPr lang="en-US" sz="1500" dirty="0">
+                <a:solidFill>
+                  <a:schemeClr val="tx1"/>
+                </a:solidFill>
+                <a:effectLst/>
+                <a:latin typeface="ArialMT"/>
+              </a:rPr>
+              <a:t>. </a:t>
+            </a:r>
+            <a:endParaRPr lang="es-ES" sz="1500" dirty="0">
+              <a:solidFill>
+                <a:schemeClr val="tx1"/>
+              </a:solidFill>
+            </a:endParaRPr>
+          </a:p>
+          <a:p>
+            <a:endParaRPr lang="es-ES" sz="1500" b="1" dirty="0">
+              <a:solidFill>
+                <a:schemeClr val="tx1"/>
+              </a:solidFill>
+            </a:endParaRPr>
+          </a:p>
+          <a:p>
+            <a:r>
+              <a:rPr lang="es-ES" sz="1500" dirty="0">
+                <a:solidFill>
+                  <a:schemeClr val="tx1"/>
+                </a:solidFill>
+              </a:rPr>
+              <a:t>OT2. </a:t>
+            </a:r>
+            <a:r>
+              <a:rPr lang="en-US" sz="1500" dirty="0" err="1">
+                <a:solidFill>
+                  <a:schemeClr val="tx1"/>
+                </a:solidFill>
+                <a:effectLst/>
+                <a:latin typeface="ArialMT"/>
+              </a:rPr>
+              <a:t>Evaluar</a:t>
+            </a:r>
+            <a:r>
+              <a:rPr lang="en-US" sz="1500" dirty="0">
+                <a:solidFill>
+                  <a:schemeClr val="tx1"/>
+                </a:solidFill>
+                <a:effectLst/>
+                <a:latin typeface="ArialMT"/>
+              </a:rPr>
+              <a:t> </a:t>
+            </a:r>
+            <a:r>
+              <a:rPr lang="en-US" sz="1500" dirty="0" err="1">
+                <a:solidFill>
+                  <a:schemeClr val="tx1"/>
+                </a:solidFill>
+                <a:effectLst/>
+                <a:latin typeface="ArialMT"/>
+              </a:rPr>
+              <a:t>algoritmos</a:t>
+            </a:r>
+            <a:r>
+              <a:rPr lang="en-US" sz="1500" dirty="0">
+                <a:solidFill>
+                  <a:schemeClr val="tx1"/>
+                </a:solidFill>
+                <a:effectLst/>
+                <a:latin typeface="ArialMT"/>
+              </a:rPr>
+              <a:t> de </a:t>
+            </a:r>
+            <a:r>
+              <a:rPr lang="en-US" sz="1500" dirty="0" err="1">
+                <a:solidFill>
+                  <a:schemeClr val="tx1"/>
+                </a:solidFill>
+                <a:effectLst/>
+                <a:latin typeface="ArialMT"/>
+              </a:rPr>
+              <a:t>búsqueda</a:t>
+            </a:r>
+            <a:r>
+              <a:rPr lang="en-US" sz="1500" dirty="0">
+                <a:solidFill>
+                  <a:schemeClr val="tx1"/>
+                </a:solidFill>
+                <a:effectLst/>
+                <a:latin typeface="ArialMT"/>
+              </a:rPr>
+              <a:t> y </a:t>
+            </a:r>
+            <a:r>
+              <a:rPr lang="en-US" sz="1500" dirty="0" err="1">
+                <a:solidFill>
+                  <a:schemeClr val="tx1"/>
+                </a:solidFill>
+                <a:effectLst/>
+                <a:latin typeface="ArialMT"/>
+              </a:rPr>
+              <a:t>ordenamiento</a:t>
+            </a:r>
+            <a:r>
+              <a:rPr lang="en-US" sz="1500" dirty="0">
+                <a:solidFill>
+                  <a:schemeClr val="tx1"/>
+                </a:solidFill>
+                <a:effectLst/>
+                <a:latin typeface="ArialMT"/>
+              </a:rPr>
+              <a:t> </a:t>
+            </a:r>
+            <a:r>
+              <a:rPr lang="en-US" sz="1500" dirty="0" err="1">
+                <a:solidFill>
+                  <a:schemeClr val="tx1"/>
+                </a:solidFill>
+                <a:effectLst/>
+                <a:latin typeface="ArialMT"/>
+              </a:rPr>
+              <a:t>clásicos</a:t>
+            </a:r>
+            <a:r>
+              <a:rPr lang="en-US" sz="1500" dirty="0">
+                <a:solidFill>
+                  <a:schemeClr val="tx1"/>
+                </a:solidFill>
+                <a:effectLst/>
+                <a:latin typeface="ArialMT"/>
+              </a:rPr>
+              <a:t> </a:t>
+            </a:r>
+            <a:r>
+              <a:rPr lang="en-US" sz="1500" dirty="0" err="1">
+                <a:solidFill>
+                  <a:schemeClr val="tx1"/>
+                </a:solidFill>
+                <a:effectLst/>
+                <a:latin typeface="ArialMT"/>
+              </a:rPr>
+              <a:t>en</a:t>
+            </a:r>
+            <a:r>
+              <a:rPr lang="en-US" sz="1500" dirty="0">
+                <a:solidFill>
+                  <a:schemeClr val="tx1"/>
+                </a:solidFill>
+                <a:effectLst/>
+                <a:latin typeface="ArialMT"/>
+              </a:rPr>
+              <a:t> </a:t>
+            </a:r>
+            <a:r>
+              <a:rPr lang="en-US" sz="1500" dirty="0" err="1">
+                <a:solidFill>
+                  <a:schemeClr val="tx1"/>
+                </a:solidFill>
+                <a:effectLst/>
+                <a:latin typeface="ArialMT"/>
+              </a:rPr>
+              <a:t>estructuras</a:t>
+            </a:r>
+            <a:r>
+              <a:rPr lang="en-US" sz="1500" dirty="0">
+                <a:solidFill>
+                  <a:schemeClr val="tx1"/>
+                </a:solidFill>
+                <a:effectLst/>
+                <a:latin typeface="ArialMT"/>
+              </a:rPr>
+              <a:t> de </a:t>
+            </a:r>
+            <a:r>
+              <a:rPr lang="en-US" sz="1500" dirty="0" err="1">
+                <a:solidFill>
+                  <a:schemeClr val="tx1"/>
+                </a:solidFill>
+                <a:effectLst/>
+                <a:latin typeface="ArialMT"/>
+              </a:rPr>
+              <a:t>datos</a:t>
+            </a:r>
+            <a:r>
+              <a:rPr lang="en-US" sz="1500" dirty="0">
+                <a:solidFill>
+                  <a:schemeClr val="tx1"/>
+                </a:solidFill>
+                <a:effectLst/>
+                <a:latin typeface="ArialMT"/>
+              </a:rPr>
+              <a:t> </a:t>
+            </a:r>
+            <a:r>
+              <a:rPr lang="en-US" sz="1500" dirty="0" err="1">
+                <a:solidFill>
+                  <a:schemeClr val="tx1"/>
+                </a:solidFill>
+                <a:effectLst/>
+                <a:latin typeface="ArialMT"/>
+              </a:rPr>
+              <a:t>lineales</a:t>
+            </a:r>
+            <a:r>
+              <a:rPr lang="en-US" sz="1500" dirty="0">
+                <a:solidFill>
+                  <a:schemeClr val="tx1"/>
+                </a:solidFill>
+                <a:effectLst/>
+                <a:latin typeface="ArialMT"/>
+              </a:rPr>
+              <a:t> y no </a:t>
+            </a:r>
+            <a:r>
+              <a:rPr lang="en-US" sz="1500" dirty="0" err="1">
+                <a:solidFill>
+                  <a:schemeClr val="tx1"/>
+                </a:solidFill>
+                <a:effectLst/>
+                <a:latin typeface="ArialMT"/>
+              </a:rPr>
+              <a:t>lineales</a:t>
+            </a:r>
+            <a:r>
+              <a:rPr lang="en-US" sz="1500" dirty="0">
+                <a:solidFill>
+                  <a:schemeClr val="tx1"/>
+                </a:solidFill>
+                <a:effectLst/>
+                <a:latin typeface="ArialMT"/>
+              </a:rPr>
+              <a:t>.</a:t>
+            </a:r>
+          </a:p>
+          <a:p>
+            <a:endParaRPr lang="en-US" sz="1500" dirty="0">
+              <a:solidFill>
+                <a:schemeClr val="tx1"/>
+              </a:solidFill>
+              <a:latin typeface="ArialMT"/>
+            </a:endParaRPr>
+          </a:p>
+          <a:p>
+            <a:r>
+              <a:rPr lang="es-ES" sz="1500" dirty="0">
+                <a:solidFill>
+                  <a:schemeClr val="tx1"/>
+                </a:solidFill>
+              </a:rPr>
+              <a:t>OT3. </a:t>
+            </a:r>
+            <a:r>
+              <a:rPr lang="en-US" sz="1500" dirty="0" err="1">
+                <a:solidFill>
+                  <a:schemeClr val="tx1"/>
+                </a:solidFill>
+                <a:effectLst/>
+                <a:latin typeface="ArialMT"/>
+              </a:rPr>
+              <a:t>Implementar</a:t>
+            </a:r>
+            <a:r>
+              <a:rPr lang="en-US" sz="1500" dirty="0">
+                <a:solidFill>
+                  <a:schemeClr val="tx1"/>
+                </a:solidFill>
+                <a:effectLst/>
+                <a:latin typeface="ArialMT"/>
+              </a:rPr>
+              <a:t> </a:t>
+            </a:r>
+            <a:r>
+              <a:rPr lang="en-US" sz="1500" dirty="0" err="1">
+                <a:solidFill>
+                  <a:schemeClr val="tx1"/>
+                </a:solidFill>
+                <a:effectLst/>
+                <a:latin typeface="ArialMT"/>
+              </a:rPr>
+              <a:t>soluciones</a:t>
+            </a:r>
+            <a:r>
+              <a:rPr lang="en-US" sz="1500" dirty="0">
+                <a:solidFill>
+                  <a:schemeClr val="tx1"/>
+                </a:solidFill>
+                <a:effectLst/>
+                <a:latin typeface="ArialMT"/>
+              </a:rPr>
+              <a:t> a </a:t>
+            </a:r>
+            <a:r>
+              <a:rPr lang="en-US" sz="1500" dirty="0" err="1">
+                <a:solidFill>
+                  <a:schemeClr val="tx1"/>
+                </a:solidFill>
+                <a:effectLst/>
+                <a:latin typeface="ArialMT"/>
+              </a:rPr>
+              <a:t>problemas</a:t>
+            </a:r>
+            <a:r>
+              <a:rPr lang="en-US" sz="1500" dirty="0">
+                <a:solidFill>
+                  <a:schemeClr val="tx1"/>
+                </a:solidFill>
+                <a:effectLst/>
+                <a:latin typeface="ArialMT"/>
+              </a:rPr>
+              <a:t> que </a:t>
+            </a:r>
+            <a:r>
+              <a:rPr lang="en-US" sz="1500" dirty="0" err="1">
+                <a:solidFill>
+                  <a:schemeClr val="tx1"/>
+                </a:solidFill>
+                <a:effectLst/>
+                <a:latin typeface="ArialMT"/>
+              </a:rPr>
+              <a:t>requieran</a:t>
+            </a:r>
+            <a:r>
+              <a:rPr lang="en-US" sz="1500" dirty="0">
+                <a:solidFill>
+                  <a:schemeClr val="tx1"/>
+                </a:solidFill>
+                <a:effectLst/>
+                <a:latin typeface="ArialMT"/>
+              </a:rPr>
+              <a:t> </a:t>
+            </a:r>
+            <a:r>
+              <a:rPr lang="en-US" sz="1500" dirty="0" err="1">
+                <a:solidFill>
+                  <a:schemeClr val="tx1"/>
+                </a:solidFill>
+                <a:effectLst/>
+                <a:latin typeface="ArialMT"/>
+              </a:rPr>
+              <a:t>el</a:t>
+            </a:r>
+            <a:r>
+              <a:rPr lang="en-US" sz="1500" dirty="0">
+                <a:solidFill>
+                  <a:schemeClr val="tx1"/>
+                </a:solidFill>
+                <a:effectLst/>
+                <a:latin typeface="ArialMT"/>
+              </a:rPr>
+              <a:t> </a:t>
+            </a:r>
+            <a:r>
+              <a:rPr lang="en-US" sz="1500" dirty="0" err="1">
+                <a:solidFill>
+                  <a:schemeClr val="tx1"/>
+                </a:solidFill>
+                <a:effectLst/>
+                <a:latin typeface="ArialMT"/>
+              </a:rPr>
+              <a:t>uso</a:t>
+            </a:r>
+            <a:r>
+              <a:rPr lang="en-US" sz="1500" dirty="0">
+                <a:solidFill>
+                  <a:schemeClr val="tx1"/>
+                </a:solidFill>
+                <a:effectLst/>
+                <a:latin typeface="ArialMT"/>
+              </a:rPr>
+              <a:t> de </a:t>
+            </a:r>
+            <a:r>
+              <a:rPr lang="en-US" sz="1500" dirty="0" err="1">
+                <a:solidFill>
+                  <a:schemeClr val="tx1"/>
+                </a:solidFill>
+                <a:effectLst/>
+                <a:latin typeface="ArialMT"/>
+              </a:rPr>
+              <a:t>listas</a:t>
+            </a:r>
+            <a:r>
+              <a:rPr lang="en-US" sz="1500" dirty="0">
+                <a:solidFill>
+                  <a:schemeClr val="tx1"/>
+                </a:solidFill>
+                <a:effectLst/>
+                <a:latin typeface="ArialMT"/>
+              </a:rPr>
+              <a:t> </a:t>
+            </a:r>
+            <a:r>
+              <a:rPr lang="en-US" sz="1500" dirty="0" err="1">
+                <a:solidFill>
+                  <a:schemeClr val="tx1"/>
+                </a:solidFill>
+                <a:effectLst/>
+                <a:latin typeface="ArialMT"/>
+              </a:rPr>
+              <a:t>enlazadas</a:t>
+            </a:r>
+            <a:r>
+              <a:rPr lang="en-US" sz="1500" dirty="0">
+                <a:solidFill>
+                  <a:schemeClr val="tx1"/>
+                </a:solidFill>
+                <a:effectLst/>
+                <a:latin typeface="ArialMT"/>
+              </a:rPr>
+              <a:t>, </a:t>
+            </a:r>
+            <a:r>
+              <a:rPr lang="en-US" sz="1500" dirty="0" err="1">
+                <a:solidFill>
+                  <a:schemeClr val="tx1"/>
+                </a:solidFill>
+                <a:effectLst/>
+                <a:latin typeface="ArialMT"/>
+              </a:rPr>
+              <a:t>árboles</a:t>
+            </a:r>
+            <a:r>
+              <a:rPr lang="en-US" sz="1500" dirty="0">
+                <a:solidFill>
+                  <a:schemeClr val="tx1"/>
+                </a:solidFill>
+                <a:effectLst/>
+                <a:latin typeface="ArialMT"/>
+              </a:rPr>
+              <a:t> y </a:t>
+            </a:r>
+            <a:r>
+              <a:rPr lang="en-US" sz="1500" dirty="0" err="1">
+                <a:solidFill>
+                  <a:schemeClr val="tx1"/>
+                </a:solidFill>
+                <a:effectLst/>
+                <a:latin typeface="ArialMT"/>
+              </a:rPr>
+              <a:t>recursión</a:t>
+            </a:r>
+            <a:r>
+              <a:rPr lang="en-US" sz="1500" dirty="0">
+                <a:solidFill>
+                  <a:schemeClr val="tx1"/>
+                </a:solidFill>
+                <a:effectLst/>
+                <a:latin typeface="ArialMT"/>
+              </a:rPr>
+              <a:t>.</a:t>
+            </a:r>
+            <a:endParaRPr lang="en-US" sz="1500" dirty="0">
+              <a:solidFill>
+                <a:schemeClr val="tx1"/>
+              </a:solidFill>
+            </a:endParaRPr>
+          </a:p>
+          <a:p>
+            <a:endParaRPr lang="es-ES" sz="1500" dirty="0">
+              <a:solidFill>
+                <a:schemeClr val="tx2"/>
+              </a:solidFill>
+            </a:endParaRPr>
+          </a:p>
+          <a:p>
+            <a:endParaRPr lang="es-ES" dirty="0">
+              <a:solidFill>
+                <a:schemeClr val="tx2"/>
+              </a:solidFill>
+            </a:endParaRPr>
+          </a:p>
+        </p:txBody>
+      </p:sp>
+    </p:spTree>
+    <p:extLst>
+      <p:ext uri="{BB962C8B-B14F-4D97-AF65-F5344CB8AC3E}">
+        <p14:creationId xmlns:p14="http://schemas.microsoft.com/office/powerpoint/2010/main" val="4182129914"/>
+      </p:ext>
+    </p:extLst>
+  </p:cSld>
+  <p:clrMapOvr>
+    <a:masterClrMapping/>
+  </p:clrMapOvr>
+</p:sld>
+</file>
+
+<file path=ppt/slides/slide5.xml><?xml version="1.0" encoding="utf-8"?>
+<p:sld xmlns:a="http://schemas.openxmlformats.org/drawingml/2006/main" xmlns:r="http://schemas.openxmlformats.org/officeDocument/2006/relationships" xmlns:p="http://schemas.openxmlformats.org/presentationml/2006/main">
+  <p:cSld>
+    <p:spTree>
+      <p:nvGrpSpPr>
+        <p:cNvPr id="1" name=""/>
+        <p:cNvGrpSpPr/>
+        <p:nvPr/>
+      </p:nvGrpSpPr>
+      <p:grpSpPr>
+        <a:xfrm>
+          <a:off x="0" y="0"/>
+          <a:ext cx="0" cy="0"/>
+          <a:chOff x="0" y="0"/>
+          <a:chExt cx="0" cy="0"/>
+        </a:xfrm>
+      </p:grpSpPr>
+      <p:sp>
+        <p:nvSpPr>
           <p:cNvPr id="2" name="Title 1">
             <a:extLst>
               <a:ext uri="{FF2B5EF4-FFF2-40B4-BE49-F238E27FC236}">
@@ -10946,7 +12851,7 @@
 </p:sld>
 </file>
 
-<file path=ppt/slides/slide5.xml><?xml version="1.0" encoding="utf-8"?>
+<file path=ppt/slides/slide6.xml><?xml version="1.0" encoding="utf-8"?>
 <p:sld xmlns:a="http://schemas.openxmlformats.org/drawingml/2006/main" xmlns:r="http://schemas.openxmlformats.org/officeDocument/2006/relationships" xmlns:p="http://schemas.openxmlformats.org/presentationml/2006/main">
   <p:cSld>
     <p:spTree>
@@ -11238,7 +13143,7 @@
 </p:sld>
 </file>
 
-<file path=ppt/slides/slide6.xml><?xml version="1.0" encoding="utf-8"?>
+<file path=ppt/slides/slide7.xml><?xml version="1.0" encoding="utf-8"?>
 <p:sld xmlns:a="http://schemas.openxmlformats.org/drawingml/2006/main" xmlns:r="http://schemas.openxmlformats.org/officeDocument/2006/relationships" xmlns:p="http://schemas.openxmlformats.org/presentationml/2006/main">
   <p:cSld>
     <p:spTree>
@@ -11582,7 +13487,7 @@
 </p:sld>
 </file>
 
-<file path=ppt/slides/slide7.xml><?xml version="1.0" encoding="utf-8"?>
+<file path=ppt/slides/slide8.xml><?xml version="1.0" encoding="utf-8"?>
 <p:sld xmlns:a="http://schemas.openxmlformats.org/drawingml/2006/main" xmlns:r="http://schemas.openxmlformats.org/officeDocument/2006/relationships" xmlns:p="http://schemas.openxmlformats.org/presentationml/2006/main">
   <p:cSld>
     <p:spTree>
@@ -11895,7 +13800,7 @@
 </p:sld>
 </file>
 
-<file path=ppt/slides/slide8.xml><?xml version="1.0" encoding="utf-8"?>
+<file path=ppt/slides/slide9.xml><?xml version="1.0" encoding="utf-8"?>
 <p:sld xmlns:a="http://schemas.openxmlformats.org/drawingml/2006/main" xmlns:r="http://schemas.openxmlformats.org/officeDocument/2006/relationships" xmlns:p="http://schemas.openxmlformats.org/presentationml/2006/main">
   <p:cSld>
     <p:spTree>
@@ -12264,314 +14169,6 @@
     <p:extLst>
       <p:ext uri="{BB962C8B-B14F-4D97-AF65-F5344CB8AC3E}">
         <p14:creationId xmlns:p14="http://schemas.microsoft.com/office/powerpoint/2010/main" val="4169730243"/>
-      </p:ext>
-    </p:extLst>
-  </p:cSld>
-  <p:clrMapOvr>
-    <a:masterClrMapping/>
-  </p:clrMapOvr>
-</p:sld>
-</file>
-
-<file path=ppt/slides/slide9.xml><?xml version="1.0" encoding="utf-8"?>
-<p:sld xmlns:a="http://schemas.openxmlformats.org/drawingml/2006/main" xmlns:r="http://schemas.openxmlformats.org/officeDocument/2006/relationships" xmlns:p="http://schemas.openxmlformats.org/presentationml/2006/main">
-  <p:cSld>
-    <p:spTree>
-      <p:nvGrpSpPr>
-        <p:cNvPr id="1" name=""/>
-        <p:cNvGrpSpPr/>
-        <p:nvPr/>
-      </p:nvGrpSpPr>
-      <p:grpSpPr>
-        <a:xfrm>
-          <a:off x="0" y="0"/>
-          <a:ext cx="0" cy="0"/>
-          <a:chOff x="0" y="0"/>
-          <a:chExt cx="0" cy="0"/>
-        </a:xfrm>
-      </p:grpSpPr>
-      <p:sp>
-        <p:nvSpPr>
-          <p:cNvPr id="2" name="Título 1"/>
-          <p:cNvSpPr>
-            <a:spLocks noGrp="1"/>
-          </p:cNvSpPr>
-          <p:nvPr>
-            <p:ph type="title"/>
-          </p:nvPr>
-        </p:nvSpPr>
-        <p:spPr/>
-        <p:txBody>
-          <a:bodyPr/>
-          <a:lstStyle/>
-          <a:p>
-            <a:r>
-              <a:rPr lang="es-ES" dirty="0"/>
-              <a:t>Composición del curso</a:t>
-            </a:r>
-            <a:endParaRPr lang="es-CO" dirty="0"/>
-          </a:p>
-        </p:txBody>
-      </p:sp>
-      <p:sp>
-        <p:nvSpPr>
-          <p:cNvPr id="8" name="CuadroTexto 7"/>
-          <p:cNvSpPr txBox="1"/>
-          <p:nvPr/>
-        </p:nvSpPr>
-        <p:spPr>
-          <a:xfrm>
-            <a:off x="1115616" y="1779662"/>
-            <a:ext cx="4248472" cy="954107"/>
-          </a:xfrm>
-          <a:prstGeom prst="rect">
-            <a:avLst/>
-          </a:prstGeom>
-          <a:noFill/>
-        </p:spPr>
-        <p:txBody>
-          <a:bodyPr wrap="square" rtlCol="0">
-            <a:spAutoFit/>
-          </a:bodyPr>
-          <a:lstStyle/>
-          <a:p>
-            <a:r>
-              <a:rPr lang="es-ES" b="1" dirty="0">
-                <a:solidFill>
-                  <a:schemeClr val="tx2"/>
-                </a:solidFill>
-              </a:rPr>
-              <a:t>UNIDAD 5</a:t>
-            </a:r>
-          </a:p>
-          <a:p>
-            <a:r>
-              <a:rPr lang="es-ES" dirty="0">
-                <a:solidFill>
-                  <a:schemeClr val="tx2"/>
-                </a:solidFill>
-              </a:rPr>
-              <a:t>Construcción de la GUI</a:t>
-            </a:r>
-          </a:p>
-          <a:p>
-            <a:endParaRPr lang="es-ES" dirty="0">
-              <a:solidFill>
-                <a:schemeClr val="tx2"/>
-              </a:solidFill>
-            </a:endParaRPr>
-          </a:p>
-          <a:p>
-            <a:endParaRPr lang="es-ES" dirty="0">
-              <a:solidFill>
-                <a:schemeClr val="tx2"/>
-              </a:solidFill>
-            </a:endParaRPr>
-          </a:p>
-        </p:txBody>
-      </p:sp>
-      <p:pic>
-        <p:nvPicPr>
-          <p:cNvPr id="12" name="Picture 6" descr="Resultado de imagen de icesi logo blanco&quot;"/>
-          <p:cNvPicPr>
-            <a:picLocks noChangeAspect="1" noChangeArrowheads="1"/>
-          </p:cNvPicPr>
-          <p:nvPr/>
-        </p:nvPicPr>
-        <p:blipFill>
-          <a:blip r:embed="rId2">
-            <a:extLst>
-              <a:ext uri="{28A0092B-C50C-407E-A947-70E740481C1C}">
-                <a14:useLocalDpi xmlns:a14="http://schemas.microsoft.com/office/drawing/2010/main" val="0"/>
-              </a:ext>
-            </a:extLst>
-          </a:blip>
-          <a:srcRect/>
-          <a:stretch>
-            <a:fillRect/>
-          </a:stretch>
-        </p:blipFill>
-        <p:spPr bwMode="auto">
-          <a:xfrm>
-            <a:off x="107504" y="70937"/>
-            <a:ext cx="1353519" cy="426195"/>
-          </a:xfrm>
-          <a:prstGeom prst="rect">
-            <a:avLst/>
-          </a:prstGeom>
-          <a:noFill/>
-          <a:extLst>
-            <a:ext uri="{909E8E84-426E-40DD-AFC4-6F175D3DCCD1}">
-              <a14:hiddenFill xmlns:a14="http://schemas.microsoft.com/office/drawing/2010/main">
-                <a:solidFill>
-                  <a:srgbClr val="FFFFFF"/>
-                </a:solidFill>
-              </a14:hiddenFill>
-            </a:ext>
-          </a:extLst>
-        </p:spPr>
-      </p:pic>
-      <p:sp>
-        <p:nvSpPr>
-          <p:cNvPr id="3" name="Elipse 2"/>
-          <p:cNvSpPr/>
-          <p:nvPr/>
-        </p:nvSpPr>
-        <p:spPr>
-          <a:xfrm>
-            <a:off x="539552" y="1861543"/>
-            <a:ext cx="360040" cy="360040"/>
-          </a:xfrm>
-          <a:prstGeom prst="ellipse">
-            <a:avLst/>
-          </a:prstGeom>
-          <a:ln>
-            <a:noFill/>
-          </a:ln>
-        </p:spPr>
-        <p:style>
-          <a:lnRef idx="2">
-            <a:schemeClr val="accent1">
-              <a:shade val="50000"/>
-            </a:schemeClr>
-          </a:lnRef>
-          <a:fillRef idx="1">
-            <a:schemeClr val="accent1"/>
-          </a:fillRef>
-          <a:effectRef idx="0">
-            <a:schemeClr val="accent1"/>
-          </a:effectRef>
-          <a:fontRef idx="minor">
-            <a:schemeClr val="lt1"/>
-          </a:fontRef>
-        </p:style>
-        <p:txBody>
-          <a:bodyPr rtlCol="0" anchor="ctr"/>
-          <a:lstStyle/>
-          <a:p>
-            <a:pPr algn="ctr"/>
-            <a:r>
-              <a:rPr lang="es-ES" dirty="0">
-                <a:solidFill>
-                  <a:schemeClr val="bg1"/>
-                </a:solidFill>
-              </a:rPr>
-              <a:t>4</a:t>
-            </a:r>
-            <a:endParaRPr lang="es-CO" dirty="0">
-              <a:solidFill>
-                <a:schemeClr val="bg1"/>
-              </a:solidFill>
-            </a:endParaRPr>
-          </a:p>
-        </p:txBody>
-      </p:sp>
-      <p:pic>
-        <p:nvPicPr>
-          <p:cNvPr id="1026" name="Picture 2" descr="Interfaz gráfica de usuario o GUI: Qué es y Para qué sirve | Workana">
-            <a:extLst>
-              <a:ext uri="{FF2B5EF4-FFF2-40B4-BE49-F238E27FC236}">
-                <a16:creationId xmlns:a16="http://schemas.microsoft.com/office/drawing/2014/main" id="{B60F6265-D2F3-D642-9CC7-2944C731E045}"/>
-              </a:ext>
-            </a:extLst>
-          </p:cNvPr>
-          <p:cNvPicPr>
-            <a:picLocks noChangeAspect="1" noChangeArrowheads="1"/>
-          </p:cNvPicPr>
-          <p:nvPr/>
-        </p:nvPicPr>
-        <p:blipFill>
-          <a:blip r:embed="rId3">
-            <a:extLst>
-              <a:ext uri="{28A0092B-C50C-407E-A947-70E740481C1C}">
-                <a14:useLocalDpi xmlns:a14="http://schemas.microsoft.com/office/drawing/2010/main" val="0"/>
-              </a:ext>
-            </a:extLst>
-          </a:blip>
-          <a:srcRect/>
-          <a:stretch>
-            <a:fillRect/>
-          </a:stretch>
-        </p:blipFill>
-        <p:spPr bwMode="auto">
-          <a:xfrm>
-            <a:off x="3563888" y="1479792"/>
-            <a:ext cx="5328592" cy="2507954"/>
-          </a:xfrm>
-          <a:prstGeom prst="rect">
-            <a:avLst/>
-          </a:prstGeom>
-          <a:noFill/>
-          <a:ln>
-            <a:solidFill>
-              <a:schemeClr val="tx1"/>
-            </a:solidFill>
-          </a:ln>
-          <a:extLst>
-            <a:ext uri="{909E8E84-426E-40DD-AFC4-6F175D3DCCD1}">
-              <a14:hiddenFill xmlns:a14="http://schemas.microsoft.com/office/drawing/2010/main">
-                <a:solidFill>
-                  <a:srgbClr val="FFFFFF"/>
-                </a:solidFill>
-              </a14:hiddenFill>
-            </a:ext>
-          </a:extLst>
-        </p:spPr>
-      </p:pic>
-      <p:sp>
-        <p:nvSpPr>
-          <p:cNvPr id="4" name="Rectángulo 3">
-            <a:extLst>
-              <a:ext uri="{FF2B5EF4-FFF2-40B4-BE49-F238E27FC236}">
-                <a16:creationId xmlns:a16="http://schemas.microsoft.com/office/drawing/2014/main" id="{3C501BEC-C3C6-7143-BBE9-D9F6937B6CA5}"/>
-              </a:ext>
-            </a:extLst>
-          </p:cNvPr>
-          <p:cNvSpPr/>
-          <p:nvPr/>
-        </p:nvSpPr>
-        <p:spPr>
-          <a:xfrm>
-            <a:off x="1187624" y="4164517"/>
-            <a:ext cx="6311343" cy="523220"/>
-          </a:xfrm>
-          <a:prstGeom prst="rect">
-            <a:avLst/>
-          </a:prstGeom>
-        </p:spPr>
-        <p:txBody>
-          <a:bodyPr wrap="none">
-            <a:spAutoFit/>
-          </a:bodyPr>
-          <a:lstStyle/>
-          <a:p>
-            <a:pPr algn="ctr"/>
-            <a:r>
-              <a:rPr lang="es-ES" dirty="0">
-                <a:solidFill>
-                  <a:schemeClr val="tx2"/>
-                </a:solidFill>
-              </a:rPr>
-              <a:t>Debemos pensar en los usuarios de las aplicaciones que realizamos. </a:t>
-            </a:r>
-          </a:p>
-          <a:p>
-            <a:pPr algn="ctr"/>
-            <a:r>
-              <a:rPr lang="es-ES" dirty="0">
-                <a:solidFill>
-                  <a:schemeClr val="tx2"/>
-                </a:solidFill>
-              </a:rPr>
-              <a:t>Qué facilidades les damos, qué experiencia ofrecemos, qué valor agregamos</a:t>
-            </a:r>
-          </a:p>
-        </p:txBody>
-      </p:sp>
-    </p:spTree>
-    <p:extLst>
-      <p:ext uri="{BB962C8B-B14F-4D97-AF65-F5344CB8AC3E}">
-        <p14:creationId xmlns:p14="http://schemas.microsoft.com/office/powerpoint/2010/main" val="2430028735"/>
       </p:ext>
     </p:extLst>
   </p:cSld>
